--- a/COM/assets/Vision Impair Poster.pptx
+++ b/COM/assets/Vision Impair Poster.pptx
@@ -243,7 +243,7 @@
           <a:p>
             <a:fld id="{1A216F65-0C9C-45E1-BCCD-B29180FE12C4}" type="datetimeFigureOut">
               <a:rPr lang="en-US" smtClean="0"/>
-              <a:t>2/7/2018</a:t>
+              <a:t>2/21/2018</a:t>
             </a:fld>
             <a:endParaRPr lang="en-US"/>
           </a:p>
@@ -413,7 +413,7 @@
           <a:p>
             <a:fld id="{1A216F65-0C9C-45E1-BCCD-B29180FE12C4}" type="datetimeFigureOut">
               <a:rPr lang="en-US" smtClean="0"/>
-              <a:t>2/7/2018</a:t>
+              <a:t>2/21/2018</a:t>
             </a:fld>
             <a:endParaRPr lang="en-US"/>
           </a:p>
@@ -593,7 +593,7 @@
           <a:p>
             <a:fld id="{1A216F65-0C9C-45E1-BCCD-B29180FE12C4}" type="datetimeFigureOut">
               <a:rPr lang="en-US" smtClean="0"/>
-              <a:t>2/7/2018</a:t>
+              <a:t>2/21/2018</a:t>
             </a:fld>
             <a:endParaRPr lang="en-US"/>
           </a:p>
@@ -763,7 +763,7 @@
           <a:p>
             <a:fld id="{1A216F65-0C9C-45E1-BCCD-B29180FE12C4}" type="datetimeFigureOut">
               <a:rPr lang="en-US" smtClean="0"/>
-              <a:t>2/7/2018</a:t>
+              <a:t>2/21/2018</a:t>
             </a:fld>
             <a:endParaRPr lang="en-US"/>
           </a:p>
@@ -1007,7 +1007,7 @@
           <a:p>
             <a:fld id="{1A216F65-0C9C-45E1-BCCD-B29180FE12C4}" type="datetimeFigureOut">
               <a:rPr lang="en-US" smtClean="0"/>
-              <a:t>2/7/2018</a:t>
+              <a:t>2/21/2018</a:t>
             </a:fld>
             <a:endParaRPr lang="en-US"/>
           </a:p>
@@ -1239,7 +1239,7 @@
           <a:p>
             <a:fld id="{1A216F65-0C9C-45E1-BCCD-B29180FE12C4}" type="datetimeFigureOut">
               <a:rPr lang="en-US" smtClean="0"/>
-              <a:t>2/7/2018</a:t>
+              <a:t>2/21/2018</a:t>
             </a:fld>
             <a:endParaRPr lang="en-US"/>
           </a:p>
@@ -1606,7 +1606,7 @@
           <a:p>
             <a:fld id="{1A216F65-0C9C-45E1-BCCD-B29180FE12C4}" type="datetimeFigureOut">
               <a:rPr lang="en-US" smtClean="0"/>
-              <a:t>2/7/2018</a:t>
+              <a:t>2/21/2018</a:t>
             </a:fld>
             <a:endParaRPr lang="en-US"/>
           </a:p>
@@ -1724,7 +1724,7 @@
           <a:p>
             <a:fld id="{1A216F65-0C9C-45E1-BCCD-B29180FE12C4}" type="datetimeFigureOut">
               <a:rPr lang="en-US" smtClean="0"/>
-              <a:t>2/7/2018</a:t>
+              <a:t>2/21/2018</a:t>
             </a:fld>
             <a:endParaRPr lang="en-US"/>
           </a:p>
@@ -1819,7 +1819,7 @@
           <a:p>
             <a:fld id="{1A216F65-0C9C-45E1-BCCD-B29180FE12C4}" type="datetimeFigureOut">
               <a:rPr lang="en-US" smtClean="0"/>
-              <a:t>2/7/2018</a:t>
+              <a:t>2/21/2018</a:t>
             </a:fld>
             <a:endParaRPr lang="en-US"/>
           </a:p>
@@ -2096,7 +2096,7 @@
           <a:p>
             <a:fld id="{1A216F65-0C9C-45E1-BCCD-B29180FE12C4}" type="datetimeFigureOut">
               <a:rPr lang="en-US" smtClean="0"/>
-              <a:t>2/7/2018</a:t>
+              <a:t>2/21/2018</a:t>
             </a:fld>
             <a:endParaRPr lang="en-US"/>
           </a:p>
@@ -2353,7 +2353,7 @@
           <a:p>
             <a:fld id="{1A216F65-0C9C-45E1-BCCD-B29180FE12C4}" type="datetimeFigureOut">
               <a:rPr lang="en-US" smtClean="0"/>
-              <a:t>2/7/2018</a:t>
+              <a:t>2/21/2018</a:t>
             </a:fld>
             <a:endParaRPr lang="en-US"/>
           </a:p>
@@ -2566,7 +2566,7 @@
           <a:p>
             <a:fld id="{1A216F65-0C9C-45E1-BCCD-B29180FE12C4}" type="datetimeFigureOut">
               <a:rPr lang="en-US" smtClean="0"/>
-              <a:t>2/7/2018</a:t>
+              <a:t>2/21/2018</a:t>
             </a:fld>
             <a:endParaRPr lang="en-US"/>
           </a:p>
@@ -3022,7 +3022,7 @@
         </p:nvSpPr>
         <p:spPr>
           <a:xfrm>
-            <a:off x="15316437" y="3318153"/>
+            <a:off x="15361866" y="3324998"/>
             <a:ext cx="12192635" cy="25511760"/>
           </a:xfrm>
           <a:prstGeom prst="rect">
@@ -3059,7 +3059,7 @@
         </p:nvSpPr>
         <p:spPr>
           <a:xfrm>
-            <a:off x="29401756" y="3324998"/>
+            <a:off x="29705540" y="3322124"/>
             <a:ext cx="12192636" cy="25511760"/>
           </a:xfrm>
           <a:prstGeom prst="rect">
@@ -3195,8 +3195,8 @@
         </p:blipFill>
         <p:spPr>
           <a:xfrm>
-            <a:off x="37769786" y="24981038"/>
-            <a:ext cx="3810000" cy="3810000"/>
+            <a:off x="37314206" y="24306875"/>
+            <a:ext cx="4521100" cy="4521100"/>
           </a:xfrm>
           <a:prstGeom prst="rect">
             <a:avLst/>
@@ -3294,8 +3294,8 @@
         </p:nvSpPr>
         <p:spPr>
           <a:xfrm>
-            <a:off x="29462786" y="22284670"/>
-            <a:ext cx="3802293" cy="1631216"/>
+            <a:off x="30293607" y="22258832"/>
+            <a:ext cx="4957184" cy="861774"/>
           </a:xfrm>
           <a:prstGeom prst="rect">
             <a:avLst/>
@@ -3372,7 +3372,7 @@
         </p:nvSpPr>
         <p:spPr>
           <a:xfrm>
-            <a:off x="935477" y="8233807"/>
+            <a:off x="958015" y="8177456"/>
             <a:ext cx="12239545" cy="1846659"/>
           </a:xfrm>
           <a:prstGeom prst="rect">
@@ -3391,7 +3391,7 @@
                 <a:latin typeface="Times New Roman" panose="02020603050405020304" pitchFamily="18" charset="0"/>
                 <a:cs typeface="Times New Roman" panose="02020603050405020304" pitchFamily="18" charset="0"/>
               </a:rPr>
-              <a:t>This project demonstrates a long-term technology-enabled solution to issues experienced by people with vision impaired. </a:t>
+              <a:t>This project is developing a long-term technology-enabled solution to assist journey preparation for members of vision impaired community.</a:t>
             </a:r>
           </a:p>
         </p:txBody>
@@ -3448,8 +3448,8 @@
         </p:nvSpPr>
         <p:spPr>
           <a:xfrm>
-            <a:off x="29509162" y="27367348"/>
-            <a:ext cx="8314423" cy="1446550"/>
+            <a:off x="36598240" y="22212716"/>
+            <a:ext cx="4957184" cy="2031325"/>
           </a:xfrm>
           <a:prstGeom prst="rect">
             <a:avLst/>
@@ -3532,7 +3532,7 @@
         </p:blipFill>
         <p:spPr>
           <a:xfrm>
-            <a:off x="36716487" y="12594931"/>
+            <a:off x="37020271" y="12592057"/>
             <a:ext cx="4113123" cy="3953218"/>
           </a:xfrm>
           <a:prstGeom prst="rect">
@@ -3562,7 +3562,7 @@
         </p:blipFill>
         <p:spPr>
           <a:xfrm>
-            <a:off x="21737213" y="17226646"/>
+            <a:off x="21782642" y="17233491"/>
             <a:ext cx="5469428" cy="2749443"/>
           </a:xfrm>
           <a:prstGeom prst="rect">
@@ -3727,7 +3727,7 @@
                 <a:latin typeface="Times New Roman" panose="02020603050405020304" pitchFamily="18" charset="0"/>
                 <a:cs typeface="Times New Roman" panose="02020603050405020304" pitchFamily="18" charset="0"/>
               </a:rPr>
-              <a:t>In order to archive what we call “immersive” experience, we use </a:t>
+              <a:t>In order to achieve an “immersive” experience, we use </a:t>
             </a:r>
             <a:r>
               <a:rPr lang="en-US" sz="3800" dirty="0" err="1">
@@ -3741,7 +3741,7 @@
                 <a:latin typeface="Times New Roman" panose="02020603050405020304" pitchFamily="18" charset="0"/>
                 <a:cs typeface="Times New Roman" panose="02020603050405020304" pitchFamily="18" charset="0"/>
               </a:rPr>
-              <a:t> Technology [1]: a full-sphere surround sound technique, in addition to the horizontal plane, it covers  sound sources above and below the listener</a:t>
+              <a:t> Technology [1]: a full-sphere surround sound technique, in addition to the horizontal plane, it covers  sound sources above and below the listener.</a:t>
             </a:r>
           </a:p>
         </p:txBody>
@@ -3815,7 +3815,7 @@
         </p:blipFill>
         <p:spPr>
           <a:xfrm>
-            <a:off x="21785961" y="8018754"/>
+            <a:off x="21831390" y="8025599"/>
             <a:ext cx="4842452" cy="5299679"/>
           </a:xfrm>
           <a:prstGeom prst="rect">
@@ -3837,7 +3837,7 @@
         </p:nvSpPr>
         <p:spPr>
           <a:xfrm>
-            <a:off x="15339892" y="3426126"/>
+            <a:off x="15385321" y="3432971"/>
             <a:ext cx="12239545" cy="861774"/>
           </a:xfrm>
           <a:prstGeom prst="rect">
@@ -3876,8 +3876,8 @@
         </p:nvSpPr>
         <p:spPr>
           <a:xfrm>
-            <a:off x="29462786" y="25202115"/>
-            <a:ext cx="8314423" cy="1846659"/>
+            <a:off x="29785985" y="26949732"/>
+            <a:ext cx="7868660" cy="1754326"/>
           </a:xfrm>
           <a:prstGeom prst="rect">
             <a:avLst/>
@@ -3891,55 +3891,48 @@
           <a:lstStyle/>
           <a:p>
             <a:r>
-              <a:rPr lang="en-US" sz="3800" dirty="0">
+              <a:rPr lang="en-US" sz="3600" dirty="0">
                 <a:latin typeface="Times New Roman" panose="02020603050405020304" pitchFamily="18" charset="0"/>
                 <a:cs typeface="Times New Roman" panose="02020603050405020304" pitchFamily="18" charset="0"/>
               </a:rPr>
               <a:t>1. An Introduction to Higher Order </a:t>
             </a:r>
             <a:r>
-              <a:rPr lang="en-US" sz="3800" dirty="0" err="1">
+              <a:rPr lang="en-US" sz="3600" dirty="0" err="1">
                 <a:latin typeface="Times New Roman" panose="02020603050405020304" pitchFamily="18" charset="0"/>
                 <a:cs typeface="Times New Roman" panose="02020603050405020304" pitchFamily="18" charset="0"/>
               </a:rPr>
               <a:t>Ambisonic</a:t>
             </a:r>
             <a:r>
-              <a:rPr lang="en-US" sz="3800" dirty="0">
-                <a:latin typeface="Times New Roman" panose="02020603050405020304" pitchFamily="18" charset="0"/>
-                <a:cs typeface="Times New Roman" panose="02020603050405020304" pitchFamily="18" charset="0"/>
-              </a:rPr>
-              <a:t> (http://</a:t>
-            </a:r>
-            <a:r>
-              <a:rPr lang="en-US" sz="3800" dirty="0" err="1">
+              <a:rPr lang="en-US" sz="3600" dirty="0">
+                <a:latin typeface="Times New Roman" panose="02020603050405020304" pitchFamily="18" charset="0"/>
+                <a:cs typeface="Times New Roman" panose="02020603050405020304" pitchFamily="18" charset="0"/>
+              </a:rPr>
+              <a:t> -http://</a:t>
+            </a:r>
+            <a:r>
+              <a:rPr lang="en-US" sz="3600" dirty="0" err="1">
                 <a:latin typeface="Times New Roman" panose="02020603050405020304" pitchFamily="18" charset="0"/>
                 <a:cs typeface="Times New Roman" panose="02020603050405020304" pitchFamily="18" charset="0"/>
               </a:rPr>
               <a:t>flo.mur.at</a:t>
             </a:r>
             <a:r>
-              <a:rPr lang="en-US" sz="3800" dirty="0">
+              <a:rPr lang="en-US" sz="3600" dirty="0">
                 <a:latin typeface="Times New Roman" panose="02020603050405020304" pitchFamily="18" charset="0"/>
                 <a:cs typeface="Times New Roman" panose="02020603050405020304" pitchFamily="18" charset="0"/>
               </a:rPr>
               <a:t>/writings/</a:t>
             </a:r>
             <a:r>
-              <a:rPr lang="en-US" sz="3800" dirty="0" err="1">
+              <a:rPr lang="en-US" sz="3600" dirty="0" err="1">
                 <a:latin typeface="Times New Roman" panose="02020603050405020304" pitchFamily="18" charset="0"/>
                 <a:cs typeface="Times New Roman" panose="02020603050405020304" pitchFamily="18" charset="0"/>
               </a:rPr>
               <a:t>HOA-intro.pdf</a:t>
             </a:r>
-            <a:r>
-              <a:rPr lang="en-US" sz="3800" dirty="0">
-                <a:latin typeface="Times New Roman" panose="02020603050405020304" pitchFamily="18" charset="0"/>
-                <a:cs typeface="Times New Roman" panose="02020603050405020304" pitchFamily="18" charset="0"/>
-              </a:rPr>
-              <a:t>)</a:t>
-            </a:r>
-            <a:endParaRPr lang="en-US" sz="3800" b="1" dirty="0">
+            <a:endParaRPr lang="en-US" sz="3600" b="1" dirty="0">
               <a:latin typeface="Times New Roman" panose="02020603050405020304" pitchFamily="18" charset="0"/>
               <a:cs typeface="Times New Roman" panose="02020603050405020304" pitchFamily="18" charset="0"/>
             </a:endParaRPr>
@@ -3960,7 +3953,7 @@
         </p:nvSpPr>
         <p:spPr>
           <a:xfrm>
-            <a:off x="15595581" y="4443898"/>
+            <a:off x="15641010" y="4450743"/>
             <a:ext cx="11913491" cy="3600986"/>
           </a:xfrm>
           <a:prstGeom prst="rect">
@@ -4011,7 +4004,7 @@
         </p:blipFill>
         <p:spPr bwMode="auto">
           <a:xfrm>
-            <a:off x="15821617" y="8165267"/>
+            <a:off x="15867046" y="8172112"/>
             <a:ext cx="5145979" cy="4878912"/>
           </a:xfrm>
           <a:prstGeom prst="rect">
@@ -4043,8 +4036,8 @@
         </p:nvSpPr>
         <p:spPr>
           <a:xfrm>
-            <a:off x="33265079" y="22013870"/>
-            <a:ext cx="8298264" cy="2431435"/>
+            <a:off x="29749020" y="23184642"/>
+            <a:ext cx="7990761" cy="3016210"/>
           </a:xfrm>
           <a:prstGeom prst="rect">
             <a:avLst/>
@@ -4107,7 +4100,7 @@
                 <a:latin typeface="Times New Roman" panose="02020603050405020304" pitchFamily="18" charset="0"/>
                 <a:cs typeface="Times New Roman" panose="02020603050405020304" pitchFamily="18" charset="0"/>
               </a:rPr>
-              <a:t> VR Microphone</a:t>
+              <a:t> VR Mic</a:t>
             </a:r>
           </a:p>
           <a:p>
@@ -4202,7 +4195,7 @@
         </p:nvSpPr>
         <p:spPr>
           <a:xfrm>
-            <a:off x="15489566" y="13585266"/>
+            <a:off x="15534995" y="13592111"/>
             <a:ext cx="12019505" cy="7294305"/>
           </a:xfrm>
           <a:prstGeom prst="rect">
@@ -4299,17 +4292,16 @@
                 <a:latin typeface="Times New Roman" panose="02020603050405020304" pitchFamily="18" charset="0"/>
                 <a:cs typeface="Times New Roman" panose="02020603050405020304" pitchFamily="18" charset="0"/>
               </a:rPr>
-              <a:t>video. </a:t>
-            </a:r>
-            <a:br>
-              <a:rPr lang="en-US" sz="3800" dirty="0"/>
-            </a:br>
+              <a:t>video. For a mobile user, </a:t>
+            </a:r>
+          </a:p>
+          <a:p>
             <a:r>
               <a:rPr lang="en-US" sz="3800" dirty="0">
                 <a:latin typeface="Times New Roman" panose="02020603050405020304" pitchFamily="18" charset="0"/>
                 <a:cs typeface="Times New Roman" panose="02020603050405020304" pitchFamily="18" charset="0"/>
               </a:rPr>
-              <a:t>For a mobile user, rotating </a:t>
+              <a:t>rotating mobile device will </a:t>
             </a:r>
           </a:p>
           <a:p>
@@ -4318,12 +4310,8 @@
                 <a:latin typeface="Times New Roman" panose="02020603050405020304" pitchFamily="18" charset="0"/>
                 <a:cs typeface="Times New Roman" panose="02020603050405020304" pitchFamily="18" charset="0"/>
               </a:rPr>
-              <a:t>mobile device will also move the direction of the camera.</a:t>
-            </a:r>
-            <a:endParaRPr lang="en-US" sz="3800" b="1" dirty="0">
-              <a:latin typeface="Times New Roman" panose="02020603050405020304" pitchFamily="18" charset="0"/>
-              <a:cs typeface="Times New Roman" panose="02020603050405020304" pitchFamily="18" charset="0"/>
-            </a:endParaRPr>
+              <a:t>also move the direction of the camera.</a:t>
+            </a:r>
           </a:p>
         </p:txBody>
       </p:sp>
@@ -4341,7 +4329,7 @@
         </p:nvSpPr>
         <p:spPr>
           <a:xfrm>
-            <a:off x="29642094" y="3484849"/>
+            <a:off x="29945878" y="3481975"/>
             <a:ext cx="12239545" cy="861774"/>
           </a:xfrm>
           <a:prstGeom prst="rect">
@@ -4399,7 +4387,7 @@
                 <a:latin typeface="Times New Roman" panose="02020603050405020304" pitchFamily="18" charset="0"/>
                 <a:cs typeface="Times New Roman" panose="02020603050405020304" pitchFamily="18" charset="0"/>
               </a:rPr>
-              <a:t>In our experiment, we choose Flinders Street Station as the testing environment </a:t>
+              <a:t>In our experiment, we choose Flinders Street Railway Station as the testing environment.</a:t>
             </a:r>
           </a:p>
         </p:txBody>
@@ -4425,8 +4413,8 @@
         </p:blipFill>
         <p:spPr>
           <a:xfrm>
-            <a:off x="15656778" y="21094400"/>
-            <a:ext cx="11681591" cy="5606298"/>
+            <a:off x="15702040" y="21593044"/>
+            <a:ext cx="11611060" cy="5280040"/>
           </a:xfrm>
           <a:prstGeom prst="rect">
             <a:avLst/>
@@ -4447,7 +4435,7 @@
         </p:nvSpPr>
         <p:spPr>
           <a:xfrm>
-            <a:off x="15525051" y="26841976"/>
+            <a:off x="15570480" y="26848821"/>
             <a:ext cx="11681590" cy="1846659"/>
           </a:xfrm>
           <a:prstGeom prst="rect">
@@ -4473,21 +4461,7 @@
                 <a:latin typeface="Times New Roman" panose="02020603050405020304" pitchFamily="18" charset="0"/>
                 <a:cs typeface="Times New Roman" panose="02020603050405020304" pitchFamily="18" charset="0"/>
               </a:rPr>
-              <a:t>Users can interact with the interface using voice command and </a:t>
-            </a:r>
-            <a:r>
-              <a:rPr lang="en-US" sz="3800" dirty="0" err="1">
-                <a:latin typeface="Times New Roman" panose="02020603050405020304" pitchFamily="18" charset="0"/>
-                <a:cs typeface="Times New Roman" panose="02020603050405020304" pitchFamily="18" charset="0"/>
-              </a:rPr>
-              <a:t>the0</a:t>
-            </a:r>
-            <a:r>
-              <a:rPr lang="en-US" sz="3800" dirty="0">
-                <a:latin typeface="Times New Roman" panose="02020603050405020304" pitchFamily="18" charset="0"/>
-                <a:cs typeface="Times New Roman" panose="02020603050405020304" pitchFamily="18" charset="0"/>
-              </a:rPr>
-              <a:t> audio cues will be played back upon user’s request</a:t>
+              <a:t>Users can interact with the interface using voice command and then audio cues will be played back upon user’s request</a:t>
             </a:r>
             <a:endParaRPr lang="en-US" sz="3800" b="1" dirty="0">
               <a:latin typeface="Times New Roman" panose="02020603050405020304" pitchFamily="18" charset="0"/>
@@ -4518,7 +4492,7 @@
         </p:blipFill>
         <p:spPr>
           <a:xfrm>
-            <a:off x="29673942" y="9476770"/>
+            <a:off x="29977726" y="9473896"/>
             <a:ext cx="11681590" cy="3058988"/>
           </a:xfrm>
           <a:prstGeom prst="rect">
@@ -4540,7 +4514,7 @@
         </p:nvSpPr>
         <p:spPr>
           <a:xfrm>
-            <a:off x="29673942" y="12571734"/>
+            <a:off x="29977726" y="12568860"/>
             <a:ext cx="7291273" cy="1261884"/>
           </a:xfrm>
           <a:prstGeom prst="rect">
@@ -4578,7 +4552,7 @@
         </p:nvSpPr>
         <p:spPr>
           <a:xfrm>
-            <a:off x="29599105" y="4488392"/>
+            <a:off x="29902889" y="4485518"/>
             <a:ext cx="8134536" cy="3600986"/>
           </a:xfrm>
           <a:prstGeom prst="rect">
@@ -4597,21 +4571,7 @@
                 <a:latin typeface="Times New Roman" panose="02020603050405020304" pitchFamily="18" charset="0"/>
                 <a:cs typeface="Times New Roman" panose="02020603050405020304" pitchFamily="18" charset="0"/>
               </a:rPr>
-              <a:t>For this platform, thanks to Stuart </a:t>
-            </a:r>
-            <a:r>
-              <a:rPr lang="en-US" sz="3800" dirty="0" err="1">
-                <a:latin typeface="Times New Roman" panose="02020603050405020304" pitchFamily="18" charset="0"/>
-                <a:cs typeface="Times New Roman" panose="02020603050405020304" pitchFamily="18" charset="0"/>
-              </a:rPr>
-              <a:t>Favilla</a:t>
-            </a:r>
-            <a:r>
-              <a:rPr lang="en-US" sz="3800" dirty="0">
-                <a:latin typeface="Times New Roman" panose="02020603050405020304" pitchFamily="18" charset="0"/>
-                <a:cs typeface="Times New Roman" panose="02020603050405020304" pitchFamily="18" charset="0"/>
-              </a:rPr>
-              <a:t> for the idea of using and integrating a head-tracker which can track yaw-pitch-roll value of a user’s head. This value is used to change sound field and generate directional narration. </a:t>
+              <a:t>A Desktop application is also being developed to explore the use of headtracking, allowing the tracking of yaw-pitch-roll value of a user’s head. This value is used to change sound field and generate directional narration. </a:t>
             </a:r>
           </a:p>
         </p:txBody>
@@ -4630,7 +4590,7 @@
         </p:nvSpPr>
         <p:spPr>
           <a:xfrm>
-            <a:off x="27501649" y="24338810"/>
+            <a:off x="27653274" y="26188374"/>
             <a:ext cx="8375453" cy="861774"/>
           </a:xfrm>
           <a:prstGeom prst="rect">
@@ -4650,7 +4610,7 @@
                 <a:latin typeface="Times New Roman" panose="02020603050405020304" pitchFamily="18" charset="0"/>
                 <a:cs typeface="Times New Roman" panose="02020603050405020304" pitchFamily="18" charset="0"/>
               </a:rPr>
-              <a:t>References</a:t>
+              <a:t>    References</a:t>
             </a:r>
           </a:p>
         </p:txBody>
@@ -4677,7 +4637,7 @@
         </p:blipFill>
         <p:spPr>
           <a:xfrm>
-            <a:off x="29593934" y="16313804"/>
+            <a:off x="29897718" y="16310930"/>
             <a:ext cx="11808280" cy="5722129"/>
           </a:xfrm>
           <a:prstGeom prst="rect">
@@ -4699,7 +4659,7 @@
         </p:nvSpPr>
         <p:spPr>
           <a:xfrm>
-            <a:off x="29697394" y="13823196"/>
+            <a:off x="30001178" y="13820322"/>
             <a:ext cx="6759958" cy="2431435"/>
           </a:xfrm>
           <a:prstGeom prst="rect">
@@ -4739,7 +4699,7 @@
         </p:nvSpPr>
         <p:spPr>
           <a:xfrm>
-            <a:off x="0" y="2009938"/>
+            <a:off x="155207" y="2010060"/>
             <a:ext cx="42794238" cy="702727"/>
           </a:xfrm>
           <a:prstGeom prst="rect">
@@ -4775,7 +4735,7 @@
                 <a:latin typeface="Times New Roman" panose="02020603050405020304" pitchFamily="18" charset="0"/>
                 <a:cs typeface="Times New Roman" panose="02020603050405020304" pitchFamily="18" charset="0"/>
               </a:rPr>
-              <a:t>Dung Lai, Chris McCarthy, David Sly, Harrison Bennett, Matt Shackleton, Stuart </a:t>
+              <a:t>Tuan Dung Lai, Chris McCarthy, David Sly, Harrison Bennett, Matt Shackleton, Stuart </a:t>
             </a:r>
             <a:r>
               <a:rPr lang="en-US" sz="4400" dirty="0" err="1">
@@ -4813,7 +4773,7 @@
         </p:blipFill>
         <p:spPr>
           <a:xfrm>
-            <a:off x="37769786" y="4352748"/>
+            <a:off x="38073570" y="4349874"/>
             <a:ext cx="3468304" cy="3208830"/>
           </a:xfrm>
           <a:prstGeom prst="rect">
@@ -4835,8 +4795,8 @@
         </p:nvSpPr>
         <p:spPr>
           <a:xfrm>
-            <a:off x="29567337" y="7908334"/>
-            <a:ext cx="11670753" cy="1261884"/>
+            <a:off x="29871121" y="7905460"/>
+            <a:ext cx="12314302" cy="1261884"/>
           </a:xfrm>
           <a:prstGeom prst="rect">
             <a:avLst/>
@@ -4854,13 +4814,27 @@
                 <a:latin typeface="Times New Roman" panose="02020603050405020304" pitchFamily="18" charset="0"/>
                 <a:cs typeface="Times New Roman" panose="02020603050405020304" pitchFamily="18" charset="0"/>
               </a:rPr>
-              <a:t>The image below shows the open-source head-tracker we used, called </a:t>
+              <a:t>Thanks to Stuart </a:t>
             </a:r>
             <a:r>
               <a:rPr lang="en-US" sz="3800" dirty="0" err="1">
                 <a:latin typeface="Times New Roman" panose="02020603050405020304" pitchFamily="18" charset="0"/>
                 <a:cs typeface="Times New Roman" panose="02020603050405020304" pitchFamily="18" charset="0"/>
               </a:rPr>
+              <a:t>Favilla</a:t>
+            </a:r>
+            <a:r>
+              <a:rPr lang="en-US" sz="3800" dirty="0">
+                <a:latin typeface="Times New Roman" panose="02020603050405020304" pitchFamily="18" charset="0"/>
+                <a:cs typeface="Times New Roman" panose="02020603050405020304" pitchFamily="18" charset="0"/>
+              </a:rPr>
+              <a:t>, the </a:t>
+            </a:r>
+            <a:r>
+              <a:rPr lang="en-US" sz="3800" dirty="0" err="1">
+                <a:latin typeface="Times New Roman" panose="02020603050405020304" pitchFamily="18" charset="0"/>
+                <a:cs typeface="Times New Roman" panose="02020603050405020304" pitchFamily="18" charset="0"/>
+              </a:rPr>
               <a:t>Hedrot</a:t>
             </a:r>
             <a:r>
@@ -4868,8 +4842,47 @@
                 <a:latin typeface="Times New Roman" panose="02020603050405020304" pitchFamily="18" charset="0"/>
                 <a:cs typeface="Times New Roman" panose="02020603050405020304" pitchFamily="18" charset="0"/>
               </a:rPr>
-              <a:t> and its integration on headphone.</a:t>
-            </a:r>
+              <a:t> head-tracker is successfully implemented and the integration is shown below</a:t>
+            </a:r>
+          </a:p>
+        </p:txBody>
+      </p:sp>
+      <p:sp>
+        <p:nvSpPr>
+          <p:cNvPr id="5" name="TextBox 4">
+            <a:extLst>
+              <a:ext uri="{FF2B5EF4-FFF2-40B4-BE49-F238E27FC236}">
+                <a16:creationId xmlns:a16="http://schemas.microsoft.com/office/drawing/2014/main" id="{4C849375-BC22-4090-965B-D11EAB3AC723}"/>
+              </a:ext>
+            </a:extLst>
+          </p:cNvPr>
+          <p:cNvSpPr txBox="1"/>
+          <p:nvPr/>
+        </p:nvSpPr>
+        <p:spPr>
+          <a:xfrm>
+            <a:off x="15534994" y="20886416"/>
+            <a:ext cx="12790634" cy="677108"/>
+          </a:xfrm>
+          <a:prstGeom prst="rect">
+            <a:avLst/>
+          </a:prstGeom>
+          <a:noFill/>
+        </p:spPr>
+        <p:txBody>
+          <a:bodyPr wrap="square" rtlCol="0">
+            <a:spAutoFit/>
+          </a:bodyPr>
+          <a:lstStyle/>
+          <a:p>
+            <a:r>
+              <a:rPr lang="en-US" sz="3800" dirty="0">
+                <a:latin typeface="Times New Roman" panose="02020603050405020304" pitchFamily="18" charset="0"/>
+                <a:cs typeface="Times New Roman" panose="02020603050405020304" pitchFamily="18" charset="0"/>
+              </a:rPr>
+              <a:t>An auditory-based simulation of Flinders Street Station:</a:t>
+            </a:r>
+            <a:endParaRPr lang="en-US" dirty="0"/>
           </a:p>
         </p:txBody>
       </p:sp>

--- a/COM/assets/Vision Impair Poster.pptx
+++ b/COM/assets/Vision Impair Poster.pptx
@@ -2973,6 +2973,256 @@
       </p:grpSpPr>
       <p:sp>
         <p:nvSpPr>
+          <p:cNvPr id="70" name="Rectangle 69">
+            <a:extLst>
+              <a:ext uri="{FF2B5EF4-FFF2-40B4-BE49-F238E27FC236}">
+                <a16:creationId xmlns:a16="http://schemas.microsoft.com/office/drawing/2014/main" id="{A407564F-CE5B-4125-BC3F-DFECB9DE362E}"/>
+              </a:ext>
+            </a:extLst>
+          </p:cNvPr>
+          <p:cNvSpPr/>
+          <p:nvPr/>
+        </p:nvSpPr>
+        <p:spPr>
+          <a:xfrm>
+            <a:off x="0" y="-67308"/>
+            <a:ext cx="42794238" cy="3742678"/>
+          </a:xfrm>
+          <a:prstGeom prst="rect">
+            <a:avLst/>
+          </a:prstGeom>
+          <a:solidFill>
+            <a:schemeClr val="accent1">
+              <a:lumMod val="40000"/>
+              <a:lumOff val="60000"/>
+            </a:schemeClr>
+          </a:solidFill>
+        </p:spPr>
+        <p:style>
+          <a:lnRef idx="2">
+            <a:schemeClr val="accent1">
+              <a:shade val="50000"/>
+            </a:schemeClr>
+          </a:lnRef>
+          <a:fillRef idx="1">
+            <a:schemeClr val="accent1"/>
+          </a:fillRef>
+          <a:effectRef idx="0">
+            <a:schemeClr val="accent1"/>
+          </a:effectRef>
+          <a:fontRef idx="minor">
+            <a:schemeClr val="lt1"/>
+          </a:fontRef>
+        </p:style>
+        <p:txBody>
+          <a:bodyPr rtlCol="0" anchor="ctr"/>
+          <a:lstStyle/>
+          <a:p>
+            <a:pPr algn="ctr"/>
+            <a:endParaRPr lang="en-US"/>
+          </a:p>
+        </p:txBody>
+      </p:sp>
+      <p:sp>
+        <p:nvSpPr>
+          <p:cNvPr id="16" name="Rectangle 15">
+            <a:extLst>
+              <a:ext uri="{FF2B5EF4-FFF2-40B4-BE49-F238E27FC236}">
+                <a16:creationId xmlns:a16="http://schemas.microsoft.com/office/drawing/2014/main" id="{38FC9C14-2E6F-4A2F-9C0A-9F3A763A65F0}"/>
+              </a:ext>
+            </a:extLst>
+          </p:cNvPr>
+          <p:cNvSpPr/>
+          <p:nvPr/>
+        </p:nvSpPr>
+        <p:spPr>
+          <a:xfrm>
+            <a:off x="1" y="2895590"/>
+            <a:ext cx="42794238" cy="27371684"/>
+          </a:xfrm>
+          <a:prstGeom prst="rect">
+            <a:avLst/>
+          </a:prstGeom>
+          <a:solidFill>
+            <a:schemeClr val="accent1">
+              <a:lumMod val="75000"/>
+            </a:schemeClr>
+          </a:solidFill>
+        </p:spPr>
+        <p:style>
+          <a:lnRef idx="2">
+            <a:schemeClr val="accent1">
+              <a:shade val="50000"/>
+            </a:schemeClr>
+          </a:lnRef>
+          <a:fillRef idx="1">
+            <a:schemeClr val="accent1"/>
+          </a:fillRef>
+          <a:effectRef idx="0">
+            <a:schemeClr val="accent1"/>
+          </a:effectRef>
+          <a:fontRef idx="minor">
+            <a:schemeClr val="lt1"/>
+          </a:fontRef>
+        </p:style>
+        <p:txBody>
+          <a:bodyPr rtlCol="0" anchor="ctr"/>
+          <a:lstStyle/>
+          <a:p>
+            <a:pPr algn="ctr"/>
+            <a:endParaRPr lang="en-US"/>
+          </a:p>
+        </p:txBody>
+      </p:sp>
+      <p:sp>
+        <p:nvSpPr>
+          <p:cNvPr id="48" name="Rectangle 47">
+            <a:extLst>
+              <a:ext uri="{FF2B5EF4-FFF2-40B4-BE49-F238E27FC236}">
+                <a16:creationId xmlns:a16="http://schemas.microsoft.com/office/drawing/2014/main" id="{BD0A870D-7146-4956-991D-974EB213B24F}"/>
+              </a:ext>
+            </a:extLst>
+          </p:cNvPr>
+          <p:cNvSpPr/>
+          <p:nvPr/>
+        </p:nvSpPr>
+        <p:spPr>
+          <a:xfrm>
+            <a:off x="29716220" y="3323910"/>
+            <a:ext cx="12192636" cy="25511760"/>
+          </a:xfrm>
+          <a:prstGeom prst="rect">
+            <a:avLst/>
+          </a:prstGeom>
+          <a:solidFill>
+            <a:schemeClr val="bg1"/>
+          </a:solidFill>
+        </p:spPr>
+        <p:style>
+          <a:lnRef idx="2">
+            <a:schemeClr val="accent1">
+              <a:shade val="50000"/>
+            </a:schemeClr>
+          </a:lnRef>
+          <a:fillRef idx="1">
+            <a:schemeClr val="accent1"/>
+          </a:fillRef>
+          <a:effectRef idx="0">
+            <a:schemeClr val="accent1"/>
+          </a:effectRef>
+          <a:fontRef idx="minor">
+            <a:schemeClr val="lt1"/>
+          </a:fontRef>
+        </p:style>
+        <p:txBody>
+          <a:bodyPr rtlCol="0" anchor="ctr"/>
+          <a:lstStyle/>
+          <a:p>
+            <a:pPr algn="ctr"/>
+            <a:endParaRPr lang="en-US"/>
+          </a:p>
+        </p:txBody>
+      </p:sp>
+      <p:sp>
+        <p:nvSpPr>
+          <p:cNvPr id="23" name="Rectangle 22">
+            <a:extLst>
+              <a:ext uri="{FF2B5EF4-FFF2-40B4-BE49-F238E27FC236}">
+                <a16:creationId xmlns:a16="http://schemas.microsoft.com/office/drawing/2014/main" id="{842FCEC2-7B9A-44CE-8C2B-BC042045BD67}"/>
+              </a:ext>
+            </a:extLst>
+          </p:cNvPr>
+          <p:cNvSpPr/>
+          <p:nvPr/>
+        </p:nvSpPr>
+        <p:spPr>
+          <a:xfrm>
+            <a:off x="15335835" y="3324999"/>
+            <a:ext cx="12254569" cy="25511760"/>
+          </a:xfrm>
+          <a:prstGeom prst="rect">
+            <a:avLst/>
+          </a:prstGeom>
+          <a:solidFill>
+            <a:schemeClr val="bg1"/>
+          </a:solidFill>
+        </p:spPr>
+        <p:style>
+          <a:lnRef idx="2">
+            <a:schemeClr val="accent1">
+              <a:shade val="50000"/>
+            </a:schemeClr>
+          </a:lnRef>
+          <a:fillRef idx="1">
+            <a:schemeClr val="accent1"/>
+          </a:fillRef>
+          <a:effectRef idx="0">
+            <a:schemeClr val="accent1"/>
+          </a:effectRef>
+          <a:fontRef idx="minor">
+            <a:schemeClr val="lt1"/>
+          </a:fontRef>
+        </p:style>
+        <p:txBody>
+          <a:bodyPr rtlCol="0" anchor="ctr"/>
+          <a:lstStyle/>
+          <a:p>
+            <a:pPr algn="ctr"/>
+            <a:endParaRPr lang="en-US"/>
+          </a:p>
+        </p:txBody>
+      </p:sp>
+      <p:sp>
+        <p:nvSpPr>
+          <p:cNvPr id="20" name="Rectangle 19">
+            <a:extLst>
+              <a:ext uri="{FF2B5EF4-FFF2-40B4-BE49-F238E27FC236}">
+                <a16:creationId xmlns:a16="http://schemas.microsoft.com/office/drawing/2014/main" id="{206FD1C2-7C4F-4C42-BA0C-165D1F918930}"/>
+              </a:ext>
+            </a:extLst>
+          </p:cNvPr>
+          <p:cNvSpPr/>
+          <p:nvPr/>
+        </p:nvSpPr>
+        <p:spPr>
+          <a:xfrm>
+            <a:off x="935302" y="3321880"/>
+            <a:ext cx="12229040" cy="25514878"/>
+          </a:xfrm>
+          <a:prstGeom prst="rect">
+            <a:avLst/>
+          </a:prstGeom>
+          <a:solidFill>
+            <a:schemeClr val="bg1"/>
+          </a:solidFill>
+        </p:spPr>
+        <p:style>
+          <a:lnRef idx="2">
+            <a:schemeClr val="accent1">
+              <a:shade val="50000"/>
+            </a:schemeClr>
+          </a:lnRef>
+          <a:fillRef idx="1">
+            <a:schemeClr val="accent1"/>
+          </a:fillRef>
+          <a:effectRef idx="0">
+            <a:schemeClr val="accent1"/>
+          </a:effectRef>
+          <a:fontRef idx="minor">
+            <a:schemeClr val="lt1"/>
+          </a:fontRef>
+        </p:style>
+        <p:txBody>
+          <a:bodyPr rtlCol="0" anchor="ctr"/>
+          <a:lstStyle/>
+          <a:p>
+            <a:pPr algn="ctr"/>
+            <a:endParaRPr lang="en-US"/>
+          </a:p>
+        </p:txBody>
+      </p:sp>
+      <p:sp>
+        <p:nvSpPr>
           <p:cNvPr id="4" name="TextBox 3">
             <a:extLst>
               <a:ext uri="{FF2B5EF4-FFF2-40B4-BE49-F238E27FC236}">
@@ -3195,8 +3445,8 @@
         </p:blipFill>
         <p:spPr>
           <a:xfrm>
-            <a:off x="37314206" y="24306875"/>
-            <a:ext cx="4521100" cy="4521100"/>
+            <a:off x="37314206" y="24377885"/>
+            <a:ext cx="4521100" cy="4317595"/>
           </a:xfrm>
           <a:prstGeom prst="rect">
             <a:avLst/>
@@ -3205,10 +3455,10 @@
       </p:pic>
       <p:sp>
         <p:nvSpPr>
-          <p:cNvPr id="9" name="TextBox 8">
+          <p:cNvPr id="10" name="TextBox 9">
             <a:extLst>
               <a:ext uri="{FF2B5EF4-FFF2-40B4-BE49-F238E27FC236}">
-                <a16:creationId xmlns:a16="http://schemas.microsoft.com/office/drawing/2014/main" id="{6D298C1F-1A23-494F-85DD-8823F4B7DE16}"/>
+                <a16:creationId xmlns:a16="http://schemas.microsoft.com/office/drawing/2014/main" id="{89BEC397-916E-4817-8714-C22A711124F5}"/>
               </a:ext>
             </a:extLst>
           </p:cNvPr>
@@ -3217,8 +3467,8 @@
         </p:nvSpPr>
         <p:spPr>
           <a:xfrm>
-            <a:off x="982387" y="3426126"/>
-            <a:ext cx="12192635" cy="861774"/>
+            <a:off x="998024" y="4628777"/>
+            <a:ext cx="6551876" cy="3600986"/>
           </a:xfrm>
           <a:prstGeom prst="rect">
             <a:avLst/>
@@ -3231,23 +3481,22 @@
           </a:bodyPr>
           <a:lstStyle/>
           <a:p>
-            <a:pPr algn="ctr"/>
-            <a:r>
-              <a:rPr lang="en-US" sz="5000" b="1" dirty="0">
-                <a:latin typeface="Times New Roman" panose="02020603050405020304" pitchFamily="18" charset="0"/>
-                <a:cs typeface="Times New Roman" panose="02020603050405020304" pitchFamily="18" charset="0"/>
-              </a:rPr>
-              <a:t>Introduction</a:t>
-            </a:r>
-          </a:p>
-        </p:txBody>
-      </p:sp>
-      <p:sp>
-        <p:nvSpPr>
-          <p:cNvPr id="10" name="TextBox 9">
+            <a:r>
+              <a:rPr lang="en-US" sz="3800" dirty="0">
+                <a:latin typeface="Times New Roman" panose="02020603050405020304" pitchFamily="18" charset="0"/>
+                <a:cs typeface="Times New Roman" panose="02020603050405020304" pitchFamily="18" charset="0"/>
+              </a:rPr>
+              <a:t>With almost one in five Australians experiencing some form of disability, a large proportion of the community face challenges to actively participate in city life. </a:t>
+            </a:r>
+          </a:p>
+        </p:txBody>
+      </p:sp>
+      <p:sp>
+        <p:nvSpPr>
+          <p:cNvPr id="17" name="TextBox 16">
             <a:extLst>
               <a:ext uri="{FF2B5EF4-FFF2-40B4-BE49-F238E27FC236}">
-                <a16:creationId xmlns:a16="http://schemas.microsoft.com/office/drawing/2014/main" id="{89BEC397-916E-4817-8714-C22A711124F5}"/>
+                <a16:creationId xmlns:a16="http://schemas.microsoft.com/office/drawing/2014/main" id="{3341E889-545C-414C-8BD8-A3625D0A0F70}"/>
               </a:ext>
             </a:extLst>
           </p:cNvPr>
@@ -3256,8 +3505,8 @@
         </p:nvSpPr>
         <p:spPr>
           <a:xfrm>
-            <a:off x="998024" y="4628777"/>
-            <a:ext cx="6551876" cy="3600986"/>
+            <a:off x="958015" y="8177456"/>
+            <a:ext cx="12239545" cy="1846659"/>
           </a:xfrm>
           <a:prstGeom prst="rect">
             <a:avLst/>
@@ -3275,17 +3524,17 @@
                 <a:latin typeface="Times New Roman" panose="02020603050405020304" pitchFamily="18" charset="0"/>
                 <a:cs typeface="Times New Roman" panose="02020603050405020304" pitchFamily="18" charset="0"/>
               </a:rPr>
-              <a:t>With almost one in five Australians experiencing some form of disability, a large proportion of the community face challenges to actively participate in city life. </a:t>
-            </a:r>
-          </a:p>
-        </p:txBody>
-      </p:sp>
-      <p:sp>
-        <p:nvSpPr>
-          <p:cNvPr id="13" name="TextBox 12">
+              <a:t>This project is developing a long-term technology-enabled solution to assist journey preparation for members of vision impaired community.</a:t>
+            </a:r>
+          </a:p>
+        </p:txBody>
+      </p:sp>
+      <p:sp>
+        <p:nvSpPr>
+          <p:cNvPr id="18" name="TextBox 17">
             <a:extLst>
               <a:ext uri="{FF2B5EF4-FFF2-40B4-BE49-F238E27FC236}">
-                <a16:creationId xmlns:a16="http://schemas.microsoft.com/office/drawing/2014/main" id="{89A11050-E8C0-42C3-A1C4-DAC1D8208221}"/>
+                <a16:creationId xmlns:a16="http://schemas.microsoft.com/office/drawing/2014/main" id="{088C0E8B-8CF4-4CC2-A289-501FE1AF1B72}"/>
               </a:ext>
             </a:extLst>
           </p:cNvPr>
@@ -3294,8 +3543,8 @@
         </p:nvSpPr>
         <p:spPr>
           <a:xfrm>
-            <a:off x="30293607" y="22258832"/>
-            <a:ext cx="4957184" cy="861774"/>
+            <a:off x="1130024" y="11152500"/>
+            <a:ext cx="12153545" cy="1261884"/>
           </a:xfrm>
           <a:prstGeom prst="rect">
             <a:avLst/>
@@ -3308,23 +3557,22 @@
           </a:bodyPr>
           <a:lstStyle/>
           <a:p>
-            <a:pPr algn="ctr"/>
-            <a:r>
-              <a:rPr lang="en-US" sz="5000" b="1" dirty="0">
-                <a:latin typeface="Times New Roman" panose="02020603050405020304" pitchFamily="18" charset="0"/>
-                <a:cs typeface="Times New Roman" panose="02020603050405020304" pitchFamily="18" charset="0"/>
-              </a:rPr>
-              <a:t>Main Equipment</a:t>
-            </a:r>
-          </a:p>
-        </p:txBody>
-      </p:sp>
-      <p:sp>
-        <p:nvSpPr>
-          <p:cNvPr id="14" name="TextBox 13">
+            <a:r>
+              <a:rPr lang="en-US" sz="3800" dirty="0">
+                <a:latin typeface="Times New Roman" panose="02020603050405020304" pitchFamily="18" charset="0"/>
+                <a:cs typeface="Times New Roman" panose="02020603050405020304" pitchFamily="18" charset="0"/>
+              </a:rPr>
+              <a:t>We develop an auditory-based simulator to simulate the sensory experience of a specific location in Melbourne’s</a:t>
+            </a:r>
+          </a:p>
+        </p:txBody>
+      </p:sp>
+      <p:sp>
+        <p:nvSpPr>
+          <p:cNvPr id="19" name="TextBox 18">
             <a:extLst>
               <a:ext uri="{FF2B5EF4-FFF2-40B4-BE49-F238E27FC236}">
-                <a16:creationId xmlns:a16="http://schemas.microsoft.com/office/drawing/2014/main" id="{CF6B3986-5A85-43E6-A268-3A547C4114AA}"/>
+                <a16:creationId xmlns:a16="http://schemas.microsoft.com/office/drawing/2014/main" id="{32FB72D3-E09B-4EA3-B834-281DFF4AF0FE}"/>
               </a:ext>
             </a:extLst>
           </p:cNvPr>
@@ -3333,8 +3581,8 @@
         </p:nvSpPr>
         <p:spPr>
           <a:xfrm>
-            <a:off x="912024" y="10195811"/>
-            <a:ext cx="12192635" cy="861774"/>
+            <a:off x="36748935" y="22424417"/>
+            <a:ext cx="4957184" cy="2031325"/>
           </a:xfrm>
           <a:prstGeom prst="rect">
             <a:avLst/>
@@ -3347,127 +3595,12 @@
           </a:bodyPr>
           <a:lstStyle/>
           <a:p>
-            <a:pPr algn="ctr"/>
             <a:r>
               <a:rPr lang="en-US" sz="5000" b="1" dirty="0">
                 <a:latin typeface="Times New Roman" panose="02020603050405020304" pitchFamily="18" charset="0"/>
                 <a:cs typeface="Times New Roman" panose="02020603050405020304" pitchFamily="18" charset="0"/>
               </a:rPr>
-              <a:t>Methods</a:t>
-            </a:r>
-          </a:p>
-        </p:txBody>
-      </p:sp>
-      <p:sp>
-        <p:nvSpPr>
-          <p:cNvPr id="17" name="TextBox 16">
-            <a:extLst>
-              <a:ext uri="{FF2B5EF4-FFF2-40B4-BE49-F238E27FC236}">
-                <a16:creationId xmlns:a16="http://schemas.microsoft.com/office/drawing/2014/main" id="{3341E889-545C-414C-8BD8-A3625D0A0F70}"/>
-              </a:ext>
-            </a:extLst>
-          </p:cNvPr>
-          <p:cNvSpPr txBox="1"/>
-          <p:nvPr/>
-        </p:nvSpPr>
-        <p:spPr>
-          <a:xfrm>
-            <a:off x="958015" y="8177456"/>
-            <a:ext cx="12239545" cy="1846659"/>
-          </a:xfrm>
-          <a:prstGeom prst="rect">
-            <a:avLst/>
-          </a:prstGeom>
-          <a:noFill/>
-        </p:spPr>
-        <p:txBody>
-          <a:bodyPr wrap="square" rtlCol="0">
-            <a:spAutoFit/>
-          </a:bodyPr>
-          <a:lstStyle/>
-          <a:p>
-            <a:r>
-              <a:rPr lang="en-US" sz="3800" dirty="0">
-                <a:latin typeface="Times New Roman" panose="02020603050405020304" pitchFamily="18" charset="0"/>
-                <a:cs typeface="Times New Roman" panose="02020603050405020304" pitchFamily="18" charset="0"/>
-              </a:rPr>
-              <a:t>This project is developing a long-term technology-enabled solution to assist journey preparation for members of vision impaired community.</a:t>
-            </a:r>
-          </a:p>
-        </p:txBody>
-      </p:sp>
-      <p:sp>
-        <p:nvSpPr>
-          <p:cNvPr id="18" name="TextBox 17">
-            <a:extLst>
-              <a:ext uri="{FF2B5EF4-FFF2-40B4-BE49-F238E27FC236}">
-                <a16:creationId xmlns:a16="http://schemas.microsoft.com/office/drawing/2014/main" id="{088C0E8B-8CF4-4CC2-A289-501FE1AF1B72}"/>
-              </a:ext>
-            </a:extLst>
-          </p:cNvPr>
-          <p:cNvSpPr txBox="1"/>
-          <p:nvPr/>
-        </p:nvSpPr>
-        <p:spPr>
-          <a:xfrm>
-            <a:off x="1130024" y="11080869"/>
-            <a:ext cx="12153545" cy="1261884"/>
-          </a:xfrm>
-          <a:prstGeom prst="rect">
-            <a:avLst/>
-          </a:prstGeom>
-          <a:noFill/>
-        </p:spPr>
-        <p:txBody>
-          <a:bodyPr wrap="square" rtlCol="0">
-            <a:spAutoFit/>
-          </a:bodyPr>
-          <a:lstStyle/>
-          <a:p>
-            <a:r>
-              <a:rPr lang="en-US" sz="3800" dirty="0">
-                <a:latin typeface="Times New Roman" panose="02020603050405020304" pitchFamily="18" charset="0"/>
-                <a:cs typeface="Times New Roman" panose="02020603050405020304" pitchFamily="18" charset="0"/>
-              </a:rPr>
-              <a:t>We develop an auditory-based simulator to simulate the sensory experience of a specific location in Melbourne’s</a:t>
-            </a:r>
-          </a:p>
-        </p:txBody>
-      </p:sp>
-      <p:sp>
-        <p:nvSpPr>
-          <p:cNvPr id="19" name="TextBox 18">
-            <a:extLst>
-              <a:ext uri="{FF2B5EF4-FFF2-40B4-BE49-F238E27FC236}">
-                <a16:creationId xmlns:a16="http://schemas.microsoft.com/office/drawing/2014/main" id="{32FB72D3-E09B-4EA3-B834-281DFF4AF0FE}"/>
-              </a:ext>
-            </a:extLst>
-          </p:cNvPr>
-          <p:cNvSpPr txBox="1"/>
-          <p:nvPr/>
-        </p:nvSpPr>
-        <p:spPr>
-          <a:xfrm>
-            <a:off x="36598240" y="22212716"/>
-            <a:ext cx="4957184" cy="2031325"/>
-          </a:xfrm>
-          <a:prstGeom prst="rect">
-            <a:avLst/>
-          </a:prstGeom>
-          <a:noFill/>
-        </p:spPr>
-        <p:txBody>
-          <a:bodyPr wrap="square" rtlCol="0">
-            <a:spAutoFit/>
-          </a:bodyPr>
-          <a:lstStyle/>
-          <a:p>
-            <a:r>
-              <a:rPr lang="en-US" sz="5000" b="1" dirty="0">
-                <a:latin typeface="Times New Roman" panose="02020603050405020304" pitchFamily="18" charset="0"/>
-                <a:cs typeface="Times New Roman" panose="02020603050405020304" pitchFamily="18" charset="0"/>
-              </a:rPr>
-              <a:t>    Project website</a:t>
+              <a:t>    </a:t>
             </a:r>
             <a:br>
               <a:rPr lang="en-US" sz="3800" dirty="0">
@@ -3532,8 +3665,8 @@
         </p:blipFill>
         <p:spPr>
           <a:xfrm>
-            <a:off x="37020271" y="12592057"/>
-            <a:ext cx="4113123" cy="3953218"/>
+            <a:off x="38810677" y="14000853"/>
+            <a:ext cx="2798626" cy="2431435"/>
           </a:xfrm>
           <a:prstGeom prst="rect">
             <a:avLst/>
@@ -3599,7 +3732,7 @@
         </p:blipFill>
         <p:spPr bwMode="auto">
           <a:xfrm>
-            <a:off x="8770786" y="12815717"/>
+            <a:off x="8770786" y="12887348"/>
             <a:ext cx="4291303" cy="4046086"/>
           </a:xfrm>
           <a:prstGeom prst="rect">
@@ -3631,7 +3764,7 @@
         </p:nvSpPr>
         <p:spPr>
           <a:xfrm>
-            <a:off x="1086759" y="12350011"/>
+            <a:off x="1086759" y="12421642"/>
             <a:ext cx="7878683" cy="4770537"/>
           </a:xfrm>
           <a:prstGeom prst="rect">
@@ -3657,10 +3790,10 @@
       </p:sp>
       <p:sp>
         <p:nvSpPr>
-          <p:cNvPr id="26" name="TextBox 25">
+          <p:cNvPr id="28" name="TextBox 27">
             <a:extLst>
               <a:ext uri="{FF2B5EF4-FFF2-40B4-BE49-F238E27FC236}">
-                <a16:creationId xmlns:a16="http://schemas.microsoft.com/office/drawing/2014/main" id="{F3AFFFD6-FED8-43B2-9150-64597BC38DCD}"/>
+                <a16:creationId xmlns:a16="http://schemas.microsoft.com/office/drawing/2014/main" id="{321B0138-7E22-4818-9FD2-A5D6F6F604B3}"/>
               </a:ext>
             </a:extLst>
           </p:cNvPr>
@@ -3669,46 +3802,7 @@
         </p:nvSpPr>
         <p:spPr>
           <a:xfrm>
-            <a:off x="1065537" y="18778803"/>
-            <a:ext cx="12192635" cy="861774"/>
-          </a:xfrm>
-          <a:prstGeom prst="rect">
-            <a:avLst/>
-          </a:prstGeom>
-          <a:noFill/>
-        </p:spPr>
-        <p:txBody>
-          <a:bodyPr wrap="square" rtlCol="0">
-            <a:spAutoFit/>
-          </a:bodyPr>
-          <a:lstStyle/>
-          <a:p>
-            <a:pPr algn="ctr"/>
-            <a:r>
-              <a:rPr lang="en-US" sz="5000" b="1" dirty="0">
-                <a:latin typeface="Times New Roman" panose="02020603050405020304" pitchFamily="18" charset="0"/>
-                <a:cs typeface="Times New Roman" panose="02020603050405020304" pitchFamily="18" charset="0"/>
-              </a:rPr>
-              <a:t>Surround Sound Technology</a:t>
-            </a:r>
-          </a:p>
-        </p:txBody>
-      </p:sp>
-      <p:sp>
-        <p:nvSpPr>
-          <p:cNvPr id="28" name="TextBox 27">
-            <a:extLst>
-              <a:ext uri="{FF2B5EF4-FFF2-40B4-BE49-F238E27FC236}">
-                <a16:creationId xmlns:a16="http://schemas.microsoft.com/office/drawing/2014/main" id="{321B0138-7E22-4818-9FD2-A5D6F6F604B3}"/>
-              </a:ext>
-            </a:extLst>
-          </p:cNvPr>
-          <p:cNvSpPr txBox="1"/>
-          <p:nvPr/>
-        </p:nvSpPr>
-        <p:spPr>
-          <a:xfrm>
-            <a:off x="1044015" y="19640577"/>
+            <a:off x="1086759" y="19973454"/>
             <a:ext cx="12153545" cy="2431435"/>
           </a:xfrm>
           <a:prstGeom prst="rect">
@@ -3825,45 +3919,6 @@
       </p:pic>
       <p:sp>
         <p:nvSpPr>
-          <p:cNvPr id="31" name="TextBox 30">
-            <a:extLst>
-              <a:ext uri="{FF2B5EF4-FFF2-40B4-BE49-F238E27FC236}">
-                <a16:creationId xmlns:a16="http://schemas.microsoft.com/office/drawing/2014/main" id="{B7E22F99-AD3F-4A48-901A-11AB909A421F}"/>
-              </a:ext>
-            </a:extLst>
-          </p:cNvPr>
-          <p:cNvSpPr txBox="1"/>
-          <p:nvPr/>
-        </p:nvSpPr>
-        <p:spPr>
-          <a:xfrm>
-            <a:off x="15385321" y="3432971"/>
-            <a:ext cx="12239545" cy="861774"/>
-          </a:xfrm>
-          <a:prstGeom prst="rect">
-            <a:avLst/>
-          </a:prstGeom>
-          <a:noFill/>
-        </p:spPr>
-        <p:txBody>
-          <a:bodyPr wrap="square" rtlCol="0">
-            <a:spAutoFit/>
-          </a:bodyPr>
-          <a:lstStyle/>
-          <a:p>
-            <a:pPr algn="ctr"/>
-            <a:r>
-              <a:rPr lang="en-US" sz="5000" b="1" dirty="0">
-                <a:latin typeface="Times New Roman" panose="02020603050405020304" pitchFamily="18" charset="0"/>
-                <a:cs typeface="Times New Roman" panose="02020603050405020304" pitchFamily="18" charset="0"/>
-              </a:rPr>
-              <a:t>Recording Technique</a:t>
-            </a:r>
-          </a:p>
-        </p:txBody>
-      </p:sp>
-      <p:sp>
-        <p:nvSpPr>
           <p:cNvPr id="32" name="TextBox 31">
             <a:extLst>
               <a:ext uri="{FF2B5EF4-FFF2-40B4-BE49-F238E27FC236}">
@@ -4195,8 +4250,8 @@
         </p:nvSpPr>
         <p:spPr>
           <a:xfrm>
-            <a:off x="15534995" y="13592111"/>
-            <a:ext cx="12019505" cy="7294305"/>
+            <a:off x="15664563" y="14418878"/>
+            <a:ext cx="12019505" cy="6524863"/>
           </a:xfrm>
           <a:prstGeom prst="rect">
             <a:avLst/>
@@ -4209,16 +4264,6 @@
           </a:bodyPr>
           <a:lstStyle/>
           <a:p>
-            <a:pPr algn="ctr"/>
-            <a:r>
-              <a:rPr lang="en-US" sz="5000" b="1" dirty="0">
-                <a:latin typeface="Times New Roman" panose="02020603050405020304" pitchFamily="18" charset="0"/>
-                <a:cs typeface="Times New Roman" panose="02020603050405020304" pitchFamily="18" charset="0"/>
-              </a:rPr>
-              <a:t>Web Application</a:t>
-            </a:r>
-          </a:p>
-          <a:p>
             <a:r>
               <a:rPr lang="en-US" sz="3800" dirty="0">
                 <a:latin typeface="Times New Roman" panose="02020603050405020304" pitchFamily="18" charset="0"/>
@@ -4317,10 +4362,10 @@
       </p:sp>
       <p:sp>
         <p:nvSpPr>
-          <p:cNvPr id="39" name="TextBox 38">
+          <p:cNvPr id="41" name="TextBox 40">
             <a:extLst>
               <a:ext uri="{FF2B5EF4-FFF2-40B4-BE49-F238E27FC236}">
-                <a16:creationId xmlns:a16="http://schemas.microsoft.com/office/drawing/2014/main" id="{F0589213-A7A9-4946-BB65-6002944EF5F0}"/>
+                <a16:creationId xmlns:a16="http://schemas.microsoft.com/office/drawing/2014/main" id="{58B23B61-1C7F-4B73-825E-547ED9E15394}"/>
               </a:ext>
             </a:extLst>
           </p:cNvPr>
@@ -4329,46 +4374,7 @@
         </p:nvSpPr>
         <p:spPr>
           <a:xfrm>
-            <a:off x="29945878" y="3481975"/>
-            <a:ext cx="12239545" cy="861774"/>
-          </a:xfrm>
-          <a:prstGeom prst="rect">
-            <a:avLst/>
-          </a:prstGeom>
-          <a:noFill/>
-        </p:spPr>
-        <p:txBody>
-          <a:bodyPr wrap="square" rtlCol="0">
-            <a:spAutoFit/>
-          </a:bodyPr>
-          <a:lstStyle/>
-          <a:p>
-            <a:pPr algn="ctr"/>
-            <a:r>
-              <a:rPr lang="en-US" sz="5000" b="1" dirty="0">
-                <a:latin typeface="Times New Roman" panose="02020603050405020304" pitchFamily="18" charset="0"/>
-                <a:cs typeface="Times New Roman" panose="02020603050405020304" pitchFamily="18" charset="0"/>
-              </a:rPr>
-              <a:t>Desktop Application</a:t>
-            </a:r>
-          </a:p>
-        </p:txBody>
-      </p:sp>
-      <p:sp>
-        <p:nvSpPr>
-          <p:cNvPr id="41" name="TextBox 40">
-            <a:extLst>
-              <a:ext uri="{FF2B5EF4-FFF2-40B4-BE49-F238E27FC236}">
-                <a16:creationId xmlns:a16="http://schemas.microsoft.com/office/drawing/2014/main" id="{58B23B61-1C7F-4B73-825E-547ED9E15394}"/>
-              </a:ext>
-            </a:extLst>
-          </p:cNvPr>
-          <p:cNvSpPr txBox="1"/>
-          <p:nvPr/>
-        </p:nvSpPr>
-        <p:spPr>
-          <a:xfrm>
-            <a:off x="1133101" y="17107619"/>
+            <a:off x="1133101" y="17179250"/>
             <a:ext cx="12150468" cy="1261884"/>
           </a:xfrm>
           <a:prstGeom prst="rect">
@@ -4413,8 +4419,8 @@
         </p:blipFill>
         <p:spPr>
           <a:xfrm>
-            <a:off x="15702040" y="21593044"/>
-            <a:ext cx="11611060" cy="5280040"/>
+            <a:off x="15699550" y="21444935"/>
+            <a:ext cx="11611060" cy="4966599"/>
           </a:xfrm>
           <a:prstGeom prst="rect">
             <a:avLst/>
@@ -4449,19 +4455,18 @@
           </a:bodyPr>
           <a:lstStyle/>
           <a:p>
-            <a:r>
-              <a:rPr lang="en-US" sz="3800" b="1" dirty="0">
-                <a:latin typeface="Times New Roman" panose="02020603050405020304" pitchFamily="18" charset="0"/>
-                <a:cs typeface="Times New Roman" panose="02020603050405020304" pitchFamily="18" charset="0"/>
-              </a:rPr>
-              <a:t>Voice Recognition and Speech Synthesis: </a:t>
-            </a:r>
+            <a:endParaRPr lang="en-US" sz="3800" dirty="0">
+              <a:latin typeface="Times New Roman" panose="02020603050405020304" pitchFamily="18" charset="0"/>
+              <a:cs typeface="Times New Roman" panose="02020603050405020304" pitchFamily="18" charset="0"/>
+            </a:endParaRPr>
+          </a:p>
+          <a:p>
             <a:r>
               <a:rPr lang="en-US" sz="3800" dirty="0">
                 <a:latin typeface="Times New Roman" panose="02020603050405020304" pitchFamily="18" charset="0"/>
                 <a:cs typeface="Times New Roman" panose="02020603050405020304" pitchFamily="18" charset="0"/>
               </a:rPr>
-              <a:t>Users can interact with the interface using voice command and then audio cues will be played back upon user’s request</a:t>
+              <a:t>Users can interact with the interface using voice commands and then narration will be played back upon user’s request.</a:t>
             </a:r>
             <a:endParaRPr lang="en-US" sz="3800" b="1" dirty="0">
               <a:latin typeface="Times New Roman" panose="02020603050405020304" pitchFamily="18" charset="0"/>
@@ -4502,10 +4507,10 @@
       </p:pic>
       <p:sp>
         <p:nvSpPr>
-          <p:cNvPr id="46" name="TextBox 45">
+          <p:cNvPr id="50" name="TextBox 49">
             <a:extLst>
               <a:ext uri="{FF2B5EF4-FFF2-40B4-BE49-F238E27FC236}">
-                <a16:creationId xmlns:a16="http://schemas.microsoft.com/office/drawing/2014/main" id="{111D97BE-C8B0-4099-8913-A981CC5C098F}"/>
+                <a16:creationId xmlns:a16="http://schemas.microsoft.com/office/drawing/2014/main" id="{8573F336-00A1-46D6-A558-57213AB3D3DE}"/>
               </a:ext>
             </a:extLst>
           </p:cNvPr>
@@ -4514,8 +4519,8 @@
         </p:nvSpPr>
         <p:spPr>
           <a:xfrm>
-            <a:off x="29977726" y="12568860"/>
-            <a:ext cx="7291273" cy="1261884"/>
+            <a:off x="29902889" y="4485518"/>
+            <a:ext cx="8134536" cy="3600986"/>
           </a:xfrm>
           <a:prstGeom prst="rect">
             <a:avLst/>
@@ -4529,88 +4534,11 @@
           <a:lstStyle/>
           <a:p>
             <a:r>
-              <a:rPr lang="en-US" sz="3800" b="1" dirty="0">
-                <a:latin typeface="Times New Roman" panose="02020603050405020304" pitchFamily="18" charset="0"/>
-                <a:cs typeface="Times New Roman" panose="02020603050405020304" pitchFamily="18" charset="0"/>
-              </a:rPr>
-              <a:t>Narration and Audio Description based on user’s head direction</a:t>
-            </a:r>
-          </a:p>
-        </p:txBody>
-      </p:sp>
-      <p:sp>
-        <p:nvSpPr>
-          <p:cNvPr id="50" name="TextBox 49">
-            <a:extLst>
-              <a:ext uri="{FF2B5EF4-FFF2-40B4-BE49-F238E27FC236}">
-                <a16:creationId xmlns:a16="http://schemas.microsoft.com/office/drawing/2014/main" id="{8573F336-00A1-46D6-A558-57213AB3D3DE}"/>
-              </a:ext>
-            </a:extLst>
-          </p:cNvPr>
-          <p:cNvSpPr txBox="1"/>
-          <p:nvPr/>
-        </p:nvSpPr>
-        <p:spPr>
-          <a:xfrm>
-            <a:off x="29902889" y="4485518"/>
-            <a:ext cx="8134536" cy="3600986"/>
-          </a:xfrm>
-          <a:prstGeom prst="rect">
-            <a:avLst/>
-          </a:prstGeom>
-          <a:noFill/>
-        </p:spPr>
-        <p:txBody>
-          <a:bodyPr wrap="square" rtlCol="0">
-            <a:spAutoFit/>
-          </a:bodyPr>
-          <a:lstStyle/>
-          <a:p>
-            <a:r>
               <a:rPr lang="en-US" sz="3800" dirty="0">
                 <a:latin typeface="Times New Roman" panose="02020603050405020304" pitchFamily="18" charset="0"/>
                 <a:cs typeface="Times New Roman" panose="02020603050405020304" pitchFamily="18" charset="0"/>
               </a:rPr>
               <a:t>A Desktop application is also being developed to explore the use of headtracking, allowing the tracking of yaw-pitch-roll value of a user’s head. This value is used to change sound field and generate directional narration. </a:t>
-            </a:r>
-          </a:p>
-        </p:txBody>
-      </p:sp>
-      <p:sp>
-        <p:nvSpPr>
-          <p:cNvPr id="52" name="TextBox 51">
-            <a:extLst>
-              <a:ext uri="{FF2B5EF4-FFF2-40B4-BE49-F238E27FC236}">
-                <a16:creationId xmlns:a16="http://schemas.microsoft.com/office/drawing/2014/main" id="{0F28130B-5935-46D9-95CE-6F7C23A20D93}"/>
-              </a:ext>
-            </a:extLst>
-          </p:cNvPr>
-          <p:cNvSpPr txBox="1"/>
-          <p:nvPr/>
-        </p:nvSpPr>
-        <p:spPr>
-          <a:xfrm>
-            <a:off x="27653274" y="26188374"/>
-            <a:ext cx="8375453" cy="861774"/>
-          </a:xfrm>
-          <a:prstGeom prst="rect">
-            <a:avLst/>
-          </a:prstGeom>
-          <a:noFill/>
-        </p:spPr>
-        <p:txBody>
-          <a:bodyPr wrap="square" rtlCol="0">
-            <a:spAutoFit/>
-          </a:bodyPr>
-          <a:lstStyle/>
-          <a:p>
-            <a:pPr algn="ctr"/>
-            <a:r>
-              <a:rPr lang="en-US" sz="5000" b="1" dirty="0">
-                <a:latin typeface="Times New Roman" panose="02020603050405020304" pitchFamily="18" charset="0"/>
-                <a:cs typeface="Times New Roman" panose="02020603050405020304" pitchFamily="18" charset="0"/>
-              </a:rPr>
-              <a:t>    References</a:t>
             </a:r>
           </a:p>
         </p:txBody>
@@ -4637,8 +4565,8 @@
         </p:blipFill>
         <p:spPr>
           <a:xfrm>
-            <a:off x="29897718" y="16310930"/>
-            <a:ext cx="11808280" cy="5722129"/>
+            <a:off x="30084629" y="16737979"/>
+            <a:ext cx="11711585" cy="5328610"/>
           </a:xfrm>
           <a:prstGeom prst="rect">
             <a:avLst/>
@@ -4659,8 +4587,8 @@
         </p:nvSpPr>
         <p:spPr>
           <a:xfrm>
-            <a:off x="30001178" y="13820322"/>
-            <a:ext cx="6759958" cy="2431435"/>
+            <a:off x="29871121" y="13820322"/>
+            <a:ext cx="9234719" cy="3016210"/>
           </a:xfrm>
           <a:prstGeom prst="rect">
             <a:avLst/>
@@ -4678,7 +4606,21 @@
                 <a:latin typeface="Times New Roman" panose="02020603050405020304" pitchFamily="18" charset="0"/>
                 <a:cs typeface="Times New Roman" panose="02020603050405020304" pitchFamily="18" charset="0"/>
               </a:rPr>
-              <a:t>The surround area will be described, description is on-request and dynamically adjusted based on head direction.</a:t>
+              <a:t>By separate the Yaw value from </a:t>
+            </a:r>
+            <a:r>
+              <a:rPr lang="en-US" sz="3800" dirty="0" err="1">
+                <a:latin typeface="Times New Roman" panose="02020603050405020304" pitchFamily="18" charset="0"/>
+                <a:cs typeface="Times New Roman" panose="02020603050405020304" pitchFamily="18" charset="0"/>
+              </a:rPr>
+              <a:t>headtracker</a:t>
+            </a:r>
+            <a:r>
+              <a:rPr lang="en-US" sz="3800" dirty="0">
+                <a:latin typeface="Times New Roman" panose="02020603050405020304" pitchFamily="18" charset="0"/>
+                <a:cs typeface="Times New Roman" panose="02020603050405020304" pitchFamily="18" charset="0"/>
+              </a:rPr>
+              <a:t> into 4 quarters representing front, left, right and back, the surround area will be described, description is on-request and dynamically adjusted based on head direction.</a:t>
             </a:r>
           </a:p>
         </p:txBody>
@@ -4861,7 +4803,7 @@
         </p:nvSpPr>
         <p:spPr>
           <a:xfrm>
-            <a:off x="15534994" y="20886416"/>
+            <a:off x="15658811" y="20793488"/>
             <a:ext cx="12790634" cy="677108"/>
           </a:xfrm>
           <a:prstGeom prst="rect">
@@ -4883,6 +4825,971 @@
               <a:t>An auditory-based simulation of Flinders Street Station:</a:t>
             </a:r>
             <a:endParaRPr lang="en-US" dirty="0"/>
+          </a:p>
+        </p:txBody>
+      </p:sp>
+      <p:sp>
+        <p:nvSpPr>
+          <p:cNvPr id="56" name="Rectangle 55">
+            <a:extLst>
+              <a:ext uri="{FF2B5EF4-FFF2-40B4-BE49-F238E27FC236}">
+                <a16:creationId xmlns:a16="http://schemas.microsoft.com/office/drawing/2014/main" id="{55B766D9-01E4-4080-BE90-CB202CAE85FF}"/>
+              </a:ext>
+            </a:extLst>
+          </p:cNvPr>
+          <p:cNvSpPr/>
+          <p:nvPr/>
+        </p:nvSpPr>
+        <p:spPr>
+          <a:xfrm>
+            <a:off x="29747210" y="22148983"/>
+            <a:ext cx="5903654" cy="950095"/>
+          </a:xfrm>
+          <a:prstGeom prst="rect">
+            <a:avLst/>
+          </a:prstGeom>
+          <a:solidFill>
+            <a:schemeClr val="accent2"/>
+          </a:solidFill>
+        </p:spPr>
+        <p:style>
+          <a:lnRef idx="2">
+            <a:schemeClr val="accent1">
+              <a:shade val="50000"/>
+            </a:schemeClr>
+          </a:lnRef>
+          <a:fillRef idx="1">
+            <a:schemeClr val="accent1"/>
+          </a:fillRef>
+          <a:effectRef idx="0">
+            <a:schemeClr val="accent1"/>
+          </a:effectRef>
+          <a:fontRef idx="minor">
+            <a:schemeClr val="lt1"/>
+          </a:fontRef>
+        </p:style>
+        <p:txBody>
+          <a:bodyPr rtlCol="0" anchor="ctr"/>
+          <a:lstStyle/>
+          <a:p>
+            <a:pPr algn="ctr"/>
+            <a:endParaRPr lang="en-US"/>
+          </a:p>
+        </p:txBody>
+      </p:sp>
+      <p:sp>
+        <p:nvSpPr>
+          <p:cNvPr id="57" name="Rectangle 56">
+            <a:extLst>
+              <a:ext uri="{FF2B5EF4-FFF2-40B4-BE49-F238E27FC236}">
+                <a16:creationId xmlns:a16="http://schemas.microsoft.com/office/drawing/2014/main" id="{3003BAEF-4356-4005-AFAB-C82CC66B294A}"/>
+              </a:ext>
+            </a:extLst>
+          </p:cNvPr>
+          <p:cNvSpPr/>
+          <p:nvPr/>
+        </p:nvSpPr>
+        <p:spPr>
+          <a:xfrm>
+            <a:off x="29716219" y="12758068"/>
+            <a:ext cx="12181957" cy="1017601"/>
+          </a:xfrm>
+          <a:prstGeom prst="rect">
+            <a:avLst/>
+          </a:prstGeom>
+          <a:solidFill>
+            <a:schemeClr val="accent2"/>
+          </a:solidFill>
+        </p:spPr>
+        <p:style>
+          <a:lnRef idx="2">
+            <a:schemeClr val="accent1">
+              <a:shade val="50000"/>
+            </a:schemeClr>
+          </a:lnRef>
+          <a:fillRef idx="1">
+            <a:schemeClr val="accent1"/>
+          </a:fillRef>
+          <a:effectRef idx="0">
+            <a:schemeClr val="accent1"/>
+          </a:effectRef>
+          <a:fontRef idx="minor">
+            <a:schemeClr val="lt1"/>
+          </a:fontRef>
+        </p:style>
+        <p:txBody>
+          <a:bodyPr rtlCol="0" anchor="ctr"/>
+          <a:lstStyle/>
+          <a:p>
+            <a:pPr algn="ctr"/>
+            <a:endParaRPr lang="en-US" dirty="0"/>
+          </a:p>
+        </p:txBody>
+      </p:sp>
+      <p:sp>
+        <p:nvSpPr>
+          <p:cNvPr id="58" name="Rectangle 57">
+            <a:extLst>
+              <a:ext uri="{FF2B5EF4-FFF2-40B4-BE49-F238E27FC236}">
+                <a16:creationId xmlns:a16="http://schemas.microsoft.com/office/drawing/2014/main" id="{F3D1EB28-EEDD-45B9-B5E4-297D71FC2B42}"/>
+              </a:ext>
+            </a:extLst>
+          </p:cNvPr>
+          <p:cNvSpPr/>
+          <p:nvPr/>
+        </p:nvSpPr>
+        <p:spPr>
+          <a:xfrm>
+            <a:off x="15391999" y="26586003"/>
+            <a:ext cx="12153321" cy="893864"/>
+          </a:xfrm>
+          <a:prstGeom prst="rect">
+            <a:avLst/>
+          </a:prstGeom>
+          <a:solidFill>
+            <a:schemeClr val="accent2"/>
+          </a:solidFill>
+        </p:spPr>
+        <p:style>
+          <a:lnRef idx="2">
+            <a:schemeClr val="accent1">
+              <a:shade val="50000"/>
+            </a:schemeClr>
+          </a:lnRef>
+          <a:fillRef idx="1">
+            <a:schemeClr val="accent1"/>
+          </a:fillRef>
+          <a:effectRef idx="0">
+            <a:schemeClr val="accent1"/>
+          </a:effectRef>
+          <a:fontRef idx="minor">
+            <a:schemeClr val="lt1"/>
+          </a:fontRef>
+        </p:style>
+        <p:txBody>
+          <a:bodyPr rtlCol="0" anchor="ctr"/>
+          <a:lstStyle/>
+          <a:p>
+            <a:pPr algn="ctr"/>
+            <a:endParaRPr lang="en-US"/>
+          </a:p>
+        </p:txBody>
+      </p:sp>
+      <p:sp>
+        <p:nvSpPr>
+          <p:cNvPr id="59" name="Rectangle 58">
+            <a:extLst>
+              <a:ext uri="{FF2B5EF4-FFF2-40B4-BE49-F238E27FC236}">
+                <a16:creationId xmlns:a16="http://schemas.microsoft.com/office/drawing/2014/main" id="{718AED54-AD05-4CA8-ADD5-BDC75BB30338}"/>
+              </a:ext>
+            </a:extLst>
+          </p:cNvPr>
+          <p:cNvSpPr/>
+          <p:nvPr/>
+        </p:nvSpPr>
+        <p:spPr>
+          <a:xfrm>
+            <a:off x="998024" y="18734126"/>
+            <a:ext cx="12150468" cy="1021602"/>
+          </a:xfrm>
+          <a:prstGeom prst="rect">
+            <a:avLst/>
+          </a:prstGeom>
+          <a:solidFill>
+            <a:schemeClr val="accent2"/>
+          </a:solidFill>
+        </p:spPr>
+        <p:style>
+          <a:lnRef idx="2">
+            <a:schemeClr val="accent1">
+              <a:shade val="50000"/>
+            </a:schemeClr>
+          </a:lnRef>
+          <a:fillRef idx="1">
+            <a:schemeClr val="accent1"/>
+          </a:fillRef>
+          <a:effectRef idx="0">
+            <a:schemeClr val="accent1"/>
+          </a:effectRef>
+          <a:fontRef idx="minor">
+            <a:schemeClr val="lt1"/>
+          </a:fontRef>
+        </p:style>
+        <p:txBody>
+          <a:bodyPr rtlCol="0" anchor="ctr"/>
+          <a:lstStyle/>
+          <a:p>
+            <a:pPr algn="ctr"/>
+            <a:endParaRPr lang="en-US"/>
+          </a:p>
+        </p:txBody>
+      </p:sp>
+      <p:sp>
+        <p:nvSpPr>
+          <p:cNvPr id="60" name="Rectangle 59">
+            <a:extLst>
+              <a:ext uri="{FF2B5EF4-FFF2-40B4-BE49-F238E27FC236}">
+                <a16:creationId xmlns:a16="http://schemas.microsoft.com/office/drawing/2014/main" id="{556740F4-6495-4CAB-A27F-FA34782BAF37}"/>
+              </a:ext>
+            </a:extLst>
+          </p:cNvPr>
+          <p:cNvSpPr/>
+          <p:nvPr/>
+        </p:nvSpPr>
+        <p:spPr>
+          <a:xfrm>
+            <a:off x="964370" y="10059267"/>
+            <a:ext cx="12186280" cy="1014343"/>
+          </a:xfrm>
+          <a:prstGeom prst="rect">
+            <a:avLst/>
+          </a:prstGeom>
+          <a:solidFill>
+            <a:schemeClr val="accent2"/>
+          </a:solidFill>
+        </p:spPr>
+        <p:style>
+          <a:lnRef idx="2">
+            <a:schemeClr val="accent1">
+              <a:shade val="50000"/>
+            </a:schemeClr>
+          </a:lnRef>
+          <a:fillRef idx="1">
+            <a:schemeClr val="accent1"/>
+          </a:fillRef>
+          <a:effectRef idx="0">
+            <a:schemeClr val="accent1"/>
+          </a:effectRef>
+          <a:fontRef idx="minor">
+            <a:schemeClr val="lt1"/>
+          </a:fontRef>
+        </p:style>
+        <p:txBody>
+          <a:bodyPr rtlCol="0" anchor="ctr"/>
+          <a:lstStyle/>
+          <a:p>
+            <a:pPr algn="ctr"/>
+            <a:endParaRPr lang="en-US"/>
+          </a:p>
+        </p:txBody>
+      </p:sp>
+      <p:sp>
+        <p:nvSpPr>
+          <p:cNvPr id="61" name="Rectangle 60">
+            <a:extLst>
+              <a:ext uri="{FF2B5EF4-FFF2-40B4-BE49-F238E27FC236}">
+                <a16:creationId xmlns:a16="http://schemas.microsoft.com/office/drawing/2014/main" id="{C223A03B-FC35-4A91-817B-5811FE839BF5}"/>
+              </a:ext>
+            </a:extLst>
+          </p:cNvPr>
+          <p:cNvSpPr/>
+          <p:nvPr/>
+        </p:nvSpPr>
+        <p:spPr>
+          <a:xfrm>
+            <a:off x="958015" y="3336351"/>
+            <a:ext cx="12192635" cy="958394"/>
+          </a:xfrm>
+          <a:prstGeom prst="rect">
+            <a:avLst/>
+          </a:prstGeom>
+          <a:solidFill>
+            <a:schemeClr val="accent2"/>
+          </a:solidFill>
+        </p:spPr>
+        <p:style>
+          <a:lnRef idx="2">
+            <a:schemeClr val="accent1">
+              <a:shade val="50000"/>
+            </a:schemeClr>
+          </a:lnRef>
+          <a:fillRef idx="1">
+            <a:schemeClr val="accent1"/>
+          </a:fillRef>
+          <a:effectRef idx="0">
+            <a:schemeClr val="accent1"/>
+          </a:effectRef>
+          <a:fontRef idx="minor">
+            <a:schemeClr val="lt1"/>
+          </a:fontRef>
+        </p:style>
+        <p:txBody>
+          <a:bodyPr rtlCol="0" anchor="ctr"/>
+          <a:lstStyle/>
+          <a:p>
+            <a:pPr algn="ctr"/>
+            <a:endParaRPr lang="en-US"/>
+          </a:p>
+        </p:txBody>
+      </p:sp>
+      <p:sp>
+        <p:nvSpPr>
+          <p:cNvPr id="62" name="Rectangle 61">
+            <a:extLst>
+              <a:ext uri="{FF2B5EF4-FFF2-40B4-BE49-F238E27FC236}">
+                <a16:creationId xmlns:a16="http://schemas.microsoft.com/office/drawing/2014/main" id="{1FC87924-A58C-4F8F-BE3A-892159C3F777}"/>
+              </a:ext>
+            </a:extLst>
+          </p:cNvPr>
+          <p:cNvSpPr/>
+          <p:nvPr/>
+        </p:nvSpPr>
+        <p:spPr>
+          <a:xfrm>
+            <a:off x="15345011" y="3333935"/>
+            <a:ext cx="12245393" cy="958394"/>
+          </a:xfrm>
+          <a:prstGeom prst="rect">
+            <a:avLst/>
+          </a:prstGeom>
+          <a:solidFill>
+            <a:schemeClr val="accent2"/>
+          </a:solidFill>
+        </p:spPr>
+        <p:style>
+          <a:lnRef idx="2">
+            <a:schemeClr val="accent1">
+              <a:shade val="50000"/>
+            </a:schemeClr>
+          </a:lnRef>
+          <a:fillRef idx="1">
+            <a:schemeClr val="accent1"/>
+          </a:fillRef>
+          <a:effectRef idx="0">
+            <a:schemeClr val="accent1"/>
+          </a:effectRef>
+          <a:fontRef idx="minor">
+            <a:schemeClr val="lt1"/>
+          </a:fontRef>
+        </p:style>
+        <p:txBody>
+          <a:bodyPr rtlCol="0" anchor="ctr"/>
+          <a:lstStyle/>
+          <a:p>
+            <a:pPr algn="ctr"/>
+            <a:endParaRPr lang="en-US"/>
+          </a:p>
+        </p:txBody>
+      </p:sp>
+      <p:sp>
+        <p:nvSpPr>
+          <p:cNvPr id="63" name="Rectangle 62">
+            <a:extLst>
+              <a:ext uri="{FF2B5EF4-FFF2-40B4-BE49-F238E27FC236}">
+                <a16:creationId xmlns:a16="http://schemas.microsoft.com/office/drawing/2014/main" id="{9B6FA245-15C1-4422-90BA-12F71F8404EA}"/>
+              </a:ext>
+            </a:extLst>
+          </p:cNvPr>
+          <p:cNvSpPr/>
+          <p:nvPr/>
+        </p:nvSpPr>
+        <p:spPr>
+          <a:xfrm>
+            <a:off x="29716221" y="3333935"/>
+            <a:ext cx="12192635" cy="958394"/>
+          </a:xfrm>
+          <a:prstGeom prst="rect">
+            <a:avLst/>
+          </a:prstGeom>
+          <a:solidFill>
+            <a:schemeClr val="accent2"/>
+          </a:solidFill>
+        </p:spPr>
+        <p:style>
+          <a:lnRef idx="2">
+            <a:schemeClr val="accent1">
+              <a:shade val="50000"/>
+            </a:schemeClr>
+          </a:lnRef>
+          <a:fillRef idx="1">
+            <a:schemeClr val="accent1"/>
+          </a:fillRef>
+          <a:effectRef idx="0">
+            <a:schemeClr val="accent1"/>
+          </a:effectRef>
+          <a:fontRef idx="minor">
+            <a:schemeClr val="lt1"/>
+          </a:fontRef>
+        </p:style>
+        <p:txBody>
+          <a:bodyPr rtlCol="0" anchor="ctr"/>
+          <a:lstStyle/>
+          <a:p>
+            <a:pPr algn="ctr"/>
+            <a:endParaRPr lang="en-US"/>
+          </a:p>
+        </p:txBody>
+      </p:sp>
+      <p:sp>
+        <p:nvSpPr>
+          <p:cNvPr id="9" name="TextBox 8">
+            <a:extLst>
+              <a:ext uri="{FF2B5EF4-FFF2-40B4-BE49-F238E27FC236}">
+                <a16:creationId xmlns:a16="http://schemas.microsoft.com/office/drawing/2014/main" id="{6D298C1F-1A23-494F-85DD-8823F4B7DE16}"/>
+              </a:ext>
+            </a:extLst>
+          </p:cNvPr>
+          <p:cNvSpPr txBox="1"/>
+          <p:nvPr/>
+        </p:nvSpPr>
+        <p:spPr>
+          <a:xfrm>
+            <a:off x="958015" y="3379822"/>
+            <a:ext cx="12192636" cy="861774"/>
+          </a:xfrm>
+          <a:prstGeom prst="rect">
+            <a:avLst/>
+          </a:prstGeom>
+          <a:noFill/>
+        </p:spPr>
+        <p:txBody>
+          <a:bodyPr wrap="square" rtlCol="0">
+            <a:spAutoFit/>
+          </a:bodyPr>
+          <a:lstStyle/>
+          <a:p>
+            <a:pPr algn="ctr"/>
+            <a:r>
+              <a:rPr lang="en-US" sz="5000" b="1" dirty="0">
+                <a:latin typeface="Times New Roman" panose="02020603050405020304" pitchFamily="18" charset="0"/>
+                <a:cs typeface="Times New Roman" panose="02020603050405020304" pitchFamily="18" charset="0"/>
+              </a:rPr>
+              <a:t>Introduction</a:t>
+            </a:r>
+          </a:p>
+        </p:txBody>
+      </p:sp>
+      <p:sp>
+        <p:nvSpPr>
+          <p:cNvPr id="31" name="TextBox 30">
+            <a:extLst>
+              <a:ext uri="{FF2B5EF4-FFF2-40B4-BE49-F238E27FC236}">
+                <a16:creationId xmlns:a16="http://schemas.microsoft.com/office/drawing/2014/main" id="{B7E22F99-AD3F-4A48-901A-11AB909A421F}"/>
+              </a:ext>
+            </a:extLst>
+          </p:cNvPr>
+          <p:cNvSpPr txBox="1"/>
+          <p:nvPr/>
+        </p:nvSpPr>
+        <p:spPr>
+          <a:xfrm>
+            <a:off x="15361864" y="3439491"/>
+            <a:ext cx="12192635" cy="861774"/>
+          </a:xfrm>
+          <a:prstGeom prst="rect">
+            <a:avLst/>
+          </a:prstGeom>
+          <a:noFill/>
+        </p:spPr>
+        <p:txBody>
+          <a:bodyPr wrap="square" rtlCol="0">
+            <a:spAutoFit/>
+          </a:bodyPr>
+          <a:lstStyle/>
+          <a:p>
+            <a:pPr algn="ctr"/>
+            <a:r>
+              <a:rPr lang="en-US" sz="5000" b="1" dirty="0">
+                <a:latin typeface="Times New Roman" panose="02020603050405020304" pitchFamily="18" charset="0"/>
+                <a:cs typeface="Times New Roman" panose="02020603050405020304" pitchFamily="18" charset="0"/>
+              </a:rPr>
+              <a:t>Recording Technique</a:t>
+            </a:r>
+          </a:p>
+        </p:txBody>
+      </p:sp>
+      <p:sp>
+        <p:nvSpPr>
+          <p:cNvPr id="39" name="TextBox 38">
+            <a:extLst>
+              <a:ext uri="{FF2B5EF4-FFF2-40B4-BE49-F238E27FC236}">
+                <a16:creationId xmlns:a16="http://schemas.microsoft.com/office/drawing/2014/main" id="{F0589213-A7A9-4946-BB65-6002944EF5F0}"/>
+              </a:ext>
+            </a:extLst>
+          </p:cNvPr>
+          <p:cNvSpPr txBox="1"/>
+          <p:nvPr/>
+        </p:nvSpPr>
+        <p:spPr>
+          <a:xfrm>
+            <a:off x="29728679" y="3379822"/>
+            <a:ext cx="12190857" cy="861774"/>
+          </a:xfrm>
+          <a:prstGeom prst="rect">
+            <a:avLst/>
+          </a:prstGeom>
+          <a:noFill/>
+        </p:spPr>
+        <p:txBody>
+          <a:bodyPr wrap="square" rtlCol="0">
+            <a:spAutoFit/>
+          </a:bodyPr>
+          <a:lstStyle/>
+          <a:p>
+            <a:pPr algn="ctr"/>
+            <a:r>
+              <a:rPr lang="en-US" sz="5000" b="1" dirty="0">
+                <a:latin typeface="Times New Roman" panose="02020603050405020304" pitchFamily="18" charset="0"/>
+                <a:cs typeface="Times New Roman" panose="02020603050405020304" pitchFamily="18" charset="0"/>
+              </a:rPr>
+              <a:t>Desktop Application</a:t>
+            </a:r>
+          </a:p>
+        </p:txBody>
+      </p:sp>
+      <p:sp>
+        <p:nvSpPr>
+          <p:cNvPr id="64" name="Rectangle 63">
+            <a:extLst>
+              <a:ext uri="{FF2B5EF4-FFF2-40B4-BE49-F238E27FC236}">
+                <a16:creationId xmlns:a16="http://schemas.microsoft.com/office/drawing/2014/main" id="{EAEB2BD7-7AD3-44DE-8CAA-C8FD7AD699E8}"/>
+              </a:ext>
+            </a:extLst>
+          </p:cNvPr>
+          <p:cNvSpPr/>
+          <p:nvPr/>
+        </p:nvSpPr>
+        <p:spPr>
+          <a:xfrm>
+            <a:off x="15381582" y="13350545"/>
+            <a:ext cx="12186280" cy="1014343"/>
+          </a:xfrm>
+          <a:prstGeom prst="rect">
+            <a:avLst/>
+          </a:prstGeom>
+          <a:solidFill>
+            <a:schemeClr val="accent2"/>
+          </a:solidFill>
+        </p:spPr>
+        <p:style>
+          <a:lnRef idx="2">
+            <a:schemeClr val="accent1">
+              <a:shade val="50000"/>
+            </a:schemeClr>
+          </a:lnRef>
+          <a:fillRef idx="1">
+            <a:schemeClr val="accent1"/>
+          </a:fillRef>
+          <a:effectRef idx="0">
+            <a:schemeClr val="accent1"/>
+          </a:effectRef>
+          <a:fontRef idx="minor">
+            <a:schemeClr val="lt1"/>
+          </a:fontRef>
+        </p:style>
+        <p:txBody>
+          <a:bodyPr rtlCol="0" anchor="ctr"/>
+          <a:lstStyle/>
+          <a:p>
+            <a:pPr algn="ctr"/>
+            <a:endParaRPr lang="en-US"/>
+          </a:p>
+        </p:txBody>
+      </p:sp>
+      <p:sp>
+        <p:nvSpPr>
+          <p:cNvPr id="14" name="TextBox 13">
+            <a:extLst>
+              <a:ext uri="{FF2B5EF4-FFF2-40B4-BE49-F238E27FC236}">
+                <a16:creationId xmlns:a16="http://schemas.microsoft.com/office/drawing/2014/main" id="{CF6B3986-5A85-43E6-A268-3A547C4114AA}"/>
+              </a:ext>
+            </a:extLst>
+          </p:cNvPr>
+          <p:cNvSpPr txBox="1"/>
+          <p:nvPr/>
+        </p:nvSpPr>
+        <p:spPr>
+          <a:xfrm>
+            <a:off x="963453" y="10155952"/>
+            <a:ext cx="12186280" cy="882840"/>
+          </a:xfrm>
+          <a:prstGeom prst="rect">
+            <a:avLst/>
+          </a:prstGeom>
+          <a:noFill/>
+        </p:spPr>
+        <p:txBody>
+          <a:bodyPr wrap="square" rtlCol="0">
+            <a:spAutoFit/>
+          </a:bodyPr>
+          <a:lstStyle/>
+          <a:p>
+            <a:pPr algn="ctr"/>
+            <a:r>
+              <a:rPr lang="en-US" sz="5000" b="1" dirty="0">
+                <a:latin typeface="Times New Roman" panose="02020603050405020304" pitchFamily="18" charset="0"/>
+                <a:cs typeface="Times New Roman" panose="02020603050405020304" pitchFamily="18" charset="0"/>
+              </a:rPr>
+              <a:t>Methods</a:t>
+            </a:r>
+          </a:p>
+        </p:txBody>
+      </p:sp>
+      <p:sp>
+        <p:nvSpPr>
+          <p:cNvPr id="29" name="Rectangle 28">
+            <a:extLst>
+              <a:ext uri="{FF2B5EF4-FFF2-40B4-BE49-F238E27FC236}">
+                <a16:creationId xmlns:a16="http://schemas.microsoft.com/office/drawing/2014/main" id="{2E96BDD8-6BFE-4354-8CC7-9FEE69983B4C}"/>
+              </a:ext>
+            </a:extLst>
+          </p:cNvPr>
+          <p:cNvSpPr/>
+          <p:nvPr/>
+        </p:nvSpPr>
+        <p:spPr>
+          <a:xfrm>
+            <a:off x="15359040" y="13379268"/>
+            <a:ext cx="12186280" cy="861774"/>
+          </a:xfrm>
+          <a:prstGeom prst="rect">
+            <a:avLst/>
+          </a:prstGeom>
+        </p:spPr>
+        <p:txBody>
+          <a:bodyPr wrap="square">
+            <a:spAutoFit/>
+          </a:bodyPr>
+          <a:lstStyle/>
+          <a:p>
+            <a:pPr algn="ctr"/>
+            <a:r>
+              <a:rPr lang="en-US" sz="5000" b="1" dirty="0">
+                <a:latin typeface="Times New Roman" panose="02020603050405020304" pitchFamily="18" charset="0"/>
+                <a:cs typeface="Times New Roman" panose="02020603050405020304" pitchFamily="18" charset="0"/>
+              </a:rPr>
+              <a:t>Web Application</a:t>
+            </a:r>
+          </a:p>
+        </p:txBody>
+      </p:sp>
+      <p:sp>
+        <p:nvSpPr>
+          <p:cNvPr id="26" name="TextBox 25">
+            <a:extLst>
+              <a:ext uri="{FF2B5EF4-FFF2-40B4-BE49-F238E27FC236}">
+                <a16:creationId xmlns:a16="http://schemas.microsoft.com/office/drawing/2014/main" id="{F3AFFFD6-FED8-43B2-9150-64597BC38DCD}"/>
+              </a:ext>
+            </a:extLst>
+          </p:cNvPr>
+          <p:cNvSpPr txBox="1"/>
+          <p:nvPr/>
+        </p:nvSpPr>
+        <p:spPr>
+          <a:xfrm>
+            <a:off x="945571" y="18759489"/>
+            <a:ext cx="12163829" cy="861774"/>
+          </a:xfrm>
+          <a:prstGeom prst="rect">
+            <a:avLst/>
+          </a:prstGeom>
+          <a:noFill/>
+        </p:spPr>
+        <p:txBody>
+          <a:bodyPr wrap="square" rtlCol="0">
+            <a:spAutoFit/>
+          </a:bodyPr>
+          <a:lstStyle/>
+          <a:p>
+            <a:pPr algn="ctr"/>
+            <a:r>
+              <a:rPr lang="en-US" sz="5000" b="1" dirty="0">
+                <a:latin typeface="Times New Roman" panose="02020603050405020304" pitchFamily="18" charset="0"/>
+                <a:cs typeface="Times New Roman" panose="02020603050405020304" pitchFamily="18" charset="0"/>
+              </a:rPr>
+              <a:t>Surround Sound Technology</a:t>
+            </a:r>
+          </a:p>
+        </p:txBody>
+      </p:sp>
+      <p:sp>
+        <p:nvSpPr>
+          <p:cNvPr id="34" name="Rectangle 33">
+            <a:extLst>
+              <a:ext uri="{FF2B5EF4-FFF2-40B4-BE49-F238E27FC236}">
+                <a16:creationId xmlns:a16="http://schemas.microsoft.com/office/drawing/2014/main" id="{088A788D-D0BA-46F0-8BAC-217E338BD4C4}"/>
+              </a:ext>
+            </a:extLst>
+          </p:cNvPr>
+          <p:cNvSpPr/>
+          <p:nvPr/>
+        </p:nvSpPr>
+        <p:spPr>
+          <a:xfrm>
+            <a:off x="15391998" y="26589882"/>
+            <a:ext cx="12153322" cy="861774"/>
+          </a:xfrm>
+          <a:prstGeom prst="rect">
+            <a:avLst/>
+          </a:prstGeom>
+        </p:spPr>
+        <p:txBody>
+          <a:bodyPr wrap="square">
+            <a:spAutoFit/>
+          </a:bodyPr>
+          <a:lstStyle/>
+          <a:p>
+            <a:pPr algn="ctr"/>
+            <a:r>
+              <a:rPr lang="en-US" sz="5000" b="1" dirty="0">
+                <a:latin typeface="Times New Roman" panose="02020603050405020304" pitchFamily="18" charset="0"/>
+                <a:cs typeface="Times New Roman" panose="02020603050405020304" pitchFamily="18" charset="0"/>
+              </a:rPr>
+              <a:t>Voice Recognition and Speech Synthesis</a:t>
+            </a:r>
+          </a:p>
+        </p:txBody>
+      </p:sp>
+      <p:sp>
+        <p:nvSpPr>
+          <p:cNvPr id="65" name="Rectangle 64">
+            <a:extLst>
+              <a:ext uri="{FF2B5EF4-FFF2-40B4-BE49-F238E27FC236}">
+                <a16:creationId xmlns:a16="http://schemas.microsoft.com/office/drawing/2014/main" id="{39AACBD1-9311-49F0-BB2D-AEA74715A941}"/>
+              </a:ext>
+            </a:extLst>
+          </p:cNvPr>
+          <p:cNvSpPr/>
+          <p:nvPr/>
+        </p:nvSpPr>
+        <p:spPr>
+          <a:xfrm>
+            <a:off x="29785984" y="12828331"/>
+            <a:ext cx="12072951" cy="861774"/>
+          </a:xfrm>
+          <a:prstGeom prst="rect">
+            <a:avLst/>
+          </a:prstGeom>
+        </p:spPr>
+        <p:txBody>
+          <a:bodyPr wrap="square">
+            <a:spAutoFit/>
+          </a:bodyPr>
+          <a:lstStyle/>
+          <a:p>
+            <a:pPr algn="ctr"/>
+            <a:r>
+              <a:rPr lang="en-US" sz="5000" b="1" dirty="0">
+                <a:latin typeface="Times New Roman" panose="02020603050405020304" pitchFamily="18" charset="0"/>
+                <a:cs typeface="Times New Roman" panose="02020603050405020304" pitchFamily="18" charset="0"/>
+              </a:rPr>
+              <a:t>Narration based on head direction</a:t>
+            </a:r>
+          </a:p>
+        </p:txBody>
+      </p:sp>
+      <p:sp>
+        <p:nvSpPr>
+          <p:cNvPr id="13" name="TextBox 12">
+            <a:extLst>
+              <a:ext uri="{FF2B5EF4-FFF2-40B4-BE49-F238E27FC236}">
+                <a16:creationId xmlns:a16="http://schemas.microsoft.com/office/drawing/2014/main" id="{89A11050-E8C0-42C3-A1C4-DAC1D8208221}"/>
+              </a:ext>
+            </a:extLst>
+          </p:cNvPr>
+          <p:cNvSpPr txBox="1"/>
+          <p:nvPr/>
+        </p:nvSpPr>
+        <p:spPr>
+          <a:xfrm>
+            <a:off x="30191252" y="22230214"/>
+            <a:ext cx="4957184" cy="861774"/>
+          </a:xfrm>
+          <a:prstGeom prst="rect">
+            <a:avLst/>
+          </a:prstGeom>
+          <a:noFill/>
+        </p:spPr>
+        <p:txBody>
+          <a:bodyPr wrap="square" rtlCol="0">
+            <a:spAutoFit/>
+          </a:bodyPr>
+          <a:lstStyle/>
+          <a:p>
+            <a:pPr algn="ctr"/>
+            <a:r>
+              <a:rPr lang="en-US" sz="5000" b="1" dirty="0">
+                <a:latin typeface="Times New Roman" panose="02020603050405020304" pitchFamily="18" charset="0"/>
+                <a:cs typeface="Times New Roman" panose="02020603050405020304" pitchFamily="18" charset="0"/>
+              </a:rPr>
+              <a:t>Main Equipment</a:t>
+            </a:r>
+          </a:p>
+        </p:txBody>
+      </p:sp>
+      <p:sp>
+        <p:nvSpPr>
+          <p:cNvPr id="68" name="Rectangle 67">
+            <a:extLst>
+              <a:ext uri="{FF2B5EF4-FFF2-40B4-BE49-F238E27FC236}">
+                <a16:creationId xmlns:a16="http://schemas.microsoft.com/office/drawing/2014/main" id="{B754B6E2-C0AE-423A-A638-ACCE50F06A52}"/>
+              </a:ext>
+            </a:extLst>
+          </p:cNvPr>
+          <p:cNvSpPr/>
+          <p:nvPr/>
+        </p:nvSpPr>
+        <p:spPr>
+          <a:xfrm>
+            <a:off x="36404531" y="22159689"/>
+            <a:ext cx="5472412" cy="861774"/>
+          </a:xfrm>
+          <a:prstGeom prst="rect">
+            <a:avLst/>
+          </a:prstGeom>
+          <a:solidFill>
+            <a:schemeClr val="accent2"/>
+          </a:solidFill>
+        </p:spPr>
+        <p:style>
+          <a:lnRef idx="2">
+            <a:schemeClr val="accent1">
+              <a:shade val="50000"/>
+            </a:schemeClr>
+          </a:lnRef>
+          <a:fillRef idx="1">
+            <a:schemeClr val="accent1"/>
+          </a:fillRef>
+          <a:effectRef idx="0">
+            <a:schemeClr val="accent1"/>
+          </a:effectRef>
+          <a:fontRef idx="minor">
+            <a:schemeClr val="lt1"/>
+          </a:fontRef>
+        </p:style>
+        <p:txBody>
+          <a:bodyPr rtlCol="0" anchor="ctr"/>
+          <a:lstStyle/>
+          <a:p>
+            <a:pPr algn="ctr"/>
+            <a:endParaRPr lang="en-US"/>
+          </a:p>
+        </p:txBody>
+      </p:sp>
+      <p:sp>
+        <p:nvSpPr>
+          <p:cNvPr id="66" name="TextBox 65">
+            <a:extLst>
+              <a:ext uri="{FF2B5EF4-FFF2-40B4-BE49-F238E27FC236}">
+                <a16:creationId xmlns:a16="http://schemas.microsoft.com/office/drawing/2014/main" id="{2B6C9A8C-461B-41FD-A955-8307AFC52674}"/>
+              </a:ext>
+            </a:extLst>
+          </p:cNvPr>
+          <p:cNvSpPr txBox="1"/>
+          <p:nvPr/>
+        </p:nvSpPr>
+        <p:spPr>
+          <a:xfrm>
+            <a:off x="36702132" y="22203849"/>
+            <a:ext cx="4957184" cy="861774"/>
+          </a:xfrm>
+          <a:prstGeom prst="rect">
+            <a:avLst/>
+          </a:prstGeom>
+          <a:noFill/>
+        </p:spPr>
+        <p:txBody>
+          <a:bodyPr wrap="square" rtlCol="0">
+            <a:spAutoFit/>
+          </a:bodyPr>
+          <a:lstStyle/>
+          <a:p>
+            <a:pPr algn="ctr"/>
+            <a:r>
+              <a:rPr lang="en-US" sz="5000" b="1" dirty="0">
+                <a:latin typeface="Times New Roman" panose="02020603050405020304" pitchFamily="18" charset="0"/>
+                <a:cs typeface="Times New Roman" panose="02020603050405020304" pitchFamily="18" charset="0"/>
+              </a:rPr>
+              <a:t>Project website</a:t>
+            </a:r>
+          </a:p>
+        </p:txBody>
+      </p:sp>
+      <p:sp>
+        <p:nvSpPr>
+          <p:cNvPr id="69" name="Rectangle 68">
+            <a:extLst>
+              <a:ext uri="{FF2B5EF4-FFF2-40B4-BE49-F238E27FC236}">
+                <a16:creationId xmlns:a16="http://schemas.microsoft.com/office/drawing/2014/main" id="{5BC1AA30-127F-454D-8792-D016FBE93433}"/>
+              </a:ext>
+            </a:extLst>
+          </p:cNvPr>
+          <p:cNvSpPr/>
+          <p:nvPr/>
+        </p:nvSpPr>
+        <p:spPr>
+          <a:xfrm>
+            <a:off x="29728679" y="26251196"/>
+            <a:ext cx="5895793" cy="737066"/>
+          </a:xfrm>
+          <a:prstGeom prst="rect">
+            <a:avLst/>
+          </a:prstGeom>
+          <a:solidFill>
+            <a:schemeClr val="accent2"/>
+          </a:solidFill>
+        </p:spPr>
+        <p:style>
+          <a:lnRef idx="2">
+            <a:schemeClr val="accent1">
+              <a:shade val="50000"/>
+            </a:schemeClr>
+          </a:lnRef>
+          <a:fillRef idx="1">
+            <a:schemeClr val="accent1"/>
+          </a:fillRef>
+          <a:effectRef idx="0">
+            <a:schemeClr val="accent1"/>
+          </a:effectRef>
+          <a:fontRef idx="minor">
+            <a:schemeClr val="lt1"/>
+          </a:fontRef>
+        </p:style>
+        <p:txBody>
+          <a:bodyPr rtlCol="0" anchor="ctr"/>
+          <a:lstStyle/>
+          <a:p>
+            <a:pPr algn="ctr"/>
+            <a:endParaRPr lang="en-US"/>
+          </a:p>
+        </p:txBody>
+      </p:sp>
+      <p:sp>
+        <p:nvSpPr>
+          <p:cNvPr id="52" name="TextBox 51">
+            <a:extLst>
+              <a:ext uri="{FF2B5EF4-FFF2-40B4-BE49-F238E27FC236}">
+                <a16:creationId xmlns:a16="http://schemas.microsoft.com/office/drawing/2014/main" id="{0F28130B-5935-46D9-95CE-6F7C23A20D93}"/>
+              </a:ext>
+            </a:extLst>
+          </p:cNvPr>
+          <p:cNvSpPr txBox="1"/>
+          <p:nvPr/>
+        </p:nvSpPr>
+        <p:spPr>
+          <a:xfrm>
+            <a:off x="27684068" y="26188842"/>
+            <a:ext cx="8375453" cy="861774"/>
+          </a:xfrm>
+          <a:prstGeom prst="rect">
+            <a:avLst/>
+          </a:prstGeom>
+          <a:noFill/>
+        </p:spPr>
+        <p:txBody>
+          <a:bodyPr wrap="square" rtlCol="0">
+            <a:spAutoFit/>
+          </a:bodyPr>
+          <a:lstStyle/>
+          <a:p>
+            <a:pPr algn="ctr"/>
+            <a:r>
+              <a:rPr lang="en-US" sz="5000" b="1" dirty="0">
+                <a:latin typeface="Times New Roman" panose="02020603050405020304" pitchFamily="18" charset="0"/>
+                <a:cs typeface="Times New Roman" panose="02020603050405020304" pitchFamily="18" charset="0"/>
+              </a:rPr>
+              <a:t>    References</a:t>
+            </a:r>
           </a:p>
         </p:txBody>
       </p:sp>

--- a/COM/assets/Vision Impair Poster.pptx
+++ b/COM/assets/Vision Impair Poster.pptx
@@ -243,7 +243,7 @@
           <a:p>
             <a:fld id="{1A216F65-0C9C-45E1-BCCD-B29180FE12C4}" type="datetimeFigureOut">
               <a:rPr lang="en-US" smtClean="0"/>
-              <a:t>2/21/2018</a:t>
+              <a:t>2/27/2018</a:t>
             </a:fld>
             <a:endParaRPr lang="en-US"/>
           </a:p>
@@ -413,7 +413,7 @@
           <a:p>
             <a:fld id="{1A216F65-0C9C-45E1-BCCD-B29180FE12C4}" type="datetimeFigureOut">
               <a:rPr lang="en-US" smtClean="0"/>
-              <a:t>2/21/2018</a:t>
+              <a:t>2/27/2018</a:t>
             </a:fld>
             <a:endParaRPr lang="en-US"/>
           </a:p>
@@ -593,7 +593,7 @@
           <a:p>
             <a:fld id="{1A216F65-0C9C-45E1-BCCD-B29180FE12C4}" type="datetimeFigureOut">
               <a:rPr lang="en-US" smtClean="0"/>
-              <a:t>2/21/2018</a:t>
+              <a:t>2/27/2018</a:t>
             </a:fld>
             <a:endParaRPr lang="en-US"/>
           </a:p>
@@ -763,7 +763,7 @@
           <a:p>
             <a:fld id="{1A216F65-0C9C-45E1-BCCD-B29180FE12C4}" type="datetimeFigureOut">
               <a:rPr lang="en-US" smtClean="0"/>
-              <a:t>2/21/2018</a:t>
+              <a:t>2/27/2018</a:t>
             </a:fld>
             <a:endParaRPr lang="en-US"/>
           </a:p>
@@ -1007,7 +1007,7 @@
           <a:p>
             <a:fld id="{1A216F65-0C9C-45E1-BCCD-B29180FE12C4}" type="datetimeFigureOut">
               <a:rPr lang="en-US" smtClean="0"/>
-              <a:t>2/21/2018</a:t>
+              <a:t>2/27/2018</a:t>
             </a:fld>
             <a:endParaRPr lang="en-US"/>
           </a:p>
@@ -1239,7 +1239,7 @@
           <a:p>
             <a:fld id="{1A216F65-0C9C-45E1-BCCD-B29180FE12C4}" type="datetimeFigureOut">
               <a:rPr lang="en-US" smtClean="0"/>
-              <a:t>2/21/2018</a:t>
+              <a:t>2/27/2018</a:t>
             </a:fld>
             <a:endParaRPr lang="en-US"/>
           </a:p>
@@ -1606,7 +1606,7 @@
           <a:p>
             <a:fld id="{1A216F65-0C9C-45E1-BCCD-B29180FE12C4}" type="datetimeFigureOut">
               <a:rPr lang="en-US" smtClean="0"/>
-              <a:t>2/21/2018</a:t>
+              <a:t>2/27/2018</a:t>
             </a:fld>
             <a:endParaRPr lang="en-US"/>
           </a:p>
@@ -1724,7 +1724,7 @@
           <a:p>
             <a:fld id="{1A216F65-0C9C-45E1-BCCD-B29180FE12C4}" type="datetimeFigureOut">
               <a:rPr lang="en-US" smtClean="0"/>
-              <a:t>2/21/2018</a:t>
+              <a:t>2/27/2018</a:t>
             </a:fld>
             <a:endParaRPr lang="en-US"/>
           </a:p>
@@ -1819,7 +1819,7 @@
           <a:p>
             <a:fld id="{1A216F65-0C9C-45E1-BCCD-B29180FE12C4}" type="datetimeFigureOut">
               <a:rPr lang="en-US" smtClean="0"/>
-              <a:t>2/21/2018</a:t>
+              <a:t>2/27/2018</a:t>
             </a:fld>
             <a:endParaRPr lang="en-US"/>
           </a:p>
@@ -2096,7 +2096,7 @@
           <a:p>
             <a:fld id="{1A216F65-0C9C-45E1-BCCD-B29180FE12C4}" type="datetimeFigureOut">
               <a:rPr lang="en-US" smtClean="0"/>
-              <a:t>2/21/2018</a:t>
+              <a:t>2/27/2018</a:t>
             </a:fld>
             <a:endParaRPr lang="en-US"/>
           </a:p>
@@ -2353,7 +2353,7 @@
           <a:p>
             <a:fld id="{1A216F65-0C9C-45E1-BCCD-B29180FE12C4}" type="datetimeFigureOut">
               <a:rPr lang="en-US" smtClean="0"/>
-              <a:t>2/21/2018</a:t>
+              <a:t>2/27/2018</a:t>
             </a:fld>
             <a:endParaRPr lang="en-US"/>
           </a:p>
@@ -2566,7 +2566,7 @@
           <a:p>
             <a:fld id="{1A216F65-0C9C-45E1-BCCD-B29180FE12C4}" type="datetimeFigureOut">
               <a:rPr lang="en-US" smtClean="0"/>
-              <a:t>2/21/2018</a:t>
+              <a:t>2/27/2018</a:t>
             </a:fld>
             <a:endParaRPr lang="en-US"/>
           </a:p>
@@ -3350,8 +3350,8 @@
         </p:nvSpPr>
         <p:spPr>
           <a:xfrm>
-            <a:off x="0" y="0"/>
-            <a:ext cx="42794238" cy="1827257"/>
+            <a:off x="5883165" y="-31270"/>
+            <a:ext cx="36911073" cy="1655880"/>
           </a:xfrm>
         </p:spPr>
         <p:txBody>
@@ -3361,7 +3361,7 @@
           <a:lstStyle/>
           <a:p>
             <a:r>
-              <a:rPr lang="en-US" sz="9600" b="1" dirty="0">
+              <a:rPr lang="en-US" sz="8800" b="1" dirty="0">
                 <a:latin typeface="Times New Roman" panose="02020603050405020304" pitchFamily="18" charset="0"/>
                 <a:cs typeface="Times New Roman" panose="02020603050405020304" pitchFamily="18" charset="0"/>
               </a:rPr>
@@ -4641,8 +4641,8 @@
         </p:nvSpPr>
         <p:spPr>
           <a:xfrm>
-            <a:off x="155207" y="2010060"/>
-            <a:ext cx="42794238" cy="702727"/>
+            <a:off x="5883165" y="1731057"/>
+            <a:ext cx="36911073" cy="1012133"/>
           </a:xfrm>
           <a:prstGeom prst="rect">
             <a:avLst/>
@@ -5793,6 +5793,53 @@
           </a:p>
         </p:txBody>
       </p:sp>
+      <p:pic>
+        <p:nvPicPr>
+          <p:cNvPr id="11" name="Picture 4" descr="Image result for Swinburne logo">
+            <a:extLst>
+              <a:ext uri="{FF2B5EF4-FFF2-40B4-BE49-F238E27FC236}">
+                <a16:creationId xmlns:a16="http://schemas.microsoft.com/office/drawing/2014/main" id="{E0364D39-CA09-4EEF-9CBE-6A7D04B90D0C}"/>
+              </a:ext>
+            </a:extLst>
+          </p:cNvPr>
+          <p:cNvPicPr>
+            <a:picLocks noChangeAspect="1" noChangeArrowheads="1"/>
+          </p:cNvPicPr>
+          <p:nvPr/>
+        </p:nvPicPr>
+        <p:blipFill>
+          <a:blip r:embed="rId14">
+            <a:extLst>
+              <a:ext uri="{28A0092B-C50C-407E-A947-70E740481C1C}">
+                <a14:useLocalDpi xmlns:a14="http://schemas.microsoft.com/office/drawing/2010/main" val="0"/>
+              </a:ext>
+            </a:extLst>
+          </a:blip>
+          <a:srcRect/>
+          <a:stretch>
+            <a:fillRect/>
+          </a:stretch>
+        </p:blipFill>
+        <p:spPr bwMode="auto">
+          <a:xfrm>
+            <a:off x="-917" y="-76100"/>
+            <a:ext cx="6066051" cy="2982958"/>
+          </a:xfrm>
+          <a:prstGeom prst="rect">
+            <a:avLst/>
+          </a:prstGeom>
+          <a:noFill/>
+          <a:extLst>
+            <a:ext uri="{909E8E84-426E-40DD-AFC4-6F175D3DCCD1}">
+              <a14:hiddenFill xmlns:a14="http://schemas.microsoft.com/office/drawing/2010/main">
+                <a:solidFill>
+                  <a:srgbClr val="FFFFFF"/>
+                </a:solidFill>
+              </a14:hiddenFill>
+            </a:ext>
+          </a:extLst>
+        </p:spPr>
+      </p:pic>
     </p:spTree>
     <p:extLst>
       <p:ext uri="{BB962C8B-B14F-4D97-AF65-F5344CB8AC3E}">

--- a/COM/assets/Vision Impair Poster.pptx
+++ b/COM/assets/Vision Impair Poster.pptx
@@ -243,7 +243,7 @@
           <a:p>
             <a:fld id="{1A216F65-0C9C-45E1-BCCD-B29180FE12C4}" type="datetimeFigureOut">
               <a:rPr lang="en-US" smtClean="0"/>
-              <a:t>2/27/2018</a:t>
+              <a:t>2/7/2018</a:t>
             </a:fld>
             <a:endParaRPr lang="en-US"/>
           </a:p>
@@ -413,7 +413,7 @@
           <a:p>
             <a:fld id="{1A216F65-0C9C-45E1-BCCD-B29180FE12C4}" type="datetimeFigureOut">
               <a:rPr lang="en-US" smtClean="0"/>
-              <a:t>2/27/2018</a:t>
+              <a:t>2/7/2018</a:t>
             </a:fld>
             <a:endParaRPr lang="en-US"/>
           </a:p>
@@ -593,7 +593,7 @@
           <a:p>
             <a:fld id="{1A216F65-0C9C-45E1-BCCD-B29180FE12C4}" type="datetimeFigureOut">
               <a:rPr lang="en-US" smtClean="0"/>
-              <a:t>2/27/2018</a:t>
+              <a:t>2/7/2018</a:t>
             </a:fld>
             <a:endParaRPr lang="en-US"/>
           </a:p>
@@ -763,7 +763,7 @@
           <a:p>
             <a:fld id="{1A216F65-0C9C-45E1-BCCD-B29180FE12C4}" type="datetimeFigureOut">
               <a:rPr lang="en-US" smtClean="0"/>
-              <a:t>2/27/2018</a:t>
+              <a:t>2/7/2018</a:t>
             </a:fld>
             <a:endParaRPr lang="en-US"/>
           </a:p>
@@ -1007,7 +1007,7 @@
           <a:p>
             <a:fld id="{1A216F65-0C9C-45E1-BCCD-B29180FE12C4}" type="datetimeFigureOut">
               <a:rPr lang="en-US" smtClean="0"/>
-              <a:t>2/27/2018</a:t>
+              <a:t>2/7/2018</a:t>
             </a:fld>
             <a:endParaRPr lang="en-US"/>
           </a:p>
@@ -1239,7 +1239,7 @@
           <a:p>
             <a:fld id="{1A216F65-0C9C-45E1-BCCD-B29180FE12C4}" type="datetimeFigureOut">
               <a:rPr lang="en-US" smtClean="0"/>
-              <a:t>2/27/2018</a:t>
+              <a:t>2/7/2018</a:t>
             </a:fld>
             <a:endParaRPr lang="en-US"/>
           </a:p>
@@ -1606,7 +1606,7 @@
           <a:p>
             <a:fld id="{1A216F65-0C9C-45E1-BCCD-B29180FE12C4}" type="datetimeFigureOut">
               <a:rPr lang="en-US" smtClean="0"/>
-              <a:t>2/27/2018</a:t>
+              <a:t>2/7/2018</a:t>
             </a:fld>
             <a:endParaRPr lang="en-US"/>
           </a:p>
@@ -1724,7 +1724,7 @@
           <a:p>
             <a:fld id="{1A216F65-0C9C-45E1-BCCD-B29180FE12C4}" type="datetimeFigureOut">
               <a:rPr lang="en-US" smtClean="0"/>
-              <a:t>2/27/2018</a:t>
+              <a:t>2/7/2018</a:t>
             </a:fld>
             <a:endParaRPr lang="en-US"/>
           </a:p>
@@ -1819,7 +1819,7 @@
           <a:p>
             <a:fld id="{1A216F65-0C9C-45E1-BCCD-B29180FE12C4}" type="datetimeFigureOut">
               <a:rPr lang="en-US" smtClean="0"/>
-              <a:t>2/27/2018</a:t>
+              <a:t>2/7/2018</a:t>
             </a:fld>
             <a:endParaRPr lang="en-US"/>
           </a:p>
@@ -2096,7 +2096,7 @@
           <a:p>
             <a:fld id="{1A216F65-0C9C-45E1-BCCD-B29180FE12C4}" type="datetimeFigureOut">
               <a:rPr lang="en-US" smtClean="0"/>
-              <a:t>2/27/2018</a:t>
+              <a:t>2/7/2018</a:t>
             </a:fld>
             <a:endParaRPr lang="en-US"/>
           </a:p>
@@ -2353,7 +2353,7 @@
           <a:p>
             <a:fld id="{1A216F65-0C9C-45E1-BCCD-B29180FE12C4}" type="datetimeFigureOut">
               <a:rPr lang="en-US" smtClean="0"/>
-              <a:t>2/27/2018</a:t>
+              <a:t>2/7/2018</a:t>
             </a:fld>
             <a:endParaRPr lang="en-US"/>
           </a:p>
@@ -2566,7 +2566,7 @@
           <a:p>
             <a:fld id="{1A216F65-0C9C-45E1-BCCD-B29180FE12C4}" type="datetimeFigureOut">
               <a:rPr lang="en-US" smtClean="0"/>
-              <a:t>2/27/2018</a:t>
+              <a:t>2/7/2018</a:t>
             </a:fld>
             <a:endParaRPr lang="en-US"/>
           </a:p>
@@ -2973,256 +2973,6 @@
       </p:grpSpPr>
       <p:sp>
         <p:nvSpPr>
-          <p:cNvPr id="70" name="Rectangle 69">
-            <a:extLst>
-              <a:ext uri="{FF2B5EF4-FFF2-40B4-BE49-F238E27FC236}">
-                <a16:creationId xmlns:a16="http://schemas.microsoft.com/office/drawing/2014/main" id="{A407564F-CE5B-4125-BC3F-DFECB9DE362E}"/>
-              </a:ext>
-            </a:extLst>
-          </p:cNvPr>
-          <p:cNvSpPr/>
-          <p:nvPr/>
-        </p:nvSpPr>
-        <p:spPr>
-          <a:xfrm>
-            <a:off x="0" y="-67308"/>
-            <a:ext cx="42794238" cy="3742678"/>
-          </a:xfrm>
-          <a:prstGeom prst="rect">
-            <a:avLst/>
-          </a:prstGeom>
-          <a:solidFill>
-            <a:schemeClr val="accent1">
-              <a:lumMod val="40000"/>
-              <a:lumOff val="60000"/>
-            </a:schemeClr>
-          </a:solidFill>
-        </p:spPr>
-        <p:style>
-          <a:lnRef idx="2">
-            <a:schemeClr val="accent1">
-              <a:shade val="50000"/>
-            </a:schemeClr>
-          </a:lnRef>
-          <a:fillRef idx="1">
-            <a:schemeClr val="accent1"/>
-          </a:fillRef>
-          <a:effectRef idx="0">
-            <a:schemeClr val="accent1"/>
-          </a:effectRef>
-          <a:fontRef idx="minor">
-            <a:schemeClr val="lt1"/>
-          </a:fontRef>
-        </p:style>
-        <p:txBody>
-          <a:bodyPr rtlCol="0" anchor="ctr"/>
-          <a:lstStyle/>
-          <a:p>
-            <a:pPr algn="ctr"/>
-            <a:endParaRPr lang="en-US"/>
-          </a:p>
-        </p:txBody>
-      </p:sp>
-      <p:sp>
-        <p:nvSpPr>
-          <p:cNvPr id="16" name="Rectangle 15">
-            <a:extLst>
-              <a:ext uri="{FF2B5EF4-FFF2-40B4-BE49-F238E27FC236}">
-                <a16:creationId xmlns:a16="http://schemas.microsoft.com/office/drawing/2014/main" id="{38FC9C14-2E6F-4A2F-9C0A-9F3A763A65F0}"/>
-              </a:ext>
-            </a:extLst>
-          </p:cNvPr>
-          <p:cNvSpPr/>
-          <p:nvPr/>
-        </p:nvSpPr>
-        <p:spPr>
-          <a:xfrm>
-            <a:off x="1" y="2895590"/>
-            <a:ext cx="42794238" cy="27371684"/>
-          </a:xfrm>
-          <a:prstGeom prst="rect">
-            <a:avLst/>
-          </a:prstGeom>
-          <a:solidFill>
-            <a:schemeClr val="accent1">
-              <a:lumMod val="75000"/>
-            </a:schemeClr>
-          </a:solidFill>
-        </p:spPr>
-        <p:style>
-          <a:lnRef idx="2">
-            <a:schemeClr val="accent1">
-              <a:shade val="50000"/>
-            </a:schemeClr>
-          </a:lnRef>
-          <a:fillRef idx="1">
-            <a:schemeClr val="accent1"/>
-          </a:fillRef>
-          <a:effectRef idx="0">
-            <a:schemeClr val="accent1"/>
-          </a:effectRef>
-          <a:fontRef idx="minor">
-            <a:schemeClr val="lt1"/>
-          </a:fontRef>
-        </p:style>
-        <p:txBody>
-          <a:bodyPr rtlCol="0" anchor="ctr"/>
-          <a:lstStyle/>
-          <a:p>
-            <a:pPr algn="ctr"/>
-            <a:endParaRPr lang="en-US"/>
-          </a:p>
-        </p:txBody>
-      </p:sp>
-      <p:sp>
-        <p:nvSpPr>
-          <p:cNvPr id="48" name="Rectangle 47">
-            <a:extLst>
-              <a:ext uri="{FF2B5EF4-FFF2-40B4-BE49-F238E27FC236}">
-                <a16:creationId xmlns:a16="http://schemas.microsoft.com/office/drawing/2014/main" id="{BD0A870D-7146-4956-991D-974EB213B24F}"/>
-              </a:ext>
-            </a:extLst>
-          </p:cNvPr>
-          <p:cNvSpPr/>
-          <p:nvPr/>
-        </p:nvSpPr>
-        <p:spPr>
-          <a:xfrm>
-            <a:off x="29716220" y="3323910"/>
-            <a:ext cx="12192636" cy="25511760"/>
-          </a:xfrm>
-          <a:prstGeom prst="rect">
-            <a:avLst/>
-          </a:prstGeom>
-          <a:solidFill>
-            <a:schemeClr val="bg1"/>
-          </a:solidFill>
-        </p:spPr>
-        <p:style>
-          <a:lnRef idx="2">
-            <a:schemeClr val="accent1">
-              <a:shade val="50000"/>
-            </a:schemeClr>
-          </a:lnRef>
-          <a:fillRef idx="1">
-            <a:schemeClr val="accent1"/>
-          </a:fillRef>
-          <a:effectRef idx="0">
-            <a:schemeClr val="accent1"/>
-          </a:effectRef>
-          <a:fontRef idx="minor">
-            <a:schemeClr val="lt1"/>
-          </a:fontRef>
-        </p:style>
-        <p:txBody>
-          <a:bodyPr rtlCol="0" anchor="ctr"/>
-          <a:lstStyle/>
-          <a:p>
-            <a:pPr algn="ctr"/>
-            <a:endParaRPr lang="en-US"/>
-          </a:p>
-        </p:txBody>
-      </p:sp>
-      <p:sp>
-        <p:nvSpPr>
-          <p:cNvPr id="23" name="Rectangle 22">
-            <a:extLst>
-              <a:ext uri="{FF2B5EF4-FFF2-40B4-BE49-F238E27FC236}">
-                <a16:creationId xmlns:a16="http://schemas.microsoft.com/office/drawing/2014/main" id="{842FCEC2-7B9A-44CE-8C2B-BC042045BD67}"/>
-              </a:ext>
-            </a:extLst>
-          </p:cNvPr>
-          <p:cNvSpPr/>
-          <p:nvPr/>
-        </p:nvSpPr>
-        <p:spPr>
-          <a:xfrm>
-            <a:off x="15335835" y="3324999"/>
-            <a:ext cx="12254569" cy="25511760"/>
-          </a:xfrm>
-          <a:prstGeom prst="rect">
-            <a:avLst/>
-          </a:prstGeom>
-          <a:solidFill>
-            <a:schemeClr val="bg1"/>
-          </a:solidFill>
-        </p:spPr>
-        <p:style>
-          <a:lnRef idx="2">
-            <a:schemeClr val="accent1">
-              <a:shade val="50000"/>
-            </a:schemeClr>
-          </a:lnRef>
-          <a:fillRef idx="1">
-            <a:schemeClr val="accent1"/>
-          </a:fillRef>
-          <a:effectRef idx="0">
-            <a:schemeClr val="accent1"/>
-          </a:effectRef>
-          <a:fontRef idx="minor">
-            <a:schemeClr val="lt1"/>
-          </a:fontRef>
-        </p:style>
-        <p:txBody>
-          <a:bodyPr rtlCol="0" anchor="ctr"/>
-          <a:lstStyle/>
-          <a:p>
-            <a:pPr algn="ctr"/>
-            <a:endParaRPr lang="en-US"/>
-          </a:p>
-        </p:txBody>
-      </p:sp>
-      <p:sp>
-        <p:nvSpPr>
-          <p:cNvPr id="20" name="Rectangle 19">
-            <a:extLst>
-              <a:ext uri="{FF2B5EF4-FFF2-40B4-BE49-F238E27FC236}">
-                <a16:creationId xmlns:a16="http://schemas.microsoft.com/office/drawing/2014/main" id="{206FD1C2-7C4F-4C42-BA0C-165D1F918930}"/>
-              </a:ext>
-            </a:extLst>
-          </p:cNvPr>
-          <p:cNvSpPr/>
-          <p:nvPr/>
-        </p:nvSpPr>
-        <p:spPr>
-          <a:xfrm>
-            <a:off x="935302" y="3321880"/>
-            <a:ext cx="12229040" cy="25514878"/>
-          </a:xfrm>
-          <a:prstGeom prst="rect">
-            <a:avLst/>
-          </a:prstGeom>
-          <a:solidFill>
-            <a:schemeClr val="bg1"/>
-          </a:solidFill>
-        </p:spPr>
-        <p:style>
-          <a:lnRef idx="2">
-            <a:schemeClr val="accent1">
-              <a:shade val="50000"/>
-            </a:schemeClr>
-          </a:lnRef>
-          <a:fillRef idx="1">
-            <a:schemeClr val="accent1"/>
-          </a:fillRef>
-          <a:effectRef idx="0">
-            <a:schemeClr val="accent1"/>
-          </a:effectRef>
-          <a:fontRef idx="minor">
-            <a:schemeClr val="lt1"/>
-          </a:fontRef>
-        </p:style>
-        <p:txBody>
-          <a:bodyPr rtlCol="0" anchor="ctr"/>
-          <a:lstStyle/>
-          <a:p>
-            <a:pPr algn="ctr"/>
-            <a:endParaRPr lang="en-US"/>
-          </a:p>
-        </p:txBody>
-      </p:sp>
-      <p:sp>
-        <p:nvSpPr>
           <p:cNvPr id="4" name="TextBox 3">
             <a:extLst>
               <a:ext uri="{FF2B5EF4-FFF2-40B4-BE49-F238E27FC236}">
@@ -3272,7 +3022,7 @@
         </p:nvSpPr>
         <p:spPr>
           <a:xfrm>
-            <a:off x="15361866" y="3324998"/>
+            <a:off x="15316437" y="3318153"/>
             <a:ext cx="12192635" cy="25511760"/>
           </a:xfrm>
           <a:prstGeom prst="rect">
@@ -3309,7 +3059,7 @@
         </p:nvSpPr>
         <p:spPr>
           <a:xfrm>
-            <a:off x="29705540" y="3322124"/>
+            <a:off x="29401756" y="3324998"/>
             <a:ext cx="12192636" cy="25511760"/>
           </a:xfrm>
           <a:prstGeom prst="rect">
@@ -3350,8 +3100,8 @@
         </p:nvSpPr>
         <p:spPr>
           <a:xfrm>
-            <a:off x="5883165" y="-31270"/>
-            <a:ext cx="36911073" cy="1655880"/>
+            <a:off x="0" y="0"/>
+            <a:ext cx="42794238" cy="1827257"/>
           </a:xfrm>
         </p:spPr>
         <p:txBody>
@@ -3361,7 +3111,7 @@
           <a:lstStyle/>
           <a:p>
             <a:r>
-              <a:rPr lang="en-US" sz="8800" b="1" dirty="0">
+              <a:rPr lang="en-US" sz="9600" b="1" dirty="0">
                 <a:latin typeface="Times New Roman" panose="02020603050405020304" pitchFamily="18" charset="0"/>
                 <a:cs typeface="Times New Roman" panose="02020603050405020304" pitchFamily="18" charset="0"/>
               </a:rPr>
@@ -3445,14 +3195,53 @@
         </p:blipFill>
         <p:spPr>
           <a:xfrm>
-            <a:off x="37314206" y="24377885"/>
-            <a:ext cx="4521100" cy="4317595"/>
+            <a:off x="37769786" y="24981038"/>
+            <a:ext cx="3810000" cy="3810000"/>
           </a:xfrm>
           <a:prstGeom prst="rect">
             <a:avLst/>
           </a:prstGeom>
         </p:spPr>
       </p:pic>
+      <p:sp>
+        <p:nvSpPr>
+          <p:cNvPr id="9" name="TextBox 8">
+            <a:extLst>
+              <a:ext uri="{FF2B5EF4-FFF2-40B4-BE49-F238E27FC236}">
+                <a16:creationId xmlns:a16="http://schemas.microsoft.com/office/drawing/2014/main" id="{6D298C1F-1A23-494F-85DD-8823F4B7DE16}"/>
+              </a:ext>
+            </a:extLst>
+          </p:cNvPr>
+          <p:cNvSpPr txBox="1"/>
+          <p:nvPr/>
+        </p:nvSpPr>
+        <p:spPr>
+          <a:xfrm>
+            <a:off x="982387" y="3426126"/>
+            <a:ext cx="12192635" cy="861774"/>
+          </a:xfrm>
+          <a:prstGeom prst="rect">
+            <a:avLst/>
+          </a:prstGeom>
+          <a:noFill/>
+        </p:spPr>
+        <p:txBody>
+          <a:bodyPr wrap="square" rtlCol="0">
+            <a:spAutoFit/>
+          </a:bodyPr>
+          <a:lstStyle/>
+          <a:p>
+            <a:pPr algn="ctr"/>
+            <a:r>
+              <a:rPr lang="en-US" sz="5000" b="1" dirty="0">
+                <a:latin typeface="Times New Roman" panose="02020603050405020304" pitchFamily="18" charset="0"/>
+                <a:cs typeface="Times New Roman" panose="02020603050405020304" pitchFamily="18" charset="0"/>
+              </a:rPr>
+              <a:t>Introduction</a:t>
+            </a:r>
+          </a:p>
+        </p:txBody>
+      </p:sp>
       <p:sp>
         <p:nvSpPr>
           <p:cNvPr id="10" name="TextBox 9">
@@ -3493,6 +3282,84 @@
       </p:sp>
       <p:sp>
         <p:nvSpPr>
+          <p:cNvPr id="13" name="TextBox 12">
+            <a:extLst>
+              <a:ext uri="{FF2B5EF4-FFF2-40B4-BE49-F238E27FC236}">
+                <a16:creationId xmlns:a16="http://schemas.microsoft.com/office/drawing/2014/main" id="{89A11050-E8C0-42C3-A1C4-DAC1D8208221}"/>
+              </a:ext>
+            </a:extLst>
+          </p:cNvPr>
+          <p:cNvSpPr txBox="1"/>
+          <p:nvPr/>
+        </p:nvSpPr>
+        <p:spPr>
+          <a:xfrm>
+            <a:off x="29462786" y="22284670"/>
+            <a:ext cx="3802293" cy="1631216"/>
+          </a:xfrm>
+          <a:prstGeom prst="rect">
+            <a:avLst/>
+          </a:prstGeom>
+          <a:noFill/>
+        </p:spPr>
+        <p:txBody>
+          <a:bodyPr wrap="square" rtlCol="0">
+            <a:spAutoFit/>
+          </a:bodyPr>
+          <a:lstStyle/>
+          <a:p>
+            <a:pPr algn="ctr"/>
+            <a:r>
+              <a:rPr lang="en-US" sz="5000" b="1" dirty="0">
+                <a:latin typeface="Times New Roman" panose="02020603050405020304" pitchFamily="18" charset="0"/>
+                <a:cs typeface="Times New Roman" panose="02020603050405020304" pitchFamily="18" charset="0"/>
+              </a:rPr>
+              <a:t>Main Equipment</a:t>
+            </a:r>
+          </a:p>
+        </p:txBody>
+      </p:sp>
+      <p:sp>
+        <p:nvSpPr>
+          <p:cNvPr id="14" name="TextBox 13">
+            <a:extLst>
+              <a:ext uri="{FF2B5EF4-FFF2-40B4-BE49-F238E27FC236}">
+                <a16:creationId xmlns:a16="http://schemas.microsoft.com/office/drawing/2014/main" id="{CF6B3986-5A85-43E6-A268-3A547C4114AA}"/>
+              </a:ext>
+            </a:extLst>
+          </p:cNvPr>
+          <p:cNvSpPr txBox="1"/>
+          <p:nvPr/>
+        </p:nvSpPr>
+        <p:spPr>
+          <a:xfrm>
+            <a:off x="912024" y="10195811"/>
+            <a:ext cx="12192635" cy="861774"/>
+          </a:xfrm>
+          <a:prstGeom prst="rect">
+            <a:avLst/>
+          </a:prstGeom>
+          <a:noFill/>
+        </p:spPr>
+        <p:txBody>
+          <a:bodyPr wrap="square" rtlCol="0">
+            <a:spAutoFit/>
+          </a:bodyPr>
+          <a:lstStyle/>
+          <a:p>
+            <a:pPr algn="ctr"/>
+            <a:r>
+              <a:rPr lang="en-US" sz="5000" b="1" dirty="0">
+                <a:latin typeface="Times New Roman" panose="02020603050405020304" pitchFamily="18" charset="0"/>
+                <a:cs typeface="Times New Roman" panose="02020603050405020304" pitchFamily="18" charset="0"/>
+              </a:rPr>
+              <a:t>Methods</a:t>
+            </a:r>
+          </a:p>
+        </p:txBody>
+      </p:sp>
+      <p:sp>
+        <p:nvSpPr>
           <p:cNvPr id="17" name="TextBox 16">
             <a:extLst>
               <a:ext uri="{FF2B5EF4-FFF2-40B4-BE49-F238E27FC236}">
@@ -3505,7 +3372,7 @@
         </p:nvSpPr>
         <p:spPr>
           <a:xfrm>
-            <a:off x="958015" y="8177456"/>
+            <a:off x="935477" y="8233807"/>
             <a:ext cx="12239545" cy="1846659"/>
           </a:xfrm>
           <a:prstGeom prst="rect">
@@ -3524,7 +3391,7 @@
                 <a:latin typeface="Times New Roman" panose="02020603050405020304" pitchFamily="18" charset="0"/>
                 <a:cs typeface="Times New Roman" panose="02020603050405020304" pitchFamily="18" charset="0"/>
               </a:rPr>
-              <a:t>This project is developing a long-term technology-enabled solution to assist journey preparation for members of vision impaired community.</a:t>
+              <a:t>This project demonstrates a long-term technology-enabled solution to issues experienced by people with vision impaired. </a:t>
             </a:r>
           </a:p>
         </p:txBody>
@@ -3543,7 +3410,7 @@
         </p:nvSpPr>
         <p:spPr>
           <a:xfrm>
-            <a:off x="1130024" y="11152500"/>
+            <a:off x="1130024" y="11080869"/>
             <a:ext cx="12153545" cy="1261884"/>
           </a:xfrm>
           <a:prstGeom prst="rect">
@@ -3581,8 +3448,8 @@
         </p:nvSpPr>
         <p:spPr>
           <a:xfrm>
-            <a:off x="36748935" y="22424417"/>
-            <a:ext cx="4957184" cy="2031325"/>
+            <a:off x="29509162" y="27367348"/>
+            <a:ext cx="8314423" cy="1446550"/>
           </a:xfrm>
           <a:prstGeom prst="rect">
             <a:avLst/>
@@ -3600,7 +3467,7 @@
                 <a:latin typeface="Times New Roman" panose="02020603050405020304" pitchFamily="18" charset="0"/>
                 <a:cs typeface="Times New Roman" panose="02020603050405020304" pitchFamily="18" charset="0"/>
               </a:rPr>
-              <a:t>    </a:t>
+              <a:t>    Project website</a:t>
             </a:r>
             <a:br>
               <a:rPr lang="en-US" sz="3800" dirty="0">
@@ -3665,8 +3532,8 @@
         </p:blipFill>
         <p:spPr>
           <a:xfrm>
-            <a:off x="38810677" y="14000853"/>
-            <a:ext cx="2798626" cy="2431435"/>
+            <a:off x="36716487" y="12594931"/>
+            <a:ext cx="4113123" cy="3953218"/>
           </a:xfrm>
           <a:prstGeom prst="rect">
             <a:avLst/>
@@ -3695,7 +3562,7 @@
         </p:blipFill>
         <p:spPr>
           <a:xfrm>
-            <a:off x="21782642" y="17233491"/>
+            <a:off x="21737213" y="17226646"/>
             <a:ext cx="5469428" cy="2749443"/>
           </a:xfrm>
           <a:prstGeom prst="rect">
@@ -3732,7 +3599,7 @@
         </p:blipFill>
         <p:spPr bwMode="auto">
           <a:xfrm>
-            <a:off x="8770786" y="12887348"/>
+            <a:off x="8770786" y="12815717"/>
             <a:ext cx="4291303" cy="4046086"/>
           </a:xfrm>
           <a:prstGeom prst="rect">
@@ -3764,7 +3631,7 @@
         </p:nvSpPr>
         <p:spPr>
           <a:xfrm>
-            <a:off x="1086759" y="12421642"/>
+            <a:off x="1086759" y="12350011"/>
             <a:ext cx="7878683" cy="4770537"/>
           </a:xfrm>
           <a:prstGeom prst="rect">
@@ -3784,6 +3651,45 @@
                 <a:cs typeface="Times New Roman" panose="02020603050405020304" pitchFamily="18" charset="0"/>
               </a:rPr>
               <a:t>CBD.  The idea is to provide people who have vision impairment and blindness an immersive tool that allows them to experience the sounds of environments they plan to walk through.  The simulator would allow them to rotate their body and hear the sounds change as they rotate.</a:t>
+            </a:r>
+          </a:p>
+        </p:txBody>
+      </p:sp>
+      <p:sp>
+        <p:nvSpPr>
+          <p:cNvPr id="26" name="TextBox 25">
+            <a:extLst>
+              <a:ext uri="{FF2B5EF4-FFF2-40B4-BE49-F238E27FC236}">
+                <a16:creationId xmlns:a16="http://schemas.microsoft.com/office/drawing/2014/main" id="{F3AFFFD6-FED8-43B2-9150-64597BC38DCD}"/>
+              </a:ext>
+            </a:extLst>
+          </p:cNvPr>
+          <p:cNvSpPr txBox="1"/>
+          <p:nvPr/>
+        </p:nvSpPr>
+        <p:spPr>
+          <a:xfrm>
+            <a:off x="1065537" y="18778803"/>
+            <a:ext cx="12192635" cy="861774"/>
+          </a:xfrm>
+          <a:prstGeom prst="rect">
+            <a:avLst/>
+          </a:prstGeom>
+          <a:noFill/>
+        </p:spPr>
+        <p:txBody>
+          <a:bodyPr wrap="square" rtlCol="0">
+            <a:spAutoFit/>
+          </a:bodyPr>
+          <a:lstStyle/>
+          <a:p>
+            <a:pPr algn="ctr"/>
+            <a:r>
+              <a:rPr lang="en-US" sz="5000" b="1" dirty="0">
+                <a:latin typeface="Times New Roman" panose="02020603050405020304" pitchFamily="18" charset="0"/>
+                <a:cs typeface="Times New Roman" panose="02020603050405020304" pitchFamily="18" charset="0"/>
+              </a:rPr>
+              <a:t>Surround Sound Technology</a:t>
             </a:r>
           </a:p>
         </p:txBody>
@@ -3802,7 +3708,7 @@
         </p:nvSpPr>
         <p:spPr>
           <a:xfrm>
-            <a:off x="1086759" y="19973454"/>
+            <a:off x="1044015" y="19640577"/>
             <a:ext cx="12153545" cy="2431435"/>
           </a:xfrm>
           <a:prstGeom prst="rect">
@@ -3821,7 +3727,7 @@
                 <a:latin typeface="Times New Roman" panose="02020603050405020304" pitchFamily="18" charset="0"/>
                 <a:cs typeface="Times New Roman" panose="02020603050405020304" pitchFamily="18" charset="0"/>
               </a:rPr>
-              <a:t>In order to achieve an “immersive” experience, we use </a:t>
+              <a:t>In order to archive what we call “immersive” experience, we use </a:t>
             </a:r>
             <a:r>
               <a:rPr lang="en-US" sz="3800" dirty="0" err="1">
@@ -3835,7 +3741,7 @@
                 <a:latin typeface="Times New Roman" panose="02020603050405020304" pitchFamily="18" charset="0"/>
                 <a:cs typeface="Times New Roman" panose="02020603050405020304" pitchFamily="18" charset="0"/>
               </a:rPr>
-              <a:t> Technology [1]: a full-sphere surround sound technique, in addition to the horizontal plane, it covers  sound sources above and below the listener.</a:t>
+              <a:t> Technology [1]: a full-sphere surround sound technique, in addition to the horizontal plane, it covers  sound sources above and below the listener</a:t>
             </a:r>
           </a:p>
         </p:txBody>
@@ -3909,7 +3815,7 @@
         </p:blipFill>
         <p:spPr>
           <a:xfrm>
-            <a:off x="21831390" y="8025599"/>
+            <a:off x="21785961" y="8018754"/>
             <a:ext cx="4842452" cy="5299679"/>
           </a:xfrm>
           <a:prstGeom prst="rect">
@@ -3917,6 +3823,45 @@
           </a:prstGeom>
         </p:spPr>
       </p:pic>
+      <p:sp>
+        <p:nvSpPr>
+          <p:cNvPr id="31" name="TextBox 30">
+            <a:extLst>
+              <a:ext uri="{FF2B5EF4-FFF2-40B4-BE49-F238E27FC236}">
+                <a16:creationId xmlns:a16="http://schemas.microsoft.com/office/drawing/2014/main" id="{B7E22F99-AD3F-4A48-901A-11AB909A421F}"/>
+              </a:ext>
+            </a:extLst>
+          </p:cNvPr>
+          <p:cNvSpPr txBox="1"/>
+          <p:nvPr/>
+        </p:nvSpPr>
+        <p:spPr>
+          <a:xfrm>
+            <a:off x="15339892" y="3426126"/>
+            <a:ext cx="12239545" cy="861774"/>
+          </a:xfrm>
+          <a:prstGeom prst="rect">
+            <a:avLst/>
+          </a:prstGeom>
+          <a:noFill/>
+        </p:spPr>
+        <p:txBody>
+          <a:bodyPr wrap="square" rtlCol="0">
+            <a:spAutoFit/>
+          </a:bodyPr>
+          <a:lstStyle/>
+          <a:p>
+            <a:pPr algn="ctr"/>
+            <a:r>
+              <a:rPr lang="en-US" sz="5000" b="1" dirty="0">
+                <a:latin typeface="Times New Roman" panose="02020603050405020304" pitchFamily="18" charset="0"/>
+                <a:cs typeface="Times New Roman" panose="02020603050405020304" pitchFamily="18" charset="0"/>
+              </a:rPr>
+              <a:t>Recording Technique</a:t>
+            </a:r>
+          </a:p>
+        </p:txBody>
+      </p:sp>
       <p:sp>
         <p:nvSpPr>
           <p:cNvPr id="32" name="TextBox 31">
@@ -3931,8 +3876,8 @@
         </p:nvSpPr>
         <p:spPr>
           <a:xfrm>
-            <a:off x="29785985" y="26949732"/>
-            <a:ext cx="7868660" cy="1754326"/>
+            <a:off x="29462786" y="25202115"/>
+            <a:ext cx="8314423" cy="1846659"/>
           </a:xfrm>
           <a:prstGeom prst="rect">
             <a:avLst/>
@@ -3946,48 +3891,55 @@
           <a:lstStyle/>
           <a:p>
             <a:r>
-              <a:rPr lang="en-US" sz="3600" dirty="0">
+              <a:rPr lang="en-US" sz="3800" dirty="0">
                 <a:latin typeface="Times New Roman" panose="02020603050405020304" pitchFamily="18" charset="0"/>
                 <a:cs typeface="Times New Roman" panose="02020603050405020304" pitchFamily="18" charset="0"/>
               </a:rPr>
               <a:t>1. An Introduction to Higher Order </a:t>
             </a:r>
             <a:r>
-              <a:rPr lang="en-US" sz="3600" dirty="0" err="1">
+              <a:rPr lang="en-US" sz="3800" dirty="0" err="1">
                 <a:latin typeface="Times New Roman" panose="02020603050405020304" pitchFamily="18" charset="0"/>
                 <a:cs typeface="Times New Roman" panose="02020603050405020304" pitchFamily="18" charset="0"/>
               </a:rPr>
               <a:t>Ambisonic</a:t>
             </a:r>
             <a:r>
-              <a:rPr lang="en-US" sz="3600" dirty="0">
-                <a:latin typeface="Times New Roman" panose="02020603050405020304" pitchFamily="18" charset="0"/>
-                <a:cs typeface="Times New Roman" panose="02020603050405020304" pitchFamily="18" charset="0"/>
-              </a:rPr>
-              <a:t> -http://</a:t>
-            </a:r>
-            <a:r>
-              <a:rPr lang="en-US" sz="3600" dirty="0" err="1">
+              <a:rPr lang="en-US" sz="3800" dirty="0">
+                <a:latin typeface="Times New Roman" panose="02020603050405020304" pitchFamily="18" charset="0"/>
+                <a:cs typeface="Times New Roman" panose="02020603050405020304" pitchFamily="18" charset="0"/>
+              </a:rPr>
+              <a:t> (http://</a:t>
+            </a:r>
+            <a:r>
+              <a:rPr lang="en-US" sz="3800" dirty="0" err="1">
                 <a:latin typeface="Times New Roman" panose="02020603050405020304" pitchFamily="18" charset="0"/>
                 <a:cs typeface="Times New Roman" panose="02020603050405020304" pitchFamily="18" charset="0"/>
               </a:rPr>
               <a:t>flo.mur.at</a:t>
             </a:r>
             <a:r>
-              <a:rPr lang="en-US" sz="3600" dirty="0">
+              <a:rPr lang="en-US" sz="3800" dirty="0">
                 <a:latin typeface="Times New Roman" panose="02020603050405020304" pitchFamily="18" charset="0"/>
                 <a:cs typeface="Times New Roman" panose="02020603050405020304" pitchFamily="18" charset="0"/>
               </a:rPr>
               <a:t>/writings/</a:t>
             </a:r>
             <a:r>
-              <a:rPr lang="en-US" sz="3600" dirty="0" err="1">
+              <a:rPr lang="en-US" sz="3800" dirty="0" err="1">
                 <a:latin typeface="Times New Roman" panose="02020603050405020304" pitchFamily="18" charset="0"/>
                 <a:cs typeface="Times New Roman" panose="02020603050405020304" pitchFamily="18" charset="0"/>
               </a:rPr>
               <a:t>HOA-intro.pdf</a:t>
             </a:r>
-            <a:endParaRPr lang="en-US" sz="3600" b="1" dirty="0">
+            <a:r>
+              <a:rPr lang="en-US" sz="3800" dirty="0">
+                <a:latin typeface="Times New Roman" panose="02020603050405020304" pitchFamily="18" charset="0"/>
+                <a:cs typeface="Times New Roman" panose="02020603050405020304" pitchFamily="18" charset="0"/>
+              </a:rPr>
+              <a:t>)</a:t>
+            </a:r>
+            <a:endParaRPr lang="en-US" sz="3800" b="1" dirty="0">
               <a:latin typeface="Times New Roman" panose="02020603050405020304" pitchFamily="18" charset="0"/>
               <a:cs typeface="Times New Roman" panose="02020603050405020304" pitchFamily="18" charset="0"/>
             </a:endParaRPr>
@@ -4008,7 +3960,7 @@
         </p:nvSpPr>
         <p:spPr>
           <a:xfrm>
-            <a:off x="15641010" y="4450743"/>
+            <a:off x="15595581" y="4443898"/>
             <a:ext cx="11913491" cy="3600986"/>
           </a:xfrm>
           <a:prstGeom prst="rect">
@@ -4059,7 +4011,7 @@
         </p:blipFill>
         <p:spPr bwMode="auto">
           <a:xfrm>
-            <a:off x="15867046" y="8172112"/>
+            <a:off x="15821617" y="8165267"/>
             <a:ext cx="5145979" cy="4878912"/>
           </a:xfrm>
           <a:prstGeom prst="rect">
@@ -4091,8 +4043,8 @@
         </p:nvSpPr>
         <p:spPr>
           <a:xfrm>
-            <a:off x="29749020" y="23184642"/>
-            <a:ext cx="7990761" cy="3016210"/>
+            <a:off x="33265079" y="22013870"/>
+            <a:ext cx="8298264" cy="2431435"/>
           </a:xfrm>
           <a:prstGeom prst="rect">
             <a:avLst/>
@@ -4155,7 +4107,7 @@
                 <a:latin typeface="Times New Roman" panose="02020603050405020304" pitchFamily="18" charset="0"/>
                 <a:cs typeface="Times New Roman" panose="02020603050405020304" pitchFamily="18" charset="0"/>
               </a:rPr>
-              <a:t> VR Mic</a:t>
+              <a:t> VR Microphone</a:t>
             </a:r>
           </a:p>
           <a:p>
@@ -4250,8 +4202,8 @@
         </p:nvSpPr>
         <p:spPr>
           <a:xfrm>
-            <a:off x="15664563" y="14418878"/>
-            <a:ext cx="12019505" cy="6524863"/>
+            <a:off x="15489566" y="13585266"/>
+            <a:ext cx="12019505" cy="7294305"/>
           </a:xfrm>
           <a:prstGeom prst="rect">
             <a:avLst/>
@@ -4264,6 +4216,16 @@
           </a:bodyPr>
           <a:lstStyle/>
           <a:p>
+            <a:pPr algn="ctr"/>
+            <a:r>
+              <a:rPr lang="en-US" sz="5000" b="1" dirty="0">
+                <a:latin typeface="Times New Roman" panose="02020603050405020304" pitchFamily="18" charset="0"/>
+                <a:cs typeface="Times New Roman" panose="02020603050405020304" pitchFamily="18" charset="0"/>
+              </a:rPr>
+              <a:t>Web Application</a:t>
+            </a:r>
+          </a:p>
+          <a:p>
             <a:r>
               <a:rPr lang="en-US" sz="3800" dirty="0">
                 <a:latin typeface="Times New Roman" panose="02020603050405020304" pitchFamily="18" charset="0"/>
@@ -4337,16 +4299,17 @@
                 <a:latin typeface="Times New Roman" panose="02020603050405020304" pitchFamily="18" charset="0"/>
                 <a:cs typeface="Times New Roman" panose="02020603050405020304" pitchFamily="18" charset="0"/>
               </a:rPr>
-              <a:t>video. For a mobile user, </a:t>
-            </a:r>
-          </a:p>
-          <a:p>
+              <a:t>video. </a:t>
+            </a:r>
+            <a:br>
+              <a:rPr lang="en-US" sz="3800" dirty="0"/>
+            </a:br>
             <a:r>
               <a:rPr lang="en-US" sz="3800" dirty="0">
                 <a:latin typeface="Times New Roman" panose="02020603050405020304" pitchFamily="18" charset="0"/>
                 <a:cs typeface="Times New Roman" panose="02020603050405020304" pitchFamily="18" charset="0"/>
               </a:rPr>
-              <a:t>rotating mobile device will </a:t>
+              <a:t>For a mobile user, rotating </a:t>
             </a:r>
           </a:p>
           <a:p>
@@ -4355,7 +4318,50 @@
                 <a:latin typeface="Times New Roman" panose="02020603050405020304" pitchFamily="18" charset="0"/>
                 <a:cs typeface="Times New Roman" panose="02020603050405020304" pitchFamily="18" charset="0"/>
               </a:rPr>
-              <a:t>also move the direction of the camera.</a:t>
+              <a:t>mobile device will also move the direction of the camera.</a:t>
+            </a:r>
+            <a:endParaRPr lang="en-US" sz="3800" b="1" dirty="0">
+              <a:latin typeface="Times New Roman" panose="02020603050405020304" pitchFamily="18" charset="0"/>
+              <a:cs typeface="Times New Roman" panose="02020603050405020304" pitchFamily="18" charset="0"/>
+            </a:endParaRPr>
+          </a:p>
+        </p:txBody>
+      </p:sp>
+      <p:sp>
+        <p:nvSpPr>
+          <p:cNvPr id="39" name="TextBox 38">
+            <a:extLst>
+              <a:ext uri="{FF2B5EF4-FFF2-40B4-BE49-F238E27FC236}">
+                <a16:creationId xmlns:a16="http://schemas.microsoft.com/office/drawing/2014/main" id="{F0589213-A7A9-4946-BB65-6002944EF5F0}"/>
+              </a:ext>
+            </a:extLst>
+          </p:cNvPr>
+          <p:cNvSpPr txBox="1"/>
+          <p:nvPr/>
+        </p:nvSpPr>
+        <p:spPr>
+          <a:xfrm>
+            <a:off x="29642094" y="3484849"/>
+            <a:ext cx="12239545" cy="861774"/>
+          </a:xfrm>
+          <a:prstGeom prst="rect">
+            <a:avLst/>
+          </a:prstGeom>
+          <a:noFill/>
+        </p:spPr>
+        <p:txBody>
+          <a:bodyPr wrap="square" rtlCol="0">
+            <a:spAutoFit/>
+          </a:bodyPr>
+          <a:lstStyle/>
+          <a:p>
+            <a:pPr algn="ctr"/>
+            <a:r>
+              <a:rPr lang="en-US" sz="5000" b="1" dirty="0">
+                <a:latin typeface="Times New Roman" panose="02020603050405020304" pitchFamily="18" charset="0"/>
+                <a:cs typeface="Times New Roman" panose="02020603050405020304" pitchFamily="18" charset="0"/>
+              </a:rPr>
+              <a:t>Desktop Application</a:t>
             </a:r>
           </a:p>
         </p:txBody>
@@ -4374,7 +4380,7 @@
         </p:nvSpPr>
         <p:spPr>
           <a:xfrm>
-            <a:off x="1133101" y="17179250"/>
+            <a:off x="1133101" y="17107619"/>
             <a:ext cx="12150468" cy="1261884"/>
           </a:xfrm>
           <a:prstGeom prst="rect">
@@ -4393,7 +4399,7 @@
                 <a:latin typeface="Times New Roman" panose="02020603050405020304" pitchFamily="18" charset="0"/>
                 <a:cs typeface="Times New Roman" panose="02020603050405020304" pitchFamily="18" charset="0"/>
               </a:rPr>
-              <a:t>In our experiment, we choose Flinders Street Railway Station as the testing environment.</a:t>
+              <a:t>In our experiment, we choose Flinders Street Station as the testing environment </a:t>
             </a:r>
           </a:p>
         </p:txBody>
@@ -4419,8 +4425,8 @@
         </p:blipFill>
         <p:spPr>
           <a:xfrm>
-            <a:off x="15699550" y="21444935"/>
-            <a:ext cx="11611060" cy="4966599"/>
+            <a:off x="15656778" y="21094400"/>
+            <a:ext cx="11681591" cy="5606298"/>
           </a:xfrm>
           <a:prstGeom prst="rect">
             <a:avLst/>
@@ -4441,7 +4447,7 @@
         </p:nvSpPr>
         <p:spPr>
           <a:xfrm>
-            <a:off x="15570480" y="26848821"/>
+            <a:off x="15525051" y="26841976"/>
             <a:ext cx="11681590" cy="1846659"/>
           </a:xfrm>
           <a:prstGeom prst="rect">
@@ -4455,18 +4461,33 @@
           </a:bodyPr>
           <a:lstStyle/>
           <a:p>
-            <a:endParaRPr lang="en-US" sz="3800" dirty="0">
-              <a:latin typeface="Times New Roman" panose="02020603050405020304" pitchFamily="18" charset="0"/>
-              <a:cs typeface="Times New Roman" panose="02020603050405020304" pitchFamily="18" charset="0"/>
-            </a:endParaRPr>
-          </a:p>
-          <a:p>
+            <a:r>
+              <a:rPr lang="en-US" sz="3800" b="1" dirty="0">
+                <a:latin typeface="Times New Roman" panose="02020603050405020304" pitchFamily="18" charset="0"/>
+                <a:cs typeface="Times New Roman" panose="02020603050405020304" pitchFamily="18" charset="0"/>
+              </a:rPr>
+              <a:t>Voice Recognition and Speech Synthesis: </a:t>
+            </a:r>
             <a:r>
               <a:rPr lang="en-US" sz="3800" dirty="0">
                 <a:latin typeface="Times New Roman" panose="02020603050405020304" pitchFamily="18" charset="0"/>
                 <a:cs typeface="Times New Roman" panose="02020603050405020304" pitchFamily="18" charset="0"/>
               </a:rPr>
-              <a:t>Users can interact with the interface using voice commands and then narration will be played back upon user’s request.</a:t>
+              <a:t>Users can interact with the interface using voice command and </a:t>
+            </a:r>
+            <a:r>
+              <a:rPr lang="en-US" sz="3800" dirty="0" err="1">
+                <a:latin typeface="Times New Roman" panose="02020603050405020304" pitchFamily="18" charset="0"/>
+                <a:cs typeface="Times New Roman" panose="02020603050405020304" pitchFamily="18" charset="0"/>
+              </a:rPr>
+              <a:t>the0</a:t>
+            </a:r>
+            <a:r>
+              <a:rPr lang="en-US" sz="3800" dirty="0">
+                <a:latin typeface="Times New Roman" panose="02020603050405020304" pitchFamily="18" charset="0"/>
+                <a:cs typeface="Times New Roman" panose="02020603050405020304" pitchFamily="18" charset="0"/>
+              </a:rPr>
+              <a:t> audio cues will be played back upon user’s request</a:t>
             </a:r>
             <a:endParaRPr lang="en-US" sz="3800" b="1" dirty="0">
               <a:latin typeface="Times New Roman" panose="02020603050405020304" pitchFamily="18" charset="0"/>
@@ -4497,7 +4518,7 @@
         </p:blipFill>
         <p:spPr>
           <a:xfrm>
-            <a:off x="29977726" y="9473896"/>
+            <a:off x="29673942" y="9476770"/>
             <a:ext cx="11681590" cy="3058988"/>
           </a:xfrm>
           <a:prstGeom prst="rect">
@@ -4505,6 +4526,44 @@
           </a:prstGeom>
         </p:spPr>
       </p:pic>
+      <p:sp>
+        <p:nvSpPr>
+          <p:cNvPr id="46" name="TextBox 45">
+            <a:extLst>
+              <a:ext uri="{FF2B5EF4-FFF2-40B4-BE49-F238E27FC236}">
+                <a16:creationId xmlns:a16="http://schemas.microsoft.com/office/drawing/2014/main" id="{111D97BE-C8B0-4099-8913-A981CC5C098F}"/>
+              </a:ext>
+            </a:extLst>
+          </p:cNvPr>
+          <p:cNvSpPr txBox="1"/>
+          <p:nvPr/>
+        </p:nvSpPr>
+        <p:spPr>
+          <a:xfrm>
+            <a:off x="29673942" y="12571734"/>
+            <a:ext cx="7291273" cy="1261884"/>
+          </a:xfrm>
+          <a:prstGeom prst="rect">
+            <a:avLst/>
+          </a:prstGeom>
+          <a:noFill/>
+        </p:spPr>
+        <p:txBody>
+          <a:bodyPr wrap="square" rtlCol="0">
+            <a:spAutoFit/>
+          </a:bodyPr>
+          <a:lstStyle/>
+          <a:p>
+            <a:r>
+              <a:rPr lang="en-US" sz="3800" b="1" dirty="0">
+                <a:latin typeface="Times New Roman" panose="02020603050405020304" pitchFamily="18" charset="0"/>
+                <a:cs typeface="Times New Roman" panose="02020603050405020304" pitchFamily="18" charset="0"/>
+              </a:rPr>
+              <a:t>Narration and Audio Description based on user’s head direction</a:t>
+            </a:r>
+          </a:p>
+        </p:txBody>
+      </p:sp>
       <p:sp>
         <p:nvSpPr>
           <p:cNvPr id="50" name="TextBox 49">
@@ -4519,7 +4578,7 @@
         </p:nvSpPr>
         <p:spPr>
           <a:xfrm>
-            <a:off x="29902889" y="4485518"/>
+            <a:off x="29599105" y="4488392"/>
             <a:ext cx="8134536" cy="3600986"/>
           </a:xfrm>
           <a:prstGeom prst="rect">
@@ -4538,7 +4597,60 @@
                 <a:latin typeface="Times New Roman" panose="02020603050405020304" pitchFamily="18" charset="0"/>
                 <a:cs typeface="Times New Roman" panose="02020603050405020304" pitchFamily="18" charset="0"/>
               </a:rPr>
-              <a:t>A Desktop application is also being developed to explore the use of headtracking, allowing the tracking of yaw-pitch-roll value of a user’s head. This value is used to change sound field and generate directional narration. </a:t>
+              <a:t>For this platform, thanks to Stuart </a:t>
+            </a:r>
+            <a:r>
+              <a:rPr lang="en-US" sz="3800" dirty="0" err="1">
+                <a:latin typeface="Times New Roman" panose="02020603050405020304" pitchFamily="18" charset="0"/>
+                <a:cs typeface="Times New Roman" panose="02020603050405020304" pitchFamily="18" charset="0"/>
+              </a:rPr>
+              <a:t>Favilla</a:t>
+            </a:r>
+            <a:r>
+              <a:rPr lang="en-US" sz="3800" dirty="0">
+                <a:latin typeface="Times New Roman" panose="02020603050405020304" pitchFamily="18" charset="0"/>
+                <a:cs typeface="Times New Roman" panose="02020603050405020304" pitchFamily="18" charset="0"/>
+              </a:rPr>
+              <a:t> for the idea of using and integrating a head-tracker which can track yaw-pitch-roll value of a user’s head. This value is used to change sound field and generate directional narration. </a:t>
+            </a:r>
+          </a:p>
+        </p:txBody>
+      </p:sp>
+      <p:sp>
+        <p:nvSpPr>
+          <p:cNvPr id="52" name="TextBox 51">
+            <a:extLst>
+              <a:ext uri="{FF2B5EF4-FFF2-40B4-BE49-F238E27FC236}">
+                <a16:creationId xmlns:a16="http://schemas.microsoft.com/office/drawing/2014/main" id="{0F28130B-5935-46D9-95CE-6F7C23A20D93}"/>
+              </a:ext>
+            </a:extLst>
+          </p:cNvPr>
+          <p:cNvSpPr txBox="1"/>
+          <p:nvPr/>
+        </p:nvSpPr>
+        <p:spPr>
+          <a:xfrm>
+            <a:off x="27501649" y="24338810"/>
+            <a:ext cx="8375453" cy="861774"/>
+          </a:xfrm>
+          <a:prstGeom prst="rect">
+            <a:avLst/>
+          </a:prstGeom>
+          <a:noFill/>
+        </p:spPr>
+        <p:txBody>
+          <a:bodyPr wrap="square" rtlCol="0">
+            <a:spAutoFit/>
+          </a:bodyPr>
+          <a:lstStyle/>
+          <a:p>
+            <a:pPr algn="ctr"/>
+            <a:r>
+              <a:rPr lang="en-US" sz="5000" b="1" dirty="0">
+                <a:latin typeface="Times New Roman" panose="02020603050405020304" pitchFamily="18" charset="0"/>
+                <a:cs typeface="Times New Roman" panose="02020603050405020304" pitchFamily="18" charset="0"/>
+              </a:rPr>
+              <a:t>References</a:t>
             </a:r>
           </a:p>
         </p:txBody>
@@ -4565,8 +4677,8 @@
         </p:blipFill>
         <p:spPr>
           <a:xfrm>
-            <a:off x="30084629" y="16737979"/>
-            <a:ext cx="11711585" cy="5328610"/>
+            <a:off x="29593934" y="16313804"/>
+            <a:ext cx="11808280" cy="5722129"/>
           </a:xfrm>
           <a:prstGeom prst="rect">
             <a:avLst/>
@@ -4587,8 +4699,8 @@
         </p:nvSpPr>
         <p:spPr>
           <a:xfrm>
-            <a:off x="29871121" y="13820322"/>
-            <a:ext cx="9234719" cy="3016210"/>
+            <a:off x="29697394" y="13823196"/>
+            <a:ext cx="6759958" cy="2431435"/>
           </a:xfrm>
           <a:prstGeom prst="rect">
             <a:avLst/>
@@ -4606,21 +4718,7 @@
                 <a:latin typeface="Times New Roman" panose="02020603050405020304" pitchFamily="18" charset="0"/>
                 <a:cs typeface="Times New Roman" panose="02020603050405020304" pitchFamily="18" charset="0"/>
               </a:rPr>
-              <a:t>By separate the Yaw value from </a:t>
-            </a:r>
-            <a:r>
-              <a:rPr lang="en-US" sz="3800" dirty="0" err="1">
-                <a:latin typeface="Times New Roman" panose="02020603050405020304" pitchFamily="18" charset="0"/>
-                <a:cs typeface="Times New Roman" panose="02020603050405020304" pitchFamily="18" charset="0"/>
-              </a:rPr>
-              <a:t>headtracker</a:t>
-            </a:r>
-            <a:r>
-              <a:rPr lang="en-US" sz="3800" dirty="0">
-                <a:latin typeface="Times New Roman" panose="02020603050405020304" pitchFamily="18" charset="0"/>
-                <a:cs typeface="Times New Roman" panose="02020603050405020304" pitchFamily="18" charset="0"/>
-              </a:rPr>
-              <a:t> into 4 quarters representing front, left, right and back, the surround area will be described, description is on-request and dynamically adjusted based on head direction.</a:t>
+              <a:t>The surround area will be described, description is on-request and dynamically adjusted based on head direction.</a:t>
             </a:r>
           </a:p>
         </p:txBody>
@@ -4641,8 +4739,8 @@
         </p:nvSpPr>
         <p:spPr>
           <a:xfrm>
-            <a:off x="5883165" y="1731057"/>
-            <a:ext cx="36911073" cy="1012133"/>
+            <a:off x="0" y="2009938"/>
+            <a:ext cx="42794238" cy="702727"/>
           </a:xfrm>
           <a:prstGeom prst="rect">
             <a:avLst/>
@@ -4677,7 +4775,7 @@
                 <a:latin typeface="Times New Roman" panose="02020603050405020304" pitchFamily="18" charset="0"/>
                 <a:cs typeface="Times New Roman" panose="02020603050405020304" pitchFamily="18" charset="0"/>
               </a:rPr>
-              <a:t>Tuan Dung Lai, Chris McCarthy, David Sly, Harrison Bennett, Matt Shackleton, Stuart </a:t>
+              <a:t>Dung Lai, Chris McCarthy, David Sly, Harrison Bennett, Matt Shackleton, Stuart </a:t>
             </a:r>
             <a:r>
               <a:rPr lang="en-US" sz="4400" dirty="0" err="1">
@@ -4715,7 +4813,7 @@
         </p:blipFill>
         <p:spPr>
           <a:xfrm>
-            <a:off x="38073570" y="4349874"/>
+            <a:off x="37769786" y="4352748"/>
             <a:ext cx="3468304" cy="3208830"/>
           </a:xfrm>
           <a:prstGeom prst="rect">
@@ -4737,8 +4835,8 @@
         </p:nvSpPr>
         <p:spPr>
           <a:xfrm>
-            <a:off x="29871121" y="7905460"/>
-            <a:ext cx="12314302" cy="1261884"/>
+            <a:off x="29567337" y="7908334"/>
+            <a:ext cx="11670753" cy="1261884"/>
           </a:xfrm>
           <a:prstGeom prst="rect">
             <a:avLst/>
@@ -4756,1090 +4854,25 @@
                 <a:latin typeface="Times New Roman" panose="02020603050405020304" pitchFamily="18" charset="0"/>
                 <a:cs typeface="Times New Roman" panose="02020603050405020304" pitchFamily="18" charset="0"/>
               </a:rPr>
-              <a:t>Thanks to Stuart </a:t>
+              <a:t>The image below shows the open-source head-tracker we used, called </a:t>
             </a:r>
             <a:r>
               <a:rPr lang="en-US" sz="3800" dirty="0" err="1">
                 <a:latin typeface="Times New Roman" panose="02020603050405020304" pitchFamily="18" charset="0"/>
                 <a:cs typeface="Times New Roman" panose="02020603050405020304" pitchFamily="18" charset="0"/>
               </a:rPr>
-              <a:t>Favilla</a:t>
+              <a:t>Hedrot</a:t>
             </a:r>
             <a:r>
               <a:rPr lang="en-US" sz="3800" dirty="0">
                 <a:latin typeface="Times New Roman" panose="02020603050405020304" pitchFamily="18" charset="0"/>
                 <a:cs typeface="Times New Roman" panose="02020603050405020304" pitchFamily="18" charset="0"/>
               </a:rPr>
-              <a:t>, the </a:t>
-            </a:r>
-            <a:r>
-              <a:rPr lang="en-US" sz="3800" dirty="0" err="1">
-                <a:latin typeface="Times New Roman" panose="02020603050405020304" pitchFamily="18" charset="0"/>
-                <a:cs typeface="Times New Roman" panose="02020603050405020304" pitchFamily="18" charset="0"/>
-              </a:rPr>
-              <a:t>Hedrot</a:t>
-            </a:r>
-            <a:r>
-              <a:rPr lang="en-US" sz="3800" dirty="0">
-                <a:latin typeface="Times New Roman" panose="02020603050405020304" pitchFamily="18" charset="0"/>
-                <a:cs typeface="Times New Roman" panose="02020603050405020304" pitchFamily="18" charset="0"/>
-              </a:rPr>
-              <a:t> head-tracker is successfully implemented and the integration is shown below</a:t>
-            </a:r>
-          </a:p>
-        </p:txBody>
-      </p:sp>
-      <p:sp>
-        <p:nvSpPr>
-          <p:cNvPr id="5" name="TextBox 4">
-            <a:extLst>
-              <a:ext uri="{FF2B5EF4-FFF2-40B4-BE49-F238E27FC236}">
-                <a16:creationId xmlns:a16="http://schemas.microsoft.com/office/drawing/2014/main" id="{4C849375-BC22-4090-965B-D11EAB3AC723}"/>
-              </a:ext>
-            </a:extLst>
-          </p:cNvPr>
-          <p:cNvSpPr txBox="1"/>
-          <p:nvPr/>
-        </p:nvSpPr>
-        <p:spPr>
-          <a:xfrm>
-            <a:off x="15658811" y="20793488"/>
-            <a:ext cx="12790634" cy="677108"/>
-          </a:xfrm>
-          <a:prstGeom prst="rect">
-            <a:avLst/>
-          </a:prstGeom>
-          <a:noFill/>
-        </p:spPr>
-        <p:txBody>
-          <a:bodyPr wrap="square" rtlCol="0">
-            <a:spAutoFit/>
-          </a:bodyPr>
-          <a:lstStyle/>
-          <a:p>
-            <a:r>
-              <a:rPr lang="en-US" sz="3800" dirty="0">
-                <a:latin typeface="Times New Roman" panose="02020603050405020304" pitchFamily="18" charset="0"/>
-                <a:cs typeface="Times New Roman" panose="02020603050405020304" pitchFamily="18" charset="0"/>
-              </a:rPr>
-              <a:t>An auditory-based simulation of Flinders Street Station:</a:t>
-            </a:r>
-            <a:endParaRPr lang="en-US" dirty="0"/>
-          </a:p>
-        </p:txBody>
-      </p:sp>
-      <p:sp>
-        <p:nvSpPr>
-          <p:cNvPr id="56" name="Rectangle 55">
-            <a:extLst>
-              <a:ext uri="{FF2B5EF4-FFF2-40B4-BE49-F238E27FC236}">
-                <a16:creationId xmlns:a16="http://schemas.microsoft.com/office/drawing/2014/main" id="{55B766D9-01E4-4080-BE90-CB202CAE85FF}"/>
-              </a:ext>
-            </a:extLst>
-          </p:cNvPr>
-          <p:cNvSpPr/>
-          <p:nvPr/>
-        </p:nvSpPr>
-        <p:spPr>
-          <a:xfrm>
-            <a:off x="29747210" y="22148983"/>
-            <a:ext cx="5903654" cy="950095"/>
-          </a:xfrm>
-          <a:prstGeom prst="rect">
-            <a:avLst/>
-          </a:prstGeom>
-          <a:solidFill>
-            <a:schemeClr val="accent2"/>
-          </a:solidFill>
-        </p:spPr>
-        <p:style>
-          <a:lnRef idx="2">
-            <a:schemeClr val="accent1">
-              <a:shade val="50000"/>
-            </a:schemeClr>
-          </a:lnRef>
-          <a:fillRef idx="1">
-            <a:schemeClr val="accent1"/>
-          </a:fillRef>
-          <a:effectRef idx="0">
-            <a:schemeClr val="accent1"/>
-          </a:effectRef>
-          <a:fontRef idx="minor">
-            <a:schemeClr val="lt1"/>
-          </a:fontRef>
-        </p:style>
-        <p:txBody>
-          <a:bodyPr rtlCol="0" anchor="ctr"/>
-          <a:lstStyle/>
-          <a:p>
-            <a:pPr algn="ctr"/>
-            <a:endParaRPr lang="en-US"/>
-          </a:p>
-        </p:txBody>
-      </p:sp>
-      <p:sp>
-        <p:nvSpPr>
-          <p:cNvPr id="57" name="Rectangle 56">
-            <a:extLst>
-              <a:ext uri="{FF2B5EF4-FFF2-40B4-BE49-F238E27FC236}">
-                <a16:creationId xmlns:a16="http://schemas.microsoft.com/office/drawing/2014/main" id="{3003BAEF-4356-4005-AFAB-C82CC66B294A}"/>
-              </a:ext>
-            </a:extLst>
-          </p:cNvPr>
-          <p:cNvSpPr/>
-          <p:nvPr/>
-        </p:nvSpPr>
-        <p:spPr>
-          <a:xfrm>
-            <a:off x="29716219" y="12758068"/>
-            <a:ext cx="12181957" cy="1017601"/>
-          </a:xfrm>
-          <a:prstGeom prst="rect">
-            <a:avLst/>
-          </a:prstGeom>
-          <a:solidFill>
-            <a:schemeClr val="accent2"/>
-          </a:solidFill>
-        </p:spPr>
-        <p:style>
-          <a:lnRef idx="2">
-            <a:schemeClr val="accent1">
-              <a:shade val="50000"/>
-            </a:schemeClr>
-          </a:lnRef>
-          <a:fillRef idx="1">
-            <a:schemeClr val="accent1"/>
-          </a:fillRef>
-          <a:effectRef idx="0">
-            <a:schemeClr val="accent1"/>
-          </a:effectRef>
-          <a:fontRef idx="minor">
-            <a:schemeClr val="lt1"/>
-          </a:fontRef>
-        </p:style>
-        <p:txBody>
-          <a:bodyPr rtlCol="0" anchor="ctr"/>
-          <a:lstStyle/>
-          <a:p>
-            <a:pPr algn="ctr"/>
-            <a:endParaRPr lang="en-US" dirty="0"/>
-          </a:p>
-        </p:txBody>
-      </p:sp>
-      <p:sp>
-        <p:nvSpPr>
-          <p:cNvPr id="58" name="Rectangle 57">
-            <a:extLst>
-              <a:ext uri="{FF2B5EF4-FFF2-40B4-BE49-F238E27FC236}">
-                <a16:creationId xmlns:a16="http://schemas.microsoft.com/office/drawing/2014/main" id="{F3D1EB28-EEDD-45B9-B5E4-297D71FC2B42}"/>
-              </a:ext>
-            </a:extLst>
-          </p:cNvPr>
-          <p:cNvSpPr/>
-          <p:nvPr/>
-        </p:nvSpPr>
-        <p:spPr>
-          <a:xfrm>
-            <a:off x="15391999" y="26586003"/>
-            <a:ext cx="12153321" cy="893864"/>
-          </a:xfrm>
-          <a:prstGeom prst="rect">
-            <a:avLst/>
-          </a:prstGeom>
-          <a:solidFill>
-            <a:schemeClr val="accent2"/>
-          </a:solidFill>
-        </p:spPr>
-        <p:style>
-          <a:lnRef idx="2">
-            <a:schemeClr val="accent1">
-              <a:shade val="50000"/>
-            </a:schemeClr>
-          </a:lnRef>
-          <a:fillRef idx="1">
-            <a:schemeClr val="accent1"/>
-          </a:fillRef>
-          <a:effectRef idx="0">
-            <a:schemeClr val="accent1"/>
-          </a:effectRef>
-          <a:fontRef idx="minor">
-            <a:schemeClr val="lt1"/>
-          </a:fontRef>
-        </p:style>
-        <p:txBody>
-          <a:bodyPr rtlCol="0" anchor="ctr"/>
-          <a:lstStyle/>
-          <a:p>
-            <a:pPr algn="ctr"/>
-            <a:endParaRPr lang="en-US"/>
-          </a:p>
-        </p:txBody>
-      </p:sp>
-      <p:sp>
-        <p:nvSpPr>
-          <p:cNvPr id="59" name="Rectangle 58">
-            <a:extLst>
-              <a:ext uri="{FF2B5EF4-FFF2-40B4-BE49-F238E27FC236}">
-                <a16:creationId xmlns:a16="http://schemas.microsoft.com/office/drawing/2014/main" id="{718AED54-AD05-4CA8-ADD5-BDC75BB30338}"/>
-              </a:ext>
-            </a:extLst>
-          </p:cNvPr>
-          <p:cNvSpPr/>
-          <p:nvPr/>
-        </p:nvSpPr>
-        <p:spPr>
-          <a:xfrm>
-            <a:off x="998024" y="18734126"/>
-            <a:ext cx="12150468" cy="1021602"/>
-          </a:xfrm>
-          <a:prstGeom prst="rect">
-            <a:avLst/>
-          </a:prstGeom>
-          <a:solidFill>
-            <a:schemeClr val="accent2"/>
-          </a:solidFill>
-        </p:spPr>
-        <p:style>
-          <a:lnRef idx="2">
-            <a:schemeClr val="accent1">
-              <a:shade val="50000"/>
-            </a:schemeClr>
-          </a:lnRef>
-          <a:fillRef idx="1">
-            <a:schemeClr val="accent1"/>
-          </a:fillRef>
-          <a:effectRef idx="0">
-            <a:schemeClr val="accent1"/>
-          </a:effectRef>
-          <a:fontRef idx="minor">
-            <a:schemeClr val="lt1"/>
-          </a:fontRef>
-        </p:style>
-        <p:txBody>
-          <a:bodyPr rtlCol="0" anchor="ctr"/>
-          <a:lstStyle/>
-          <a:p>
-            <a:pPr algn="ctr"/>
-            <a:endParaRPr lang="en-US"/>
-          </a:p>
-        </p:txBody>
-      </p:sp>
-      <p:sp>
-        <p:nvSpPr>
-          <p:cNvPr id="60" name="Rectangle 59">
-            <a:extLst>
-              <a:ext uri="{FF2B5EF4-FFF2-40B4-BE49-F238E27FC236}">
-                <a16:creationId xmlns:a16="http://schemas.microsoft.com/office/drawing/2014/main" id="{556740F4-6495-4CAB-A27F-FA34782BAF37}"/>
-              </a:ext>
-            </a:extLst>
-          </p:cNvPr>
-          <p:cNvSpPr/>
-          <p:nvPr/>
-        </p:nvSpPr>
-        <p:spPr>
-          <a:xfrm>
-            <a:off x="964370" y="10059267"/>
-            <a:ext cx="12186280" cy="1014343"/>
-          </a:xfrm>
-          <a:prstGeom prst="rect">
-            <a:avLst/>
-          </a:prstGeom>
-          <a:solidFill>
-            <a:schemeClr val="accent2"/>
-          </a:solidFill>
-        </p:spPr>
-        <p:style>
-          <a:lnRef idx="2">
-            <a:schemeClr val="accent1">
-              <a:shade val="50000"/>
-            </a:schemeClr>
-          </a:lnRef>
-          <a:fillRef idx="1">
-            <a:schemeClr val="accent1"/>
-          </a:fillRef>
-          <a:effectRef idx="0">
-            <a:schemeClr val="accent1"/>
-          </a:effectRef>
-          <a:fontRef idx="minor">
-            <a:schemeClr val="lt1"/>
-          </a:fontRef>
-        </p:style>
-        <p:txBody>
-          <a:bodyPr rtlCol="0" anchor="ctr"/>
-          <a:lstStyle/>
-          <a:p>
-            <a:pPr algn="ctr"/>
-            <a:endParaRPr lang="en-US"/>
-          </a:p>
-        </p:txBody>
-      </p:sp>
-      <p:sp>
-        <p:nvSpPr>
-          <p:cNvPr id="61" name="Rectangle 60">
-            <a:extLst>
-              <a:ext uri="{FF2B5EF4-FFF2-40B4-BE49-F238E27FC236}">
-                <a16:creationId xmlns:a16="http://schemas.microsoft.com/office/drawing/2014/main" id="{C223A03B-FC35-4A91-817B-5811FE839BF5}"/>
-              </a:ext>
-            </a:extLst>
-          </p:cNvPr>
-          <p:cNvSpPr/>
-          <p:nvPr/>
-        </p:nvSpPr>
-        <p:spPr>
-          <a:xfrm>
-            <a:off x="958015" y="3336351"/>
-            <a:ext cx="12192635" cy="958394"/>
-          </a:xfrm>
-          <a:prstGeom prst="rect">
-            <a:avLst/>
-          </a:prstGeom>
-          <a:solidFill>
-            <a:schemeClr val="accent2"/>
-          </a:solidFill>
-        </p:spPr>
-        <p:style>
-          <a:lnRef idx="2">
-            <a:schemeClr val="accent1">
-              <a:shade val="50000"/>
-            </a:schemeClr>
-          </a:lnRef>
-          <a:fillRef idx="1">
-            <a:schemeClr val="accent1"/>
-          </a:fillRef>
-          <a:effectRef idx="0">
-            <a:schemeClr val="accent1"/>
-          </a:effectRef>
-          <a:fontRef idx="minor">
-            <a:schemeClr val="lt1"/>
-          </a:fontRef>
-        </p:style>
-        <p:txBody>
-          <a:bodyPr rtlCol="0" anchor="ctr"/>
-          <a:lstStyle/>
-          <a:p>
-            <a:pPr algn="ctr"/>
-            <a:endParaRPr lang="en-US"/>
-          </a:p>
-        </p:txBody>
-      </p:sp>
-      <p:sp>
-        <p:nvSpPr>
-          <p:cNvPr id="62" name="Rectangle 61">
-            <a:extLst>
-              <a:ext uri="{FF2B5EF4-FFF2-40B4-BE49-F238E27FC236}">
-                <a16:creationId xmlns:a16="http://schemas.microsoft.com/office/drawing/2014/main" id="{1FC87924-A58C-4F8F-BE3A-892159C3F777}"/>
-              </a:ext>
-            </a:extLst>
-          </p:cNvPr>
-          <p:cNvSpPr/>
-          <p:nvPr/>
-        </p:nvSpPr>
-        <p:spPr>
-          <a:xfrm>
-            <a:off x="15345011" y="3333935"/>
-            <a:ext cx="12245393" cy="958394"/>
-          </a:xfrm>
-          <a:prstGeom prst="rect">
-            <a:avLst/>
-          </a:prstGeom>
-          <a:solidFill>
-            <a:schemeClr val="accent2"/>
-          </a:solidFill>
-        </p:spPr>
-        <p:style>
-          <a:lnRef idx="2">
-            <a:schemeClr val="accent1">
-              <a:shade val="50000"/>
-            </a:schemeClr>
-          </a:lnRef>
-          <a:fillRef idx="1">
-            <a:schemeClr val="accent1"/>
-          </a:fillRef>
-          <a:effectRef idx="0">
-            <a:schemeClr val="accent1"/>
-          </a:effectRef>
-          <a:fontRef idx="minor">
-            <a:schemeClr val="lt1"/>
-          </a:fontRef>
-        </p:style>
-        <p:txBody>
-          <a:bodyPr rtlCol="0" anchor="ctr"/>
-          <a:lstStyle/>
-          <a:p>
-            <a:pPr algn="ctr"/>
-            <a:endParaRPr lang="en-US"/>
-          </a:p>
-        </p:txBody>
-      </p:sp>
-      <p:sp>
-        <p:nvSpPr>
-          <p:cNvPr id="63" name="Rectangle 62">
-            <a:extLst>
-              <a:ext uri="{FF2B5EF4-FFF2-40B4-BE49-F238E27FC236}">
-                <a16:creationId xmlns:a16="http://schemas.microsoft.com/office/drawing/2014/main" id="{9B6FA245-15C1-4422-90BA-12F71F8404EA}"/>
-              </a:ext>
-            </a:extLst>
-          </p:cNvPr>
-          <p:cNvSpPr/>
-          <p:nvPr/>
-        </p:nvSpPr>
-        <p:spPr>
-          <a:xfrm>
-            <a:off x="29716221" y="3333935"/>
-            <a:ext cx="12192635" cy="958394"/>
-          </a:xfrm>
-          <a:prstGeom prst="rect">
-            <a:avLst/>
-          </a:prstGeom>
-          <a:solidFill>
-            <a:schemeClr val="accent2"/>
-          </a:solidFill>
-        </p:spPr>
-        <p:style>
-          <a:lnRef idx="2">
-            <a:schemeClr val="accent1">
-              <a:shade val="50000"/>
-            </a:schemeClr>
-          </a:lnRef>
-          <a:fillRef idx="1">
-            <a:schemeClr val="accent1"/>
-          </a:fillRef>
-          <a:effectRef idx="0">
-            <a:schemeClr val="accent1"/>
-          </a:effectRef>
-          <a:fontRef idx="minor">
-            <a:schemeClr val="lt1"/>
-          </a:fontRef>
-        </p:style>
-        <p:txBody>
-          <a:bodyPr rtlCol="0" anchor="ctr"/>
-          <a:lstStyle/>
-          <a:p>
-            <a:pPr algn="ctr"/>
-            <a:endParaRPr lang="en-US"/>
-          </a:p>
-        </p:txBody>
-      </p:sp>
-      <p:sp>
-        <p:nvSpPr>
-          <p:cNvPr id="9" name="TextBox 8">
-            <a:extLst>
-              <a:ext uri="{FF2B5EF4-FFF2-40B4-BE49-F238E27FC236}">
-                <a16:creationId xmlns:a16="http://schemas.microsoft.com/office/drawing/2014/main" id="{6D298C1F-1A23-494F-85DD-8823F4B7DE16}"/>
-              </a:ext>
-            </a:extLst>
-          </p:cNvPr>
-          <p:cNvSpPr txBox="1"/>
-          <p:nvPr/>
-        </p:nvSpPr>
-        <p:spPr>
-          <a:xfrm>
-            <a:off x="958015" y="3379822"/>
-            <a:ext cx="12192636" cy="861774"/>
-          </a:xfrm>
-          <a:prstGeom prst="rect">
-            <a:avLst/>
-          </a:prstGeom>
-          <a:noFill/>
-        </p:spPr>
-        <p:txBody>
-          <a:bodyPr wrap="square" rtlCol="0">
-            <a:spAutoFit/>
-          </a:bodyPr>
-          <a:lstStyle/>
-          <a:p>
-            <a:pPr algn="ctr"/>
-            <a:r>
-              <a:rPr lang="en-US" sz="5000" b="1" dirty="0">
-                <a:latin typeface="Times New Roman" panose="02020603050405020304" pitchFamily="18" charset="0"/>
-                <a:cs typeface="Times New Roman" panose="02020603050405020304" pitchFamily="18" charset="0"/>
-              </a:rPr>
-              <a:t>Introduction</a:t>
-            </a:r>
-          </a:p>
-        </p:txBody>
-      </p:sp>
-      <p:sp>
-        <p:nvSpPr>
-          <p:cNvPr id="31" name="TextBox 30">
-            <a:extLst>
-              <a:ext uri="{FF2B5EF4-FFF2-40B4-BE49-F238E27FC236}">
-                <a16:creationId xmlns:a16="http://schemas.microsoft.com/office/drawing/2014/main" id="{B7E22F99-AD3F-4A48-901A-11AB909A421F}"/>
-              </a:ext>
-            </a:extLst>
-          </p:cNvPr>
-          <p:cNvSpPr txBox="1"/>
-          <p:nvPr/>
-        </p:nvSpPr>
-        <p:spPr>
-          <a:xfrm>
-            <a:off x="15361864" y="3439491"/>
-            <a:ext cx="12192635" cy="861774"/>
-          </a:xfrm>
-          <a:prstGeom prst="rect">
-            <a:avLst/>
-          </a:prstGeom>
-          <a:noFill/>
-        </p:spPr>
-        <p:txBody>
-          <a:bodyPr wrap="square" rtlCol="0">
-            <a:spAutoFit/>
-          </a:bodyPr>
-          <a:lstStyle/>
-          <a:p>
-            <a:pPr algn="ctr"/>
-            <a:r>
-              <a:rPr lang="en-US" sz="5000" b="1" dirty="0">
-                <a:latin typeface="Times New Roman" panose="02020603050405020304" pitchFamily="18" charset="0"/>
-                <a:cs typeface="Times New Roman" panose="02020603050405020304" pitchFamily="18" charset="0"/>
-              </a:rPr>
-              <a:t>Recording Technique</a:t>
-            </a:r>
-          </a:p>
-        </p:txBody>
-      </p:sp>
-      <p:sp>
-        <p:nvSpPr>
-          <p:cNvPr id="39" name="TextBox 38">
-            <a:extLst>
-              <a:ext uri="{FF2B5EF4-FFF2-40B4-BE49-F238E27FC236}">
-                <a16:creationId xmlns:a16="http://schemas.microsoft.com/office/drawing/2014/main" id="{F0589213-A7A9-4946-BB65-6002944EF5F0}"/>
-              </a:ext>
-            </a:extLst>
-          </p:cNvPr>
-          <p:cNvSpPr txBox="1"/>
-          <p:nvPr/>
-        </p:nvSpPr>
-        <p:spPr>
-          <a:xfrm>
-            <a:off x="29728679" y="3379822"/>
-            <a:ext cx="12190857" cy="861774"/>
-          </a:xfrm>
-          <a:prstGeom prst="rect">
-            <a:avLst/>
-          </a:prstGeom>
-          <a:noFill/>
-        </p:spPr>
-        <p:txBody>
-          <a:bodyPr wrap="square" rtlCol="0">
-            <a:spAutoFit/>
-          </a:bodyPr>
-          <a:lstStyle/>
-          <a:p>
-            <a:pPr algn="ctr"/>
-            <a:r>
-              <a:rPr lang="en-US" sz="5000" b="1" dirty="0">
-                <a:latin typeface="Times New Roman" panose="02020603050405020304" pitchFamily="18" charset="0"/>
-                <a:cs typeface="Times New Roman" panose="02020603050405020304" pitchFamily="18" charset="0"/>
-              </a:rPr>
-              <a:t>Desktop Application</a:t>
-            </a:r>
-          </a:p>
-        </p:txBody>
-      </p:sp>
-      <p:sp>
-        <p:nvSpPr>
-          <p:cNvPr id="64" name="Rectangle 63">
-            <a:extLst>
-              <a:ext uri="{FF2B5EF4-FFF2-40B4-BE49-F238E27FC236}">
-                <a16:creationId xmlns:a16="http://schemas.microsoft.com/office/drawing/2014/main" id="{EAEB2BD7-7AD3-44DE-8CAA-C8FD7AD699E8}"/>
-              </a:ext>
-            </a:extLst>
-          </p:cNvPr>
-          <p:cNvSpPr/>
-          <p:nvPr/>
-        </p:nvSpPr>
-        <p:spPr>
-          <a:xfrm>
-            <a:off x="15381582" y="13350545"/>
-            <a:ext cx="12186280" cy="1014343"/>
-          </a:xfrm>
-          <a:prstGeom prst="rect">
-            <a:avLst/>
-          </a:prstGeom>
-          <a:solidFill>
-            <a:schemeClr val="accent2"/>
-          </a:solidFill>
-        </p:spPr>
-        <p:style>
-          <a:lnRef idx="2">
-            <a:schemeClr val="accent1">
-              <a:shade val="50000"/>
-            </a:schemeClr>
-          </a:lnRef>
-          <a:fillRef idx="1">
-            <a:schemeClr val="accent1"/>
-          </a:fillRef>
-          <a:effectRef idx="0">
-            <a:schemeClr val="accent1"/>
-          </a:effectRef>
-          <a:fontRef idx="minor">
-            <a:schemeClr val="lt1"/>
-          </a:fontRef>
-        </p:style>
-        <p:txBody>
-          <a:bodyPr rtlCol="0" anchor="ctr"/>
-          <a:lstStyle/>
-          <a:p>
-            <a:pPr algn="ctr"/>
-            <a:endParaRPr lang="en-US"/>
-          </a:p>
-        </p:txBody>
-      </p:sp>
-      <p:sp>
-        <p:nvSpPr>
-          <p:cNvPr id="14" name="TextBox 13">
-            <a:extLst>
-              <a:ext uri="{FF2B5EF4-FFF2-40B4-BE49-F238E27FC236}">
-                <a16:creationId xmlns:a16="http://schemas.microsoft.com/office/drawing/2014/main" id="{CF6B3986-5A85-43E6-A268-3A547C4114AA}"/>
-              </a:ext>
-            </a:extLst>
-          </p:cNvPr>
-          <p:cNvSpPr txBox="1"/>
-          <p:nvPr/>
-        </p:nvSpPr>
-        <p:spPr>
-          <a:xfrm>
-            <a:off x="963453" y="10155952"/>
-            <a:ext cx="12186280" cy="882840"/>
-          </a:xfrm>
-          <a:prstGeom prst="rect">
-            <a:avLst/>
-          </a:prstGeom>
-          <a:noFill/>
-        </p:spPr>
-        <p:txBody>
-          <a:bodyPr wrap="square" rtlCol="0">
-            <a:spAutoFit/>
-          </a:bodyPr>
-          <a:lstStyle/>
-          <a:p>
-            <a:pPr algn="ctr"/>
-            <a:r>
-              <a:rPr lang="en-US" sz="5000" b="1" dirty="0">
-                <a:latin typeface="Times New Roman" panose="02020603050405020304" pitchFamily="18" charset="0"/>
-                <a:cs typeface="Times New Roman" panose="02020603050405020304" pitchFamily="18" charset="0"/>
-              </a:rPr>
-              <a:t>Methods</a:t>
-            </a:r>
-          </a:p>
-        </p:txBody>
-      </p:sp>
-      <p:sp>
-        <p:nvSpPr>
-          <p:cNvPr id="29" name="Rectangle 28">
-            <a:extLst>
-              <a:ext uri="{FF2B5EF4-FFF2-40B4-BE49-F238E27FC236}">
-                <a16:creationId xmlns:a16="http://schemas.microsoft.com/office/drawing/2014/main" id="{2E96BDD8-6BFE-4354-8CC7-9FEE69983B4C}"/>
-              </a:ext>
-            </a:extLst>
-          </p:cNvPr>
-          <p:cNvSpPr/>
-          <p:nvPr/>
-        </p:nvSpPr>
-        <p:spPr>
-          <a:xfrm>
-            <a:off x="15359040" y="13379268"/>
-            <a:ext cx="12186280" cy="861774"/>
-          </a:xfrm>
-          <a:prstGeom prst="rect">
-            <a:avLst/>
-          </a:prstGeom>
-        </p:spPr>
-        <p:txBody>
-          <a:bodyPr wrap="square">
-            <a:spAutoFit/>
-          </a:bodyPr>
-          <a:lstStyle/>
-          <a:p>
-            <a:pPr algn="ctr"/>
-            <a:r>
-              <a:rPr lang="en-US" sz="5000" b="1" dirty="0">
-                <a:latin typeface="Times New Roman" panose="02020603050405020304" pitchFamily="18" charset="0"/>
-                <a:cs typeface="Times New Roman" panose="02020603050405020304" pitchFamily="18" charset="0"/>
-              </a:rPr>
-              <a:t>Web Application</a:t>
-            </a:r>
-          </a:p>
-        </p:txBody>
-      </p:sp>
-      <p:sp>
-        <p:nvSpPr>
-          <p:cNvPr id="26" name="TextBox 25">
-            <a:extLst>
-              <a:ext uri="{FF2B5EF4-FFF2-40B4-BE49-F238E27FC236}">
-                <a16:creationId xmlns:a16="http://schemas.microsoft.com/office/drawing/2014/main" id="{F3AFFFD6-FED8-43B2-9150-64597BC38DCD}"/>
-              </a:ext>
-            </a:extLst>
-          </p:cNvPr>
-          <p:cNvSpPr txBox="1"/>
-          <p:nvPr/>
-        </p:nvSpPr>
-        <p:spPr>
-          <a:xfrm>
-            <a:off x="945571" y="18759489"/>
-            <a:ext cx="12163829" cy="861774"/>
-          </a:xfrm>
-          <a:prstGeom prst="rect">
-            <a:avLst/>
-          </a:prstGeom>
-          <a:noFill/>
-        </p:spPr>
-        <p:txBody>
-          <a:bodyPr wrap="square" rtlCol="0">
-            <a:spAutoFit/>
-          </a:bodyPr>
-          <a:lstStyle/>
-          <a:p>
-            <a:pPr algn="ctr"/>
-            <a:r>
-              <a:rPr lang="en-US" sz="5000" b="1" dirty="0">
-                <a:latin typeface="Times New Roman" panose="02020603050405020304" pitchFamily="18" charset="0"/>
-                <a:cs typeface="Times New Roman" panose="02020603050405020304" pitchFamily="18" charset="0"/>
-              </a:rPr>
-              <a:t>Surround Sound Technology</a:t>
-            </a:r>
-          </a:p>
-        </p:txBody>
-      </p:sp>
-      <p:sp>
-        <p:nvSpPr>
-          <p:cNvPr id="34" name="Rectangle 33">
-            <a:extLst>
-              <a:ext uri="{FF2B5EF4-FFF2-40B4-BE49-F238E27FC236}">
-                <a16:creationId xmlns:a16="http://schemas.microsoft.com/office/drawing/2014/main" id="{088A788D-D0BA-46F0-8BAC-217E338BD4C4}"/>
-              </a:ext>
-            </a:extLst>
-          </p:cNvPr>
-          <p:cNvSpPr/>
-          <p:nvPr/>
-        </p:nvSpPr>
-        <p:spPr>
-          <a:xfrm>
-            <a:off x="15391998" y="26589882"/>
-            <a:ext cx="12153322" cy="861774"/>
-          </a:xfrm>
-          <a:prstGeom prst="rect">
-            <a:avLst/>
-          </a:prstGeom>
-        </p:spPr>
-        <p:txBody>
-          <a:bodyPr wrap="square">
-            <a:spAutoFit/>
-          </a:bodyPr>
-          <a:lstStyle/>
-          <a:p>
-            <a:pPr algn="ctr"/>
-            <a:r>
-              <a:rPr lang="en-US" sz="5000" b="1" dirty="0">
-                <a:latin typeface="Times New Roman" panose="02020603050405020304" pitchFamily="18" charset="0"/>
-                <a:cs typeface="Times New Roman" panose="02020603050405020304" pitchFamily="18" charset="0"/>
-              </a:rPr>
-              <a:t>Voice Recognition and Speech Synthesis</a:t>
-            </a:r>
-          </a:p>
-        </p:txBody>
-      </p:sp>
-      <p:sp>
-        <p:nvSpPr>
-          <p:cNvPr id="65" name="Rectangle 64">
-            <a:extLst>
-              <a:ext uri="{FF2B5EF4-FFF2-40B4-BE49-F238E27FC236}">
-                <a16:creationId xmlns:a16="http://schemas.microsoft.com/office/drawing/2014/main" id="{39AACBD1-9311-49F0-BB2D-AEA74715A941}"/>
-              </a:ext>
-            </a:extLst>
-          </p:cNvPr>
-          <p:cNvSpPr/>
-          <p:nvPr/>
-        </p:nvSpPr>
-        <p:spPr>
-          <a:xfrm>
-            <a:off x="29785984" y="12828331"/>
-            <a:ext cx="12072951" cy="861774"/>
-          </a:xfrm>
-          <a:prstGeom prst="rect">
-            <a:avLst/>
-          </a:prstGeom>
-        </p:spPr>
-        <p:txBody>
-          <a:bodyPr wrap="square">
-            <a:spAutoFit/>
-          </a:bodyPr>
-          <a:lstStyle/>
-          <a:p>
-            <a:pPr algn="ctr"/>
-            <a:r>
-              <a:rPr lang="en-US" sz="5000" b="1" dirty="0">
-                <a:latin typeface="Times New Roman" panose="02020603050405020304" pitchFamily="18" charset="0"/>
-                <a:cs typeface="Times New Roman" panose="02020603050405020304" pitchFamily="18" charset="0"/>
-              </a:rPr>
-              <a:t>Narration based on head direction</a:t>
-            </a:r>
-          </a:p>
-        </p:txBody>
-      </p:sp>
-      <p:sp>
-        <p:nvSpPr>
-          <p:cNvPr id="13" name="TextBox 12">
-            <a:extLst>
-              <a:ext uri="{FF2B5EF4-FFF2-40B4-BE49-F238E27FC236}">
-                <a16:creationId xmlns:a16="http://schemas.microsoft.com/office/drawing/2014/main" id="{89A11050-E8C0-42C3-A1C4-DAC1D8208221}"/>
-              </a:ext>
-            </a:extLst>
-          </p:cNvPr>
-          <p:cNvSpPr txBox="1"/>
-          <p:nvPr/>
-        </p:nvSpPr>
-        <p:spPr>
-          <a:xfrm>
-            <a:off x="30191252" y="22230214"/>
-            <a:ext cx="4957184" cy="861774"/>
-          </a:xfrm>
-          <a:prstGeom prst="rect">
-            <a:avLst/>
-          </a:prstGeom>
-          <a:noFill/>
-        </p:spPr>
-        <p:txBody>
-          <a:bodyPr wrap="square" rtlCol="0">
-            <a:spAutoFit/>
-          </a:bodyPr>
-          <a:lstStyle/>
-          <a:p>
-            <a:pPr algn="ctr"/>
-            <a:r>
-              <a:rPr lang="en-US" sz="5000" b="1" dirty="0">
-                <a:latin typeface="Times New Roman" panose="02020603050405020304" pitchFamily="18" charset="0"/>
-                <a:cs typeface="Times New Roman" panose="02020603050405020304" pitchFamily="18" charset="0"/>
-              </a:rPr>
-              <a:t>Main Equipment</a:t>
-            </a:r>
-          </a:p>
-        </p:txBody>
-      </p:sp>
-      <p:sp>
-        <p:nvSpPr>
-          <p:cNvPr id="68" name="Rectangle 67">
-            <a:extLst>
-              <a:ext uri="{FF2B5EF4-FFF2-40B4-BE49-F238E27FC236}">
-                <a16:creationId xmlns:a16="http://schemas.microsoft.com/office/drawing/2014/main" id="{B754B6E2-C0AE-423A-A638-ACCE50F06A52}"/>
-              </a:ext>
-            </a:extLst>
-          </p:cNvPr>
-          <p:cNvSpPr/>
-          <p:nvPr/>
-        </p:nvSpPr>
-        <p:spPr>
-          <a:xfrm>
-            <a:off x="36404531" y="22159689"/>
-            <a:ext cx="5472412" cy="861774"/>
-          </a:xfrm>
-          <a:prstGeom prst="rect">
-            <a:avLst/>
-          </a:prstGeom>
-          <a:solidFill>
-            <a:schemeClr val="accent2"/>
-          </a:solidFill>
-        </p:spPr>
-        <p:style>
-          <a:lnRef idx="2">
-            <a:schemeClr val="accent1">
-              <a:shade val="50000"/>
-            </a:schemeClr>
-          </a:lnRef>
-          <a:fillRef idx="1">
-            <a:schemeClr val="accent1"/>
-          </a:fillRef>
-          <a:effectRef idx="0">
-            <a:schemeClr val="accent1"/>
-          </a:effectRef>
-          <a:fontRef idx="minor">
-            <a:schemeClr val="lt1"/>
-          </a:fontRef>
-        </p:style>
-        <p:txBody>
-          <a:bodyPr rtlCol="0" anchor="ctr"/>
-          <a:lstStyle/>
-          <a:p>
-            <a:pPr algn="ctr"/>
-            <a:endParaRPr lang="en-US"/>
-          </a:p>
-        </p:txBody>
-      </p:sp>
-      <p:sp>
-        <p:nvSpPr>
-          <p:cNvPr id="66" name="TextBox 65">
-            <a:extLst>
-              <a:ext uri="{FF2B5EF4-FFF2-40B4-BE49-F238E27FC236}">
-                <a16:creationId xmlns:a16="http://schemas.microsoft.com/office/drawing/2014/main" id="{2B6C9A8C-461B-41FD-A955-8307AFC52674}"/>
-              </a:ext>
-            </a:extLst>
-          </p:cNvPr>
-          <p:cNvSpPr txBox="1"/>
-          <p:nvPr/>
-        </p:nvSpPr>
-        <p:spPr>
-          <a:xfrm>
-            <a:off x="36702132" y="22203849"/>
-            <a:ext cx="4957184" cy="861774"/>
-          </a:xfrm>
-          <a:prstGeom prst="rect">
-            <a:avLst/>
-          </a:prstGeom>
-          <a:noFill/>
-        </p:spPr>
-        <p:txBody>
-          <a:bodyPr wrap="square" rtlCol="0">
-            <a:spAutoFit/>
-          </a:bodyPr>
-          <a:lstStyle/>
-          <a:p>
-            <a:pPr algn="ctr"/>
-            <a:r>
-              <a:rPr lang="en-US" sz="5000" b="1" dirty="0">
-                <a:latin typeface="Times New Roman" panose="02020603050405020304" pitchFamily="18" charset="0"/>
-                <a:cs typeface="Times New Roman" panose="02020603050405020304" pitchFamily="18" charset="0"/>
-              </a:rPr>
-              <a:t>Project website</a:t>
-            </a:r>
-          </a:p>
-        </p:txBody>
-      </p:sp>
-      <p:sp>
-        <p:nvSpPr>
-          <p:cNvPr id="69" name="Rectangle 68">
-            <a:extLst>
-              <a:ext uri="{FF2B5EF4-FFF2-40B4-BE49-F238E27FC236}">
-                <a16:creationId xmlns:a16="http://schemas.microsoft.com/office/drawing/2014/main" id="{5BC1AA30-127F-454D-8792-D016FBE93433}"/>
-              </a:ext>
-            </a:extLst>
-          </p:cNvPr>
-          <p:cNvSpPr/>
-          <p:nvPr/>
-        </p:nvSpPr>
-        <p:spPr>
-          <a:xfrm>
-            <a:off x="29728679" y="26251196"/>
-            <a:ext cx="5895793" cy="737066"/>
-          </a:xfrm>
-          <a:prstGeom prst="rect">
-            <a:avLst/>
-          </a:prstGeom>
-          <a:solidFill>
-            <a:schemeClr val="accent2"/>
-          </a:solidFill>
-        </p:spPr>
-        <p:style>
-          <a:lnRef idx="2">
-            <a:schemeClr val="accent1">
-              <a:shade val="50000"/>
-            </a:schemeClr>
-          </a:lnRef>
-          <a:fillRef idx="1">
-            <a:schemeClr val="accent1"/>
-          </a:fillRef>
-          <a:effectRef idx="0">
-            <a:schemeClr val="accent1"/>
-          </a:effectRef>
-          <a:fontRef idx="minor">
-            <a:schemeClr val="lt1"/>
-          </a:fontRef>
-        </p:style>
-        <p:txBody>
-          <a:bodyPr rtlCol="0" anchor="ctr"/>
-          <a:lstStyle/>
-          <a:p>
-            <a:pPr algn="ctr"/>
-            <a:endParaRPr lang="en-US"/>
-          </a:p>
-        </p:txBody>
-      </p:sp>
-      <p:sp>
-        <p:nvSpPr>
-          <p:cNvPr id="52" name="TextBox 51">
-            <a:extLst>
-              <a:ext uri="{FF2B5EF4-FFF2-40B4-BE49-F238E27FC236}">
-                <a16:creationId xmlns:a16="http://schemas.microsoft.com/office/drawing/2014/main" id="{0F28130B-5935-46D9-95CE-6F7C23A20D93}"/>
-              </a:ext>
-            </a:extLst>
-          </p:cNvPr>
-          <p:cNvSpPr txBox="1"/>
-          <p:nvPr/>
-        </p:nvSpPr>
-        <p:spPr>
-          <a:xfrm>
-            <a:off x="27684068" y="26188842"/>
-            <a:ext cx="8375453" cy="861774"/>
-          </a:xfrm>
-          <a:prstGeom prst="rect">
-            <a:avLst/>
-          </a:prstGeom>
-          <a:noFill/>
-        </p:spPr>
-        <p:txBody>
-          <a:bodyPr wrap="square" rtlCol="0">
-            <a:spAutoFit/>
-          </a:bodyPr>
-          <a:lstStyle/>
-          <a:p>
-            <a:pPr algn="ctr"/>
-            <a:r>
-              <a:rPr lang="en-US" sz="5000" b="1" dirty="0">
-                <a:latin typeface="Times New Roman" panose="02020603050405020304" pitchFamily="18" charset="0"/>
-                <a:cs typeface="Times New Roman" panose="02020603050405020304" pitchFamily="18" charset="0"/>
-              </a:rPr>
-              <a:t>    References</a:t>
-            </a:r>
-          </a:p>
-        </p:txBody>
-      </p:sp>
-      <p:pic>
-        <p:nvPicPr>
-          <p:cNvPr id="11" name="Picture 4" descr="Image result for Swinburne logo">
-            <a:extLst>
-              <a:ext uri="{FF2B5EF4-FFF2-40B4-BE49-F238E27FC236}">
-                <a16:creationId xmlns:a16="http://schemas.microsoft.com/office/drawing/2014/main" id="{E0364D39-CA09-4EEF-9CBE-6A7D04B90D0C}"/>
-              </a:ext>
-            </a:extLst>
-          </p:cNvPr>
-          <p:cNvPicPr>
-            <a:picLocks noChangeAspect="1" noChangeArrowheads="1"/>
-          </p:cNvPicPr>
-          <p:nvPr/>
-        </p:nvPicPr>
-        <p:blipFill>
-          <a:blip r:embed="rId14">
-            <a:extLst>
-              <a:ext uri="{28A0092B-C50C-407E-A947-70E740481C1C}">
-                <a14:useLocalDpi xmlns:a14="http://schemas.microsoft.com/office/drawing/2010/main" val="0"/>
-              </a:ext>
-            </a:extLst>
-          </a:blip>
-          <a:srcRect/>
-          <a:stretch>
-            <a:fillRect/>
-          </a:stretch>
-        </p:blipFill>
-        <p:spPr bwMode="auto">
-          <a:xfrm>
-            <a:off x="-917" y="-76100"/>
-            <a:ext cx="6066051" cy="2982958"/>
-          </a:xfrm>
-          <a:prstGeom prst="rect">
-            <a:avLst/>
-          </a:prstGeom>
-          <a:noFill/>
-          <a:extLst>
-            <a:ext uri="{909E8E84-426E-40DD-AFC4-6F175D3DCCD1}">
-              <a14:hiddenFill xmlns:a14="http://schemas.microsoft.com/office/drawing/2010/main">
-                <a:solidFill>
-                  <a:srgbClr val="FFFFFF"/>
-                </a:solidFill>
-              </a14:hiddenFill>
-            </a:ext>
-          </a:extLst>
-        </p:spPr>
-      </p:pic>
+              <a:t> and its integration on headphone.</a:t>
+            </a:r>
+          </a:p>
+        </p:txBody>
+      </p:sp>
     </p:spTree>
     <p:extLst>
       <p:ext uri="{BB962C8B-B14F-4D97-AF65-F5344CB8AC3E}">
